--- a/documentation/Documentation.pptx
+++ b/documentation/Documentation.pptx
@@ -3009,7 +3009,7 @@
         </p:nvSpPr>
         <p:spPr>
           <a:xfrm>
-            <a:off x="7373634" y="1481649"/>
+            <a:off x="7373634" y="1862649"/>
             <a:ext cx="1039319" cy="979865"/>
           </a:xfrm>
           <a:prstGeom prst="rect">
@@ -3055,7 +3055,7 @@
         </p:nvSpPr>
         <p:spPr>
           <a:xfrm>
-            <a:off x="6319019" y="1481649"/>
+            <a:off x="6319019" y="1862649"/>
             <a:ext cx="1054616" cy="979865"/>
           </a:xfrm>
           <a:prstGeom prst="rect">
@@ -3101,7 +3101,7 @@
         </p:nvSpPr>
         <p:spPr>
           <a:xfrm>
-            <a:off x="5295876" y="1481649"/>
+            <a:off x="5295876" y="1862649"/>
             <a:ext cx="1039319" cy="979865"/>
           </a:xfrm>
           <a:prstGeom prst="rect">
@@ -3147,7 +3147,7 @@
         </p:nvSpPr>
         <p:spPr>
           <a:xfrm>
-            <a:off x="4241261" y="1481649"/>
+            <a:off x="4241261" y="1862649"/>
             <a:ext cx="1054616" cy="979865"/>
           </a:xfrm>
           <a:prstGeom prst="rect">
@@ -3193,7 +3193,7 @@
         </p:nvSpPr>
         <p:spPr>
           <a:xfrm>
-            <a:off x="3201941" y="1481651"/>
+            <a:off x="3201941" y="1862651"/>
             <a:ext cx="1039319" cy="979865"/>
           </a:xfrm>
           <a:prstGeom prst="rect">
@@ -3474,7 +3474,7 @@
         </p:nvGrpSpPr>
         <p:grpSpPr>
           <a:xfrm>
-            <a:off x="3172758" y="1481651"/>
+            <a:off x="3172758" y="1862651"/>
             <a:ext cx="5256372" cy="979865"/>
             <a:chOff x="2135177" y="826851"/>
             <a:chExt cx="5256372" cy="979865"/>
@@ -3559,7 +3559,7 @@
         </p:nvSpPr>
         <p:spPr>
           <a:xfrm>
-            <a:off x="527237" y="1786917"/>
+            <a:off x="527237" y="2167917"/>
             <a:ext cx="1973361" cy="369332"/>
           </a:xfrm>
           <a:prstGeom prst="rect">
@@ -3576,6 +3576,2043 @@
             <a:r>
               <a:rPr lang="en-US" b="1" dirty="0" err="1" smtClean="0"/>
               <a:t>MomentaryButton</a:t>
+            </a:r>
+            <a:endParaRPr lang="en-US" b="1" dirty="0"/>
+          </a:p>
+        </p:txBody>
+      </p:sp>
+      <p:sp>
+        <p:nvSpPr>
+          <p:cNvPr id="36" name="TextBox 35"/>
+          <p:cNvSpPr txBox="1"/>
+          <p:nvPr/>
+        </p:nvSpPr>
+        <p:spPr>
+          <a:xfrm>
+            <a:off x="1865668" y="86599"/>
+            <a:ext cx="1293944" cy="1200329"/>
+          </a:xfrm>
+          <a:prstGeom prst="rect">
+            <a:avLst/>
+          </a:prstGeom>
+          <a:noFill/>
+        </p:spPr>
+        <p:txBody>
+          <a:bodyPr wrap="none" rtlCol="0">
+            <a:spAutoFit/>
+          </a:bodyPr>
+          <a:lstStyle/>
+          <a:p>
+            <a:r>
+              <a:rPr lang="en-US" b="1" dirty="0" smtClean="0"/>
+              <a:t>Not pushed</a:t>
+            </a:r>
+          </a:p>
+          <a:p>
+            <a:endParaRPr lang="en-US" b="1" dirty="0"/>
+          </a:p>
+          <a:p>
+            <a:endParaRPr lang="en-US" b="1" dirty="0" smtClean="0"/>
+          </a:p>
+          <a:p>
+            <a:r>
+              <a:rPr lang="en-US" b="1" dirty="0" smtClean="0"/>
+              <a:t>Pushed</a:t>
+            </a:r>
+            <a:endParaRPr lang="en-US" b="1" dirty="0"/>
+          </a:p>
+        </p:txBody>
+      </p:sp>
+      <p:grpSp>
+        <p:nvGrpSpPr>
+          <p:cNvPr id="44" name="Group 43"/>
+          <p:cNvGrpSpPr/>
+          <p:nvPr/>
+        </p:nvGrpSpPr>
+        <p:grpSpPr>
+          <a:xfrm>
+            <a:off x="7373635" y="182363"/>
+            <a:ext cx="1055495" cy="979865"/>
+            <a:chOff x="4245288" y="813881"/>
+            <a:chExt cx="1055495" cy="979865"/>
+          </a:xfrm>
+        </p:grpSpPr>
+        <p:cxnSp>
+          <p:nvCxnSpPr>
+            <p:cNvPr id="45" name="Straight Connector 44"/>
+            <p:cNvCxnSpPr/>
+            <p:nvPr/>
+          </p:nvCxnSpPr>
+          <p:spPr>
+            <a:xfrm flipV="1">
+              <a:off x="4245288" y="838687"/>
+              <a:ext cx="1055495" cy="3856"/>
+            </a:xfrm>
+            <a:prstGeom prst="line">
+              <a:avLst/>
+            </a:prstGeom>
+            <a:ln w="57150">
+              <a:solidFill>
+                <a:srgbClr val="00B0F0"/>
+              </a:solidFill>
+            </a:ln>
+          </p:spPr>
+          <p:style>
+            <a:lnRef idx="1">
+              <a:schemeClr val="accent1"/>
+            </a:lnRef>
+            <a:fillRef idx="0">
+              <a:schemeClr val="accent1"/>
+            </a:fillRef>
+            <a:effectRef idx="0">
+              <a:schemeClr val="accent1"/>
+            </a:effectRef>
+            <a:fontRef idx="minor">
+              <a:schemeClr val="tx1"/>
+            </a:fontRef>
+          </p:style>
+        </p:cxnSp>
+        <p:cxnSp>
+          <p:nvCxnSpPr>
+            <p:cNvPr id="46" name="Straight Connector 45"/>
+            <p:cNvCxnSpPr/>
+            <p:nvPr/>
+          </p:nvCxnSpPr>
+          <p:spPr>
+            <a:xfrm>
+              <a:off x="4247743" y="813881"/>
+              <a:ext cx="0" cy="979865"/>
+            </a:xfrm>
+            <a:prstGeom prst="line">
+              <a:avLst/>
+            </a:prstGeom>
+            <a:ln w="57150">
+              <a:solidFill>
+                <a:srgbClr val="00B0F0"/>
+              </a:solidFill>
+            </a:ln>
+          </p:spPr>
+          <p:style>
+            <a:lnRef idx="1">
+              <a:schemeClr val="accent1"/>
+            </a:lnRef>
+            <a:fillRef idx="0">
+              <a:schemeClr val="accent1"/>
+            </a:fillRef>
+            <a:effectRef idx="0">
+              <a:schemeClr val="accent1"/>
+            </a:effectRef>
+            <a:fontRef idx="minor">
+              <a:schemeClr val="tx1"/>
+            </a:fontRef>
+          </p:style>
+        </p:cxnSp>
+      </p:grpSp>
+      <p:grpSp>
+        <p:nvGrpSpPr>
+          <p:cNvPr id="50" name="Group 49"/>
+          <p:cNvGrpSpPr/>
+          <p:nvPr/>
+        </p:nvGrpSpPr>
+        <p:grpSpPr>
+          <a:xfrm>
+            <a:off x="3159612" y="180773"/>
+            <a:ext cx="5257800" cy="979865"/>
+            <a:chOff x="3185765" y="904673"/>
+            <a:chExt cx="5257800" cy="979865"/>
+          </a:xfrm>
+        </p:grpSpPr>
+        <p:cxnSp>
+          <p:nvCxnSpPr>
+            <p:cNvPr id="6" name="Straight Connector 5"/>
+            <p:cNvCxnSpPr/>
+            <p:nvPr/>
+          </p:nvCxnSpPr>
+          <p:spPr>
+            <a:xfrm flipV="1">
+              <a:off x="3214949" y="904673"/>
+              <a:ext cx="0" cy="979865"/>
+            </a:xfrm>
+            <a:prstGeom prst="line">
+              <a:avLst/>
+            </a:prstGeom>
+            <a:ln w="57150">
+              <a:solidFill>
+                <a:schemeClr val="tx1"/>
+              </a:solidFill>
+            </a:ln>
+          </p:spPr>
+          <p:style>
+            <a:lnRef idx="1">
+              <a:schemeClr val="accent1"/>
+            </a:lnRef>
+            <a:fillRef idx="0">
+              <a:schemeClr val="accent1"/>
+            </a:fillRef>
+            <a:effectRef idx="0">
+              <a:schemeClr val="accent1"/>
+            </a:effectRef>
+            <a:fontRef idx="minor">
+              <a:schemeClr val="tx1"/>
+            </a:fontRef>
+          </p:style>
+        </p:cxnSp>
+        <p:cxnSp>
+          <p:nvCxnSpPr>
+            <p:cNvPr id="5" name="Straight Connector 4"/>
+            <p:cNvCxnSpPr/>
+            <p:nvPr/>
+          </p:nvCxnSpPr>
+          <p:spPr>
+            <a:xfrm>
+              <a:off x="3185765" y="1884538"/>
+              <a:ext cx="5257800" cy="0"/>
+            </a:xfrm>
+            <a:prstGeom prst="line">
+              <a:avLst/>
+            </a:prstGeom>
+            <a:ln w="57150">
+              <a:solidFill>
+                <a:schemeClr val="tx1"/>
+              </a:solidFill>
+            </a:ln>
+          </p:spPr>
+          <p:style>
+            <a:lnRef idx="1">
+              <a:schemeClr val="accent1"/>
+            </a:lnRef>
+            <a:fillRef idx="0">
+              <a:schemeClr val="accent1"/>
+            </a:fillRef>
+            <a:effectRef idx="0">
+              <a:schemeClr val="accent1"/>
+            </a:effectRef>
+            <a:fontRef idx="minor">
+              <a:schemeClr val="tx1"/>
+            </a:fontRef>
+          </p:style>
+        </p:cxnSp>
+      </p:grpSp>
+      <p:sp>
+        <p:nvSpPr>
+          <p:cNvPr id="60" name="Rectangle 59"/>
+          <p:cNvSpPr/>
+          <p:nvPr/>
+        </p:nvSpPr>
+        <p:spPr>
+          <a:xfrm>
+            <a:off x="4310744" y="3020561"/>
+            <a:ext cx="2023572" cy="979865"/>
+          </a:xfrm>
+          <a:prstGeom prst="rect">
+            <a:avLst/>
+          </a:prstGeom>
+          <a:solidFill>
+            <a:srgbClr val="C00000"/>
+          </a:solidFill>
+          <a:ln>
+            <a:noFill/>
+          </a:ln>
+        </p:spPr>
+        <p:style>
+          <a:lnRef idx="2">
+            <a:schemeClr val="accent1">
+              <a:shade val="50000"/>
+            </a:schemeClr>
+          </a:lnRef>
+          <a:fillRef idx="1">
+            <a:schemeClr val="accent1"/>
+          </a:fillRef>
+          <a:effectRef idx="0">
+            <a:schemeClr val="accent1"/>
+          </a:effectRef>
+          <a:fontRef idx="minor">
+            <a:schemeClr val="lt1"/>
+          </a:fontRef>
+        </p:style>
+        <p:txBody>
+          <a:bodyPr rtlCol="0" anchor="ctr"/>
+          <a:lstStyle/>
+          <a:p>
+            <a:pPr algn="ctr"/>
+            <a:endParaRPr lang="en-US"/>
+          </a:p>
+        </p:txBody>
+      </p:sp>
+      <p:sp>
+        <p:nvSpPr>
+          <p:cNvPr id="62" name="Rectangle 61"/>
+          <p:cNvSpPr/>
+          <p:nvPr/>
+        </p:nvSpPr>
+        <p:spPr>
+          <a:xfrm>
+            <a:off x="3201940" y="3020697"/>
+            <a:ext cx="1039319" cy="979865"/>
+          </a:xfrm>
+          <a:prstGeom prst="rect">
+            <a:avLst/>
+          </a:prstGeom>
+          <a:solidFill>
+            <a:srgbClr val="C00000"/>
+          </a:solidFill>
+          <a:ln>
+            <a:noFill/>
+          </a:ln>
+        </p:spPr>
+        <p:style>
+          <a:lnRef idx="2">
+            <a:schemeClr val="accent1">
+              <a:shade val="50000"/>
+            </a:schemeClr>
+          </a:lnRef>
+          <a:fillRef idx="1">
+            <a:schemeClr val="accent1"/>
+          </a:fillRef>
+          <a:effectRef idx="0">
+            <a:schemeClr val="accent1"/>
+          </a:effectRef>
+          <a:fontRef idx="minor">
+            <a:schemeClr val="lt1"/>
+          </a:fontRef>
+        </p:style>
+        <p:txBody>
+          <a:bodyPr rtlCol="0" anchor="ctr"/>
+          <a:lstStyle/>
+          <a:p>
+            <a:pPr algn="ctr"/>
+            <a:endParaRPr lang="en-US"/>
+          </a:p>
+        </p:txBody>
+      </p:sp>
+      <p:sp>
+        <p:nvSpPr>
+          <p:cNvPr id="66" name="TextBox 65"/>
+          <p:cNvSpPr txBox="1"/>
+          <p:nvPr/>
+        </p:nvSpPr>
+        <p:spPr>
+          <a:xfrm>
+            <a:off x="527236" y="3240899"/>
+            <a:ext cx="1831848" cy="646331"/>
+          </a:xfrm>
+          <a:prstGeom prst="rect">
+            <a:avLst/>
+          </a:prstGeom>
+          <a:noFill/>
+        </p:spPr>
+        <p:txBody>
+          <a:bodyPr wrap="none" rtlCol="0">
+            <a:spAutoFit/>
+          </a:bodyPr>
+          <a:lstStyle/>
+          <a:p>
+            <a:r>
+              <a:rPr lang="en-US" b="1" dirty="0" err="1" smtClean="0"/>
+              <a:t>PushEventButton</a:t>
+            </a:r>
+            <a:endParaRPr lang="en-US" b="1" dirty="0" smtClean="0"/>
+          </a:p>
+          <a:p>
+            <a:r>
+              <a:rPr lang="en-US" b="1" dirty="0" smtClean="0"/>
+              <a:t>(capture push)</a:t>
+            </a:r>
+            <a:endParaRPr lang="en-US" b="1" dirty="0"/>
+          </a:p>
+        </p:txBody>
+      </p:sp>
+      <p:sp>
+        <p:nvSpPr>
+          <p:cNvPr id="67" name="Rectangle 66"/>
+          <p:cNvSpPr/>
+          <p:nvPr/>
+        </p:nvSpPr>
+        <p:spPr>
+          <a:xfrm>
+            <a:off x="6404642" y="3020561"/>
+            <a:ext cx="2011955" cy="979865"/>
+          </a:xfrm>
+          <a:prstGeom prst="rect">
+            <a:avLst/>
+          </a:prstGeom>
+          <a:solidFill>
+            <a:srgbClr val="C00000"/>
+          </a:solidFill>
+          <a:ln>
+            <a:noFill/>
+          </a:ln>
+        </p:spPr>
+        <p:style>
+          <a:lnRef idx="2">
+            <a:schemeClr val="accent1">
+              <a:shade val="50000"/>
+            </a:schemeClr>
+          </a:lnRef>
+          <a:fillRef idx="1">
+            <a:schemeClr val="accent1"/>
+          </a:fillRef>
+          <a:effectRef idx="0">
+            <a:schemeClr val="accent1"/>
+          </a:effectRef>
+          <a:fontRef idx="minor">
+            <a:schemeClr val="lt1"/>
+          </a:fontRef>
+        </p:style>
+        <p:txBody>
+          <a:bodyPr rtlCol="0" anchor="ctr"/>
+          <a:lstStyle/>
+          <a:p>
+            <a:pPr algn="ctr"/>
+            <a:endParaRPr lang="en-US"/>
+          </a:p>
+        </p:txBody>
+      </p:sp>
+      <p:sp>
+        <p:nvSpPr>
+          <p:cNvPr id="69" name="Rectangle 68"/>
+          <p:cNvSpPr/>
+          <p:nvPr/>
+        </p:nvSpPr>
+        <p:spPr>
+          <a:xfrm>
+            <a:off x="3201940" y="4178473"/>
+            <a:ext cx="2096391" cy="979865"/>
+          </a:xfrm>
+          <a:prstGeom prst="rect">
+            <a:avLst/>
+          </a:prstGeom>
+          <a:solidFill>
+            <a:srgbClr val="C00000"/>
+          </a:solidFill>
+          <a:ln>
+            <a:noFill/>
+          </a:ln>
+        </p:spPr>
+        <p:style>
+          <a:lnRef idx="2">
+            <a:schemeClr val="accent1">
+              <a:shade val="50000"/>
+            </a:schemeClr>
+          </a:lnRef>
+          <a:fillRef idx="1">
+            <a:schemeClr val="accent1"/>
+          </a:fillRef>
+          <a:effectRef idx="0">
+            <a:schemeClr val="accent1"/>
+          </a:effectRef>
+          <a:fontRef idx="minor">
+            <a:schemeClr val="lt1"/>
+          </a:fontRef>
+        </p:style>
+        <p:txBody>
+          <a:bodyPr rtlCol="0" anchor="ctr"/>
+          <a:lstStyle/>
+          <a:p>
+            <a:pPr algn="ctr"/>
+            <a:endParaRPr lang="en-US"/>
+          </a:p>
+        </p:txBody>
+      </p:sp>
+      <p:sp>
+        <p:nvSpPr>
+          <p:cNvPr id="71" name="Rectangle 70"/>
+          <p:cNvSpPr/>
+          <p:nvPr/>
+        </p:nvSpPr>
+        <p:spPr>
+          <a:xfrm>
+            <a:off x="7368249" y="4183207"/>
+            <a:ext cx="1039319" cy="979865"/>
+          </a:xfrm>
+          <a:prstGeom prst="rect">
+            <a:avLst/>
+          </a:prstGeom>
+          <a:solidFill>
+            <a:srgbClr val="C00000"/>
+          </a:solidFill>
+          <a:ln>
+            <a:noFill/>
+          </a:ln>
+        </p:spPr>
+        <p:style>
+          <a:lnRef idx="2">
+            <a:schemeClr val="accent1">
+              <a:shade val="50000"/>
+            </a:schemeClr>
+          </a:lnRef>
+          <a:fillRef idx="1">
+            <a:schemeClr val="accent1"/>
+          </a:fillRef>
+          <a:effectRef idx="0">
+            <a:schemeClr val="accent1"/>
+          </a:effectRef>
+          <a:fontRef idx="minor">
+            <a:schemeClr val="lt1"/>
+          </a:fontRef>
+        </p:style>
+        <p:txBody>
+          <a:bodyPr rtlCol="0" anchor="ctr"/>
+          <a:lstStyle/>
+          <a:p>
+            <a:pPr algn="ctr"/>
+            <a:endParaRPr lang="en-US"/>
+          </a:p>
+        </p:txBody>
+      </p:sp>
+      <p:sp>
+        <p:nvSpPr>
+          <p:cNvPr id="72" name="TextBox 71"/>
+          <p:cNvSpPr txBox="1"/>
+          <p:nvPr/>
+        </p:nvSpPr>
+        <p:spPr>
+          <a:xfrm>
+            <a:off x="527236" y="4398811"/>
+            <a:ext cx="1831848" cy="646331"/>
+          </a:xfrm>
+          <a:prstGeom prst="rect">
+            <a:avLst/>
+          </a:prstGeom>
+          <a:noFill/>
+        </p:spPr>
+        <p:txBody>
+          <a:bodyPr wrap="none" rtlCol="0">
+            <a:spAutoFit/>
+          </a:bodyPr>
+          <a:lstStyle/>
+          <a:p>
+            <a:r>
+              <a:rPr lang="en-US" b="1" dirty="0" err="1" smtClean="0"/>
+              <a:t>PushEventButton</a:t>
+            </a:r>
+            <a:endParaRPr lang="en-US" b="1" dirty="0" smtClean="0"/>
+          </a:p>
+          <a:p>
+            <a:r>
+              <a:rPr lang="en-US" b="1" dirty="0" smtClean="0"/>
+              <a:t>(capture release)</a:t>
+            </a:r>
+            <a:endParaRPr lang="en-US" b="1" dirty="0"/>
+          </a:p>
+        </p:txBody>
+      </p:sp>
+      <p:sp>
+        <p:nvSpPr>
+          <p:cNvPr id="73" name="Rectangle 72"/>
+          <p:cNvSpPr/>
+          <p:nvPr/>
+        </p:nvSpPr>
+        <p:spPr>
+          <a:xfrm>
+            <a:off x="5353780" y="4178473"/>
+            <a:ext cx="2011955" cy="979865"/>
+          </a:xfrm>
+          <a:prstGeom prst="rect">
+            <a:avLst/>
+          </a:prstGeom>
+          <a:solidFill>
+            <a:srgbClr val="C00000"/>
+          </a:solidFill>
+          <a:ln>
+            <a:noFill/>
+          </a:ln>
+        </p:spPr>
+        <p:style>
+          <a:lnRef idx="2">
+            <a:schemeClr val="accent1">
+              <a:shade val="50000"/>
+            </a:schemeClr>
+          </a:lnRef>
+          <a:fillRef idx="1">
+            <a:schemeClr val="accent1"/>
+          </a:fillRef>
+          <a:effectRef idx="0">
+            <a:schemeClr val="accent1"/>
+          </a:effectRef>
+          <a:fontRef idx="minor">
+            <a:schemeClr val="lt1"/>
+          </a:fontRef>
+        </p:style>
+        <p:txBody>
+          <a:bodyPr rtlCol="0" anchor="ctr"/>
+          <a:lstStyle/>
+          <a:p>
+            <a:pPr algn="ctr"/>
+            <a:endParaRPr lang="en-US"/>
+          </a:p>
+        </p:txBody>
+      </p:sp>
+      <p:sp>
+        <p:nvSpPr>
+          <p:cNvPr id="61" name="Rectangle 60"/>
+          <p:cNvSpPr/>
+          <p:nvPr/>
+        </p:nvSpPr>
+        <p:spPr>
+          <a:xfrm>
+            <a:off x="4235872" y="3020561"/>
+            <a:ext cx="81101" cy="979865"/>
+          </a:xfrm>
+          <a:prstGeom prst="rect">
+            <a:avLst/>
+          </a:prstGeom>
+          <a:solidFill>
+            <a:srgbClr val="00B050"/>
+          </a:solidFill>
+          <a:ln>
+            <a:noFill/>
+          </a:ln>
+        </p:spPr>
+        <p:style>
+          <a:lnRef idx="2">
+            <a:schemeClr val="accent1">
+              <a:shade val="50000"/>
+            </a:schemeClr>
+          </a:lnRef>
+          <a:fillRef idx="1">
+            <a:schemeClr val="accent1"/>
+          </a:fillRef>
+          <a:effectRef idx="0">
+            <a:schemeClr val="accent1"/>
+          </a:effectRef>
+          <a:fontRef idx="minor">
+            <a:schemeClr val="lt1"/>
+          </a:fontRef>
+        </p:style>
+        <p:txBody>
+          <a:bodyPr rtlCol="0" anchor="ctr"/>
+          <a:lstStyle/>
+          <a:p>
+            <a:pPr algn="ctr"/>
+            <a:endParaRPr lang="en-US"/>
+          </a:p>
+        </p:txBody>
+      </p:sp>
+      <p:sp>
+        <p:nvSpPr>
+          <p:cNvPr id="68" name="Rectangle 67"/>
+          <p:cNvSpPr/>
+          <p:nvPr/>
+        </p:nvSpPr>
+        <p:spPr>
+          <a:xfrm>
+            <a:off x="6327364" y="3020561"/>
+            <a:ext cx="81101" cy="979865"/>
+          </a:xfrm>
+          <a:prstGeom prst="rect">
+            <a:avLst/>
+          </a:prstGeom>
+          <a:solidFill>
+            <a:srgbClr val="00B050"/>
+          </a:solidFill>
+          <a:ln>
+            <a:noFill/>
+          </a:ln>
+        </p:spPr>
+        <p:style>
+          <a:lnRef idx="2">
+            <a:schemeClr val="accent1">
+              <a:shade val="50000"/>
+            </a:schemeClr>
+          </a:lnRef>
+          <a:fillRef idx="1">
+            <a:schemeClr val="accent1"/>
+          </a:fillRef>
+          <a:effectRef idx="0">
+            <a:schemeClr val="accent1"/>
+          </a:effectRef>
+          <a:fontRef idx="minor">
+            <a:schemeClr val="lt1"/>
+          </a:fontRef>
+        </p:style>
+        <p:txBody>
+          <a:bodyPr rtlCol="0" anchor="ctr"/>
+          <a:lstStyle/>
+          <a:p>
+            <a:pPr algn="ctr"/>
+            <a:endParaRPr lang="en-US"/>
+          </a:p>
+        </p:txBody>
+      </p:sp>
+      <p:sp>
+        <p:nvSpPr>
+          <p:cNvPr id="70" name="Rectangle 69"/>
+          <p:cNvSpPr/>
+          <p:nvPr/>
+        </p:nvSpPr>
+        <p:spPr>
+          <a:xfrm>
+            <a:off x="7360125" y="4178473"/>
+            <a:ext cx="81101" cy="979865"/>
+          </a:xfrm>
+          <a:prstGeom prst="rect">
+            <a:avLst/>
+          </a:prstGeom>
+          <a:solidFill>
+            <a:srgbClr val="00B050"/>
+          </a:solidFill>
+          <a:ln>
+            <a:noFill/>
+          </a:ln>
+        </p:spPr>
+        <p:style>
+          <a:lnRef idx="2">
+            <a:schemeClr val="accent1">
+              <a:shade val="50000"/>
+            </a:schemeClr>
+          </a:lnRef>
+          <a:fillRef idx="1">
+            <a:schemeClr val="accent1"/>
+          </a:fillRef>
+          <a:effectRef idx="0">
+            <a:schemeClr val="accent1"/>
+          </a:effectRef>
+          <a:fontRef idx="minor">
+            <a:schemeClr val="lt1"/>
+          </a:fontRef>
+        </p:style>
+        <p:txBody>
+          <a:bodyPr rtlCol="0" anchor="ctr"/>
+          <a:lstStyle/>
+          <a:p>
+            <a:pPr algn="ctr"/>
+            <a:endParaRPr lang="en-US"/>
+          </a:p>
+        </p:txBody>
+      </p:sp>
+      <p:sp>
+        <p:nvSpPr>
+          <p:cNvPr id="74" name="Rectangle 73"/>
+          <p:cNvSpPr/>
+          <p:nvPr/>
+        </p:nvSpPr>
+        <p:spPr>
+          <a:xfrm>
+            <a:off x="5290821" y="4178473"/>
+            <a:ext cx="81101" cy="979865"/>
+          </a:xfrm>
+          <a:prstGeom prst="rect">
+            <a:avLst/>
+          </a:prstGeom>
+          <a:solidFill>
+            <a:srgbClr val="00B050"/>
+          </a:solidFill>
+          <a:ln>
+            <a:noFill/>
+          </a:ln>
+        </p:spPr>
+        <p:style>
+          <a:lnRef idx="2">
+            <a:schemeClr val="accent1">
+              <a:shade val="50000"/>
+            </a:schemeClr>
+          </a:lnRef>
+          <a:fillRef idx="1">
+            <a:schemeClr val="accent1"/>
+          </a:fillRef>
+          <a:effectRef idx="0">
+            <a:schemeClr val="accent1"/>
+          </a:effectRef>
+          <a:fontRef idx="minor">
+            <a:schemeClr val="lt1"/>
+          </a:fontRef>
+        </p:style>
+        <p:txBody>
+          <a:bodyPr rtlCol="0" anchor="ctr"/>
+          <a:lstStyle/>
+          <a:p>
+            <a:pPr algn="ctr"/>
+            <a:endParaRPr lang="en-US"/>
+          </a:p>
+        </p:txBody>
+      </p:sp>
+      <p:grpSp>
+        <p:nvGrpSpPr>
+          <p:cNvPr id="63" name="Group 62"/>
+          <p:cNvGrpSpPr/>
+          <p:nvPr/>
+        </p:nvGrpSpPr>
+        <p:grpSpPr>
+          <a:xfrm>
+            <a:off x="3172757" y="3020697"/>
+            <a:ext cx="5256372" cy="979865"/>
+            <a:chOff x="2135177" y="826851"/>
+            <a:chExt cx="5256372" cy="979865"/>
+          </a:xfrm>
+        </p:grpSpPr>
+        <p:cxnSp>
+          <p:nvCxnSpPr>
+            <p:cNvPr id="64" name="Straight Connector 63"/>
+            <p:cNvCxnSpPr/>
+            <p:nvPr/>
+          </p:nvCxnSpPr>
+          <p:spPr>
+            <a:xfrm>
+              <a:off x="2135177" y="1800230"/>
+              <a:ext cx="5256372" cy="6484"/>
+            </a:xfrm>
+            <a:prstGeom prst="line">
+              <a:avLst/>
+            </a:prstGeom>
+            <a:ln w="57150">
+              <a:solidFill>
+                <a:schemeClr val="tx1"/>
+              </a:solidFill>
+            </a:ln>
+          </p:spPr>
+          <p:style>
+            <a:lnRef idx="1">
+              <a:schemeClr val="accent1"/>
+            </a:lnRef>
+            <a:fillRef idx="0">
+              <a:schemeClr val="accent1"/>
+            </a:fillRef>
+            <a:effectRef idx="0">
+              <a:schemeClr val="accent1"/>
+            </a:effectRef>
+            <a:fontRef idx="minor">
+              <a:schemeClr val="tx1"/>
+            </a:fontRef>
+          </p:style>
+        </p:cxnSp>
+        <p:cxnSp>
+          <p:nvCxnSpPr>
+            <p:cNvPr id="65" name="Straight Connector 64"/>
+            <p:cNvCxnSpPr/>
+            <p:nvPr/>
+          </p:nvCxnSpPr>
+          <p:spPr>
+            <a:xfrm flipV="1">
+              <a:off x="2164361" y="826851"/>
+              <a:ext cx="0" cy="979865"/>
+            </a:xfrm>
+            <a:prstGeom prst="line">
+              <a:avLst/>
+            </a:prstGeom>
+            <a:ln w="57150">
+              <a:solidFill>
+                <a:schemeClr val="tx1"/>
+              </a:solidFill>
+            </a:ln>
+          </p:spPr>
+          <p:style>
+            <a:lnRef idx="1">
+              <a:schemeClr val="accent1"/>
+            </a:lnRef>
+            <a:fillRef idx="0">
+              <a:schemeClr val="accent1"/>
+            </a:fillRef>
+            <a:effectRef idx="0">
+              <a:schemeClr val="accent1"/>
+            </a:effectRef>
+            <a:fontRef idx="minor">
+              <a:schemeClr val="tx1"/>
+            </a:fontRef>
+          </p:style>
+        </p:cxnSp>
+      </p:grpSp>
+      <p:grpSp>
+        <p:nvGrpSpPr>
+          <p:cNvPr id="75" name="Group 74"/>
+          <p:cNvGrpSpPr/>
+          <p:nvPr/>
+        </p:nvGrpSpPr>
+        <p:grpSpPr>
+          <a:xfrm>
+            <a:off x="3172757" y="4178609"/>
+            <a:ext cx="5256372" cy="979865"/>
+            <a:chOff x="2135177" y="826851"/>
+            <a:chExt cx="5256372" cy="979865"/>
+          </a:xfrm>
+        </p:grpSpPr>
+        <p:cxnSp>
+          <p:nvCxnSpPr>
+            <p:cNvPr id="76" name="Straight Connector 75"/>
+            <p:cNvCxnSpPr/>
+            <p:nvPr/>
+          </p:nvCxnSpPr>
+          <p:spPr>
+            <a:xfrm>
+              <a:off x="2135177" y="1800230"/>
+              <a:ext cx="5256372" cy="6484"/>
+            </a:xfrm>
+            <a:prstGeom prst="line">
+              <a:avLst/>
+            </a:prstGeom>
+            <a:ln w="57150">
+              <a:solidFill>
+                <a:schemeClr val="tx1"/>
+              </a:solidFill>
+            </a:ln>
+          </p:spPr>
+          <p:style>
+            <a:lnRef idx="1">
+              <a:schemeClr val="accent1"/>
+            </a:lnRef>
+            <a:fillRef idx="0">
+              <a:schemeClr val="accent1"/>
+            </a:fillRef>
+            <a:effectRef idx="0">
+              <a:schemeClr val="accent1"/>
+            </a:effectRef>
+            <a:fontRef idx="minor">
+              <a:schemeClr val="tx1"/>
+            </a:fontRef>
+          </p:style>
+        </p:cxnSp>
+        <p:cxnSp>
+          <p:nvCxnSpPr>
+            <p:cNvPr id="77" name="Straight Connector 76"/>
+            <p:cNvCxnSpPr/>
+            <p:nvPr/>
+          </p:nvCxnSpPr>
+          <p:spPr>
+            <a:xfrm flipV="1">
+              <a:off x="2164361" y="826851"/>
+              <a:ext cx="0" cy="979865"/>
+            </a:xfrm>
+            <a:prstGeom prst="line">
+              <a:avLst/>
+            </a:prstGeom>
+            <a:ln w="57150">
+              <a:solidFill>
+                <a:schemeClr val="tx1"/>
+              </a:solidFill>
+            </a:ln>
+          </p:spPr>
+          <p:style>
+            <a:lnRef idx="1">
+              <a:schemeClr val="accent1"/>
+            </a:lnRef>
+            <a:fillRef idx="0">
+              <a:schemeClr val="accent1"/>
+            </a:fillRef>
+            <a:effectRef idx="0">
+              <a:schemeClr val="accent1"/>
+            </a:effectRef>
+            <a:fontRef idx="minor">
+              <a:schemeClr val="tx1"/>
+            </a:fontRef>
+          </p:style>
+        </p:cxnSp>
+      </p:grpSp>
+      <p:sp>
+        <p:nvSpPr>
+          <p:cNvPr id="81" name="Rectangle 80"/>
+          <p:cNvSpPr/>
+          <p:nvPr/>
+        </p:nvSpPr>
+        <p:spPr>
+          <a:xfrm>
+            <a:off x="7373634" y="5339274"/>
+            <a:ext cx="1039319" cy="979865"/>
+          </a:xfrm>
+          <a:prstGeom prst="rect">
+            <a:avLst/>
+          </a:prstGeom>
+          <a:solidFill>
+            <a:srgbClr val="C00000"/>
+          </a:solidFill>
+          <a:ln>
+            <a:noFill/>
+          </a:ln>
+        </p:spPr>
+        <p:style>
+          <a:lnRef idx="2">
+            <a:schemeClr val="accent1">
+              <a:shade val="50000"/>
+            </a:schemeClr>
+          </a:lnRef>
+          <a:fillRef idx="1">
+            <a:schemeClr val="accent1"/>
+          </a:fillRef>
+          <a:effectRef idx="0">
+            <a:schemeClr val="accent1"/>
+          </a:effectRef>
+          <a:fontRef idx="minor">
+            <a:schemeClr val="lt1"/>
+          </a:fontRef>
+        </p:style>
+        <p:txBody>
+          <a:bodyPr rtlCol="0" anchor="ctr"/>
+          <a:lstStyle/>
+          <a:p>
+            <a:pPr algn="ctr"/>
+            <a:endParaRPr lang="en-US"/>
+          </a:p>
+        </p:txBody>
+      </p:sp>
+      <p:sp>
+        <p:nvSpPr>
+          <p:cNvPr id="82" name="Rectangle 81"/>
+          <p:cNvSpPr/>
+          <p:nvPr/>
+        </p:nvSpPr>
+        <p:spPr>
+          <a:xfrm>
+            <a:off x="5290821" y="5339274"/>
+            <a:ext cx="2082814" cy="979865"/>
+          </a:xfrm>
+          <a:prstGeom prst="rect">
+            <a:avLst/>
+          </a:prstGeom>
+          <a:solidFill>
+            <a:srgbClr val="00B050"/>
+          </a:solidFill>
+          <a:ln>
+            <a:noFill/>
+          </a:ln>
+        </p:spPr>
+        <p:style>
+          <a:lnRef idx="2">
+            <a:schemeClr val="accent1">
+              <a:shade val="50000"/>
+            </a:schemeClr>
+          </a:lnRef>
+          <a:fillRef idx="1">
+            <a:schemeClr val="accent1"/>
+          </a:fillRef>
+          <a:effectRef idx="0">
+            <a:schemeClr val="accent1"/>
+          </a:effectRef>
+          <a:fontRef idx="minor">
+            <a:schemeClr val="lt1"/>
+          </a:fontRef>
+        </p:style>
+        <p:txBody>
+          <a:bodyPr rtlCol="0" anchor="ctr"/>
+          <a:lstStyle/>
+          <a:p>
+            <a:pPr algn="ctr"/>
+            <a:endParaRPr lang="en-US"/>
+          </a:p>
+        </p:txBody>
+      </p:sp>
+      <p:sp>
+        <p:nvSpPr>
+          <p:cNvPr id="83" name="Rectangle 82"/>
+          <p:cNvSpPr/>
+          <p:nvPr/>
+        </p:nvSpPr>
+        <p:spPr>
+          <a:xfrm>
+            <a:off x="3201941" y="5339276"/>
+            <a:ext cx="2096390" cy="979865"/>
+          </a:xfrm>
+          <a:prstGeom prst="rect">
+            <a:avLst/>
+          </a:prstGeom>
+          <a:solidFill>
+            <a:srgbClr val="C00000"/>
+          </a:solidFill>
+          <a:ln>
+            <a:noFill/>
+          </a:ln>
+        </p:spPr>
+        <p:style>
+          <a:lnRef idx="2">
+            <a:schemeClr val="accent1">
+              <a:shade val="50000"/>
+            </a:schemeClr>
+          </a:lnRef>
+          <a:fillRef idx="1">
+            <a:schemeClr val="accent1"/>
+          </a:fillRef>
+          <a:effectRef idx="0">
+            <a:schemeClr val="accent1"/>
+          </a:effectRef>
+          <a:fontRef idx="minor">
+            <a:schemeClr val="lt1"/>
+          </a:fontRef>
+        </p:style>
+        <p:txBody>
+          <a:bodyPr rtlCol="0" anchor="ctr"/>
+          <a:lstStyle/>
+          <a:p>
+            <a:pPr algn="ctr"/>
+            <a:endParaRPr lang="en-US"/>
+          </a:p>
+        </p:txBody>
+      </p:sp>
+      <p:grpSp>
+        <p:nvGrpSpPr>
+          <p:cNvPr id="84" name="Group 83"/>
+          <p:cNvGrpSpPr/>
+          <p:nvPr/>
+        </p:nvGrpSpPr>
+        <p:grpSpPr>
+          <a:xfrm>
+            <a:off x="3172758" y="5339276"/>
+            <a:ext cx="5256372" cy="979865"/>
+            <a:chOff x="2135177" y="826851"/>
+            <a:chExt cx="5256372" cy="979865"/>
+          </a:xfrm>
+        </p:grpSpPr>
+        <p:cxnSp>
+          <p:nvCxnSpPr>
+            <p:cNvPr id="85" name="Straight Connector 84"/>
+            <p:cNvCxnSpPr/>
+            <p:nvPr/>
+          </p:nvCxnSpPr>
+          <p:spPr>
+            <a:xfrm>
+              <a:off x="2135177" y="1800230"/>
+              <a:ext cx="5256372" cy="6484"/>
+            </a:xfrm>
+            <a:prstGeom prst="line">
+              <a:avLst/>
+            </a:prstGeom>
+            <a:ln w="57150">
+              <a:solidFill>
+                <a:schemeClr val="tx1"/>
+              </a:solidFill>
+            </a:ln>
+          </p:spPr>
+          <p:style>
+            <a:lnRef idx="1">
+              <a:schemeClr val="accent1"/>
+            </a:lnRef>
+            <a:fillRef idx="0">
+              <a:schemeClr val="accent1"/>
+            </a:fillRef>
+            <a:effectRef idx="0">
+              <a:schemeClr val="accent1"/>
+            </a:effectRef>
+            <a:fontRef idx="minor">
+              <a:schemeClr val="tx1"/>
+            </a:fontRef>
+          </p:style>
+        </p:cxnSp>
+        <p:cxnSp>
+          <p:nvCxnSpPr>
+            <p:cNvPr id="86" name="Straight Connector 85"/>
+            <p:cNvCxnSpPr/>
+            <p:nvPr/>
+          </p:nvCxnSpPr>
+          <p:spPr>
+            <a:xfrm flipV="1">
+              <a:off x="2164361" y="826851"/>
+              <a:ext cx="0" cy="979865"/>
+            </a:xfrm>
+            <a:prstGeom prst="line">
+              <a:avLst/>
+            </a:prstGeom>
+            <a:ln w="57150">
+              <a:solidFill>
+                <a:schemeClr val="tx1"/>
+              </a:solidFill>
+            </a:ln>
+          </p:spPr>
+          <p:style>
+            <a:lnRef idx="1">
+              <a:schemeClr val="accent1"/>
+            </a:lnRef>
+            <a:fillRef idx="0">
+              <a:schemeClr val="accent1"/>
+            </a:fillRef>
+            <a:effectRef idx="0">
+              <a:schemeClr val="accent1"/>
+            </a:effectRef>
+            <a:fontRef idx="minor">
+              <a:schemeClr val="tx1"/>
+            </a:fontRef>
+          </p:style>
+        </p:cxnSp>
+      </p:grpSp>
+      <p:sp>
+        <p:nvSpPr>
+          <p:cNvPr id="87" name="TextBox 86"/>
+          <p:cNvSpPr txBox="1"/>
+          <p:nvPr/>
+        </p:nvSpPr>
+        <p:spPr>
+          <a:xfrm>
+            <a:off x="527237" y="5644542"/>
+            <a:ext cx="1634935" cy="369332"/>
+          </a:xfrm>
+          <a:prstGeom prst="rect">
+            <a:avLst/>
+          </a:prstGeom>
+          <a:noFill/>
+        </p:spPr>
+        <p:txBody>
+          <a:bodyPr wrap="none" rtlCol="0">
+            <a:spAutoFit/>
+          </a:bodyPr>
+          <a:lstStyle/>
+          <a:p>
+            <a:r>
+              <a:rPr lang="en-US" b="1" dirty="0" err="1" smtClean="0"/>
+              <a:t>LatchingButton</a:t>
+            </a:r>
+            <a:endParaRPr lang="en-US" b="1" dirty="0"/>
+          </a:p>
+        </p:txBody>
+      </p:sp>
+      <p:grpSp>
+        <p:nvGrpSpPr>
+          <p:cNvPr id="97" name="Group 96"/>
+          <p:cNvGrpSpPr/>
+          <p:nvPr/>
+        </p:nvGrpSpPr>
+        <p:grpSpPr>
+          <a:xfrm>
+            <a:off x="4193934" y="6571541"/>
+            <a:ext cx="3189155" cy="394287"/>
+            <a:chOff x="3785279" y="5984611"/>
+            <a:chExt cx="3189155" cy="394287"/>
+          </a:xfrm>
+        </p:grpSpPr>
+        <p:grpSp>
+          <p:nvGrpSpPr>
+            <p:cNvPr id="93" name="Group 92"/>
+            <p:cNvGrpSpPr/>
+            <p:nvPr/>
+          </p:nvGrpSpPr>
+          <p:grpSpPr>
+            <a:xfrm>
+              <a:off x="4955473" y="6009566"/>
+              <a:ext cx="832898" cy="369332"/>
+              <a:chOff x="8940772" y="363597"/>
+              <a:chExt cx="832898" cy="369332"/>
+            </a:xfrm>
+          </p:grpSpPr>
+          <p:sp>
+            <p:nvSpPr>
+              <p:cNvPr id="9" name="TextBox 8"/>
+              <p:cNvSpPr txBox="1"/>
+              <p:nvPr/>
+            </p:nvSpPr>
+            <p:spPr>
+              <a:xfrm>
+                <a:off x="9166452" y="363597"/>
+                <a:ext cx="607218" cy="369332"/>
+              </a:xfrm>
+              <a:prstGeom prst="rect">
+                <a:avLst/>
+              </a:prstGeom>
+              <a:noFill/>
+            </p:spPr>
+            <p:txBody>
+              <a:bodyPr wrap="none" rtlCol="0">
+                <a:spAutoFit/>
+              </a:bodyPr>
+              <a:lstStyle/>
+              <a:p>
+                <a:r>
+                  <a:rPr lang="en-US" b="1" dirty="0" smtClean="0"/>
+                  <a:t>True</a:t>
+                </a:r>
+              </a:p>
+            </p:txBody>
+          </p:sp>
+          <p:sp>
+            <p:nvSpPr>
+              <p:cNvPr id="34" name="Rectangle 33"/>
+              <p:cNvSpPr>
+                <a:spLocks noChangeAspect="1"/>
+              </p:cNvSpPr>
+              <p:nvPr/>
+            </p:nvSpPr>
+            <p:spPr>
+              <a:xfrm>
+                <a:off x="8940772" y="409008"/>
+                <a:ext cx="228600" cy="228600"/>
+              </a:xfrm>
+              <a:prstGeom prst="rect">
+                <a:avLst/>
+              </a:prstGeom>
+              <a:solidFill>
+                <a:srgbClr val="00B050"/>
+              </a:solidFill>
+              <a:ln>
+                <a:noFill/>
+              </a:ln>
+            </p:spPr>
+            <p:style>
+              <a:lnRef idx="2">
+                <a:schemeClr val="accent1">
+                  <a:shade val="50000"/>
+                </a:schemeClr>
+              </a:lnRef>
+              <a:fillRef idx="1">
+                <a:schemeClr val="accent1"/>
+              </a:fillRef>
+              <a:effectRef idx="0">
+                <a:schemeClr val="accent1"/>
+              </a:effectRef>
+              <a:fontRef idx="minor">
+                <a:schemeClr val="lt1"/>
+              </a:fontRef>
+            </p:style>
+            <p:txBody>
+              <a:bodyPr rtlCol="0" anchor="ctr"/>
+              <a:lstStyle/>
+              <a:p>
+                <a:pPr algn="ctr"/>
+                <a:endParaRPr lang="en-US"/>
+              </a:p>
+            </p:txBody>
+          </p:sp>
+        </p:grpSp>
+        <p:grpSp>
+          <p:nvGrpSpPr>
+            <p:cNvPr id="92" name="Group 91"/>
+            <p:cNvGrpSpPr/>
+            <p:nvPr/>
+          </p:nvGrpSpPr>
+          <p:grpSpPr>
+            <a:xfrm>
+              <a:off x="6087867" y="6009566"/>
+              <a:ext cx="886567" cy="369332"/>
+              <a:chOff x="9891553" y="2367942"/>
+              <a:chExt cx="886567" cy="369332"/>
+            </a:xfrm>
+          </p:grpSpPr>
+          <p:sp>
+            <p:nvSpPr>
+              <p:cNvPr id="89" name="TextBox 88"/>
+              <p:cNvSpPr txBox="1"/>
+              <p:nvPr/>
+            </p:nvSpPr>
+            <p:spPr>
+              <a:xfrm>
+                <a:off x="10117233" y="2367942"/>
+                <a:ext cx="660887" cy="369332"/>
+              </a:xfrm>
+              <a:prstGeom prst="rect">
+                <a:avLst/>
+              </a:prstGeom>
+              <a:noFill/>
+            </p:spPr>
+            <p:txBody>
+              <a:bodyPr wrap="none" rtlCol="0">
+                <a:spAutoFit/>
+              </a:bodyPr>
+              <a:lstStyle/>
+              <a:p>
+                <a:r>
+                  <a:rPr lang="en-US" b="1" dirty="0" smtClean="0"/>
+                  <a:t>False</a:t>
+                </a:r>
+                <a:endParaRPr lang="en-US" b="1" dirty="0"/>
+              </a:p>
+            </p:txBody>
+          </p:sp>
+          <p:sp>
+            <p:nvSpPr>
+              <p:cNvPr id="91" name="Rectangle 90"/>
+              <p:cNvSpPr>
+                <a:spLocks noChangeAspect="1"/>
+              </p:cNvSpPr>
+              <p:nvPr/>
+            </p:nvSpPr>
+            <p:spPr>
+              <a:xfrm>
+                <a:off x="9891553" y="2413353"/>
+                <a:ext cx="228600" cy="228600"/>
+              </a:xfrm>
+              <a:prstGeom prst="rect">
+                <a:avLst/>
+              </a:prstGeom>
+              <a:solidFill>
+                <a:srgbClr val="C00000"/>
+              </a:solidFill>
+              <a:ln>
+                <a:noFill/>
+              </a:ln>
+            </p:spPr>
+            <p:style>
+              <a:lnRef idx="2">
+                <a:schemeClr val="accent1">
+                  <a:shade val="50000"/>
+                </a:schemeClr>
+              </a:lnRef>
+              <a:fillRef idx="1">
+                <a:schemeClr val="accent1"/>
+              </a:fillRef>
+              <a:effectRef idx="0">
+                <a:schemeClr val="accent1"/>
+              </a:effectRef>
+              <a:fontRef idx="minor">
+                <a:schemeClr val="lt1"/>
+              </a:fontRef>
+            </p:style>
+            <p:txBody>
+              <a:bodyPr rtlCol="0" anchor="ctr"/>
+              <a:lstStyle/>
+              <a:p>
+                <a:pPr algn="ctr"/>
+                <a:endParaRPr lang="en-US"/>
+              </a:p>
+            </p:txBody>
+          </p:sp>
+        </p:grpSp>
+        <p:sp>
+          <p:nvSpPr>
+            <p:cNvPr id="95" name="TextBox 94"/>
+            <p:cNvSpPr txBox="1"/>
+            <p:nvPr/>
+          </p:nvSpPr>
+          <p:spPr>
+            <a:xfrm>
+              <a:off x="3785279" y="5984611"/>
+              <a:ext cx="930768" cy="369332"/>
+            </a:xfrm>
+            <a:prstGeom prst="rect">
+              <a:avLst/>
+            </a:prstGeom>
+            <a:noFill/>
+          </p:spPr>
+          <p:txBody>
+            <a:bodyPr wrap="none" rtlCol="0">
+              <a:spAutoFit/>
+            </a:bodyPr>
+            <a:lstStyle/>
+            <a:p>
+              <a:r>
+                <a:rPr lang="en-US" b="1" dirty="0" smtClean="0"/>
+                <a:t>Legend:</a:t>
+              </a:r>
+              <a:endParaRPr lang="en-US" b="1" dirty="0"/>
+            </a:p>
+          </p:txBody>
+        </p:sp>
+      </p:grpSp>
+      <p:sp>
+        <p:nvSpPr>
+          <p:cNvPr id="98" name="TextBox 97"/>
+          <p:cNvSpPr txBox="1"/>
+          <p:nvPr/>
+        </p:nvSpPr>
+        <p:spPr>
+          <a:xfrm rot="-5400000">
+            <a:off x="7983542" y="502097"/>
+            <a:ext cx="1384418" cy="369332"/>
+          </a:xfrm>
+          <a:prstGeom prst="rect">
+            <a:avLst/>
+          </a:prstGeom>
+          <a:noFill/>
+        </p:spPr>
+        <p:txBody>
+          <a:bodyPr wrap="none" rtlCol="0">
+            <a:spAutoFit/>
+          </a:bodyPr>
+          <a:lstStyle/>
+          <a:p>
+            <a:r>
+              <a:rPr lang="en-US" b="1" dirty="0" smtClean="0"/>
+              <a:t>Button State</a:t>
+            </a:r>
+            <a:endParaRPr lang="en-US" b="1" dirty="0"/>
+          </a:p>
+        </p:txBody>
+      </p:sp>
+      <p:sp>
+        <p:nvSpPr>
+          <p:cNvPr id="99" name="TextBox 98"/>
+          <p:cNvSpPr txBox="1"/>
+          <p:nvPr/>
+        </p:nvSpPr>
+        <p:spPr>
+          <a:xfrm rot="16200000">
+            <a:off x="7642423" y="3933994"/>
+            <a:ext cx="2066656" cy="369332"/>
+          </a:xfrm>
+          <a:prstGeom prst="rect">
+            <a:avLst/>
+          </a:prstGeom>
+          <a:noFill/>
+        </p:spPr>
+        <p:txBody>
+          <a:bodyPr wrap="none" rtlCol="0">
+            <a:spAutoFit/>
+          </a:bodyPr>
+          <a:lstStyle/>
+          <a:p>
+            <a:r>
+              <a:rPr lang="en-US" b="1" dirty="0" smtClean="0"/>
+              <a:t>Value of “pushed()”</a:t>
+            </a:r>
+            <a:endParaRPr lang="en-US" b="1" dirty="0"/>
+          </a:p>
+        </p:txBody>
+      </p:sp>
+    </p:spTree>
+    <p:extLst>
+      <p:ext uri="{BB962C8B-B14F-4D97-AF65-F5344CB8AC3E}">
+        <p14:creationId xmlns:p14="http://schemas.microsoft.com/office/powerpoint/2010/main" val="2779303183"/>
+      </p:ext>
+    </p:extLst>
+  </p:cSld>
+  <p:clrMapOvr>
+    <a:masterClrMapping/>
+  </p:clrMapOvr>
+  <p:timing>
+    <p:tnLst>
+      <p:par>
+        <p:cTn id="1" dur="indefinite" restart="never" nodeType="tmRoot"/>
+      </p:par>
+    </p:tnLst>
+  </p:timing>
+</p:sld>
+</file>
+
+<file path=ppt/slides/slide2.xml><?xml version="1.0" encoding="utf-8"?>
+<p:sld xmlns:a="http://schemas.openxmlformats.org/drawingml/2006/main" xmlns:r="http://schemas.openxmlformats.org/officeDocument/2006/relationships" xmlns:p="http://schemas.openxmlformats.org/presentationml/2006/main" show="0">
+  <p:cSld>
+    <p:spTree>
+      <p:nvGrpSpPr>
+        <p:cNvPr id="1" name=""/>
+        <p:cNvGrpSpPr/>
+        <p:nvPr/>
+      </p:nvGrpSpPr>
+      <p:grpSpPr>
+        <a:xfrm>
+          <a:off x="0" y="0"/>
+          <a:ext cx="0" cy="0"/>
+          <a:chOff x="0" y="0"/>
+          <a:chExt cx="0" cy="0"/>
+        </a:xfrm>
+      </p:grpSpPr>
+      <p:sp>
+        <p:nvSpPr>
+          <p:cNvPr id="100" name="Rectangle 99"/>
+          <p:cNvSpPr/>
+          <p:nvPr/>
+        </p:nvSpPr>
+        <p:spPr>
+          <a:xfrm>
+            <a:off x="3214057" y="5680216"/>
+            <a:ext cx="3253418" cy="979865"/>
+          </a:xfrm>
+          <a:prstGeom prst="rect">
+            <a:avLst/>
+          </a:prstGeom>
+          <a:solidFill>
+            <a:srgbClr val="00B050"/>
+          </a:solidFill>
+          <a:ln>
+            <a:noFill/>
+          </a:ln>
+        </p:spPr>
+        <p:style>
+          <a:lnRef idx="2">
+            <a:schemeClr val="accent1">
+              <a:shade val="50000"/>
+            </a:schemeClr>
+          </a:lnRef>
+          <a:fillRef idx="1">
+            <a:schemeClr val="accent1"/>
+          </a:fillRef>
+          <a:effectRef idx="0">
+            <a:schemeClr val="accent1"/>
+          </a:effectRef>
+          <a:fontRef idx="minor">
+            <a:schemeClr val="lt1"/>
+          </a:fontRef>
+        </p:style>
+        <p:txBody>
+          <a:bodyPr rtlCol="0" anchor="ctr"/>
+          <a:lstStyle/>
+          <a:p>
+            <a:pPr algn="ctr"/>
+            <a:endParaRPr lang="en-US"/>
+          </a:p>
+        </p:txBody>
+      </p:sp>
+      <p:sp>
+        <p:nvSpPr>
+          <p:cNvPr id="56" name="Rectangle 55"/>
+          <p:cNvSpPr/>
+          <p:nvPr/>
+        </p:nvSpPr>
+        <p:spPr>
+          <a:xfrm>
+            <a:off x="7373634" y="1510224"/>
+            <a:ext cx="1039319" cy="979865"/>
+          </a:xfrm>
+          <a:prstGeom prst="rect">
+            <a:avLst/>
+          </a:prstGeom>
+          <a:solidFill>
+            <a:srgbClr val="C00000"/>
+          </a:solidFill>
+          <a:ln>
+            <a:noFill/>
+          </a:ln>
+        </p:spPr>
+        <p:style>
+          <a:lnRef idx="2">
+            <a:schemeClr val="accent1">
+              <a:shade val="50000"/>
+            </a:schemeClr>
+          </a:lnRef>
+          <a:fillRef idx="1">
+            <a:schemeClr val="accent1"/>
+          </a:fillRef>
+          <a:effectRef idx="0">
+            <a:schemeClr val="accent1"/>
+          </a:effectRef>
+          <a:fontRef idx="minor">
+            <a:schemeClr val="lt1"/>
+          </a:fontRef>
+        </p:style>
+        <p:txBody>
+          <a:bodyPr rtlCol="0" anchor="ctr"/>
+          <a:lstStyle/>
+          <a:p>
+            <a:pPr algn="ctr"/>
+            <a:endParaRPr lang="en-US"/>
+          </a:p>
+        </p:txBody>
+      </p:sp>
+      <p:sp>
+        <p:nvSpPr>
+          <p:cNvPr id="57" name="Rectangle 56"/>
+          <p:cNvSpPr/>
+          <p:nvPr/>
+        </p:nvSpPr>
+        <p:spPr>
+          <a:xfrm>
+            <a:off x="5290821" y="1510224"/>
+            <a:ext cx="2082814" cy="979865"/>
+          </a:xfrm>
+          <a:prstGeom prst="rect">
+            <a:avLst/>
+          </a:prstGeom>
+          <a:solidFill>
+            <a:srgbClr val="00B050"/>
+          </a:solidFill>
+          <a:ln>
+            <a:noFill/>
+          </a:ln>
+        </p:spPr>
+        <p:style>
+          <a:lnRef idx="2">
+            <a:schemeClr val="accent1">
+              <a:shade val="50000"/>
+            </a:schemeClr>
+          </a:lnRef>
+          <a:fillRef idx="1">
+            <a:schemeClr val="accent1"/>
+          </a:fillRef>
+          <a:effectRef idx="0">
+            <a:schemeClr val="accent1"/>
+          </a:effectRef>
+          <a:fontRef idx="minor">
+            <a:schemeClr val="lt1"/>
+          </a:fontRef>
+        </p:style>
+        <p:txBody>
+          <a:bodyPr rtlCol="0" anchor="ctr"/>
+          <a:lstStyle/>
+          <a:p>
+            <a:pPr algn="ctr"/>
+            <a:endParaRPr lang="en-US"/>
+          </a:p>
+        </p:txBody>
+      </p:sp>
+      <p:sp>
+        <p:nvSpPr>
+          <p:cNvPr id="30" name="Rectangle 29"/>
+          <p:cNvSpPr/>
+          <p:nvPr/>
+        </p:nvSpPr>
+        <p:spPr>
+          <a:xfrm>
+            <a:off x="3201941" y="1510226"/>
+            <a:ext cx="2096390" cy="979865"/>
+          </a:xfrm>
+          <a:prstGeom prst="rect">
+            <a:avLst/>
+          </a:prstGeom>
+          <a:solidFill>
+            <a:srgbClr val="C00000"/>
+          </a:solidFill>
+          <a:ln>
+            <a:noFill/>
+          </a:ln>
+        </p:spPr>
+        <p:style>
+          <a:lnRef idx="2">
+            <a:schemeClr val="accent1">
+              <a:shade val="50000"/>
+            </a:schemeClr>
+          </a:lnRef>
+          <a:fillRef idx="1">
+            <a:schemeClr val="accent1"/>
+          </a:fillRef>
+          <a:effectRef idx="0">
+            <a:schemeClr val="accent1"/>
+          </a:effectRef>
+          <a:fontRef idx="minor">
+            <a:schemeClr val="lt1"/>
+          </a:fontRef>
+        </p:style>
+        <p:txBody>
+          <a:bodyPr rtlCol="0" anchor="ctr"/>
+          <a:lstStyle/>
+          <a:p>
+            <a:pPr algn="ctr"/>
+            <a:endParaRPr lang="en-US"/>
+          </a:p>
+        </p:txBody>
+      </p:sp>
+      <p:grpSp>
+        <p:nvGrpSpPr>
+          <p:cNvPr id="22" name="Group 21"/>
+          <p:cNvGrpSpPr/>
+          <p:nvPr/>
+        </p:nvGrpSpPr>
+        <p:grpSpPr>
+          <a:xfrm>
+            <a:off x="3185765" y="229988"/>
+            <a:ext cx="1055495" cy="979865"/>
+            <a:chOff x="2135177" y="824743"/>
+            <a:chExt cx="1055495" cy="979865"/>
+          </a:xfrm>
+        </p:grpSpPr>
+        <p:cxnSp>
+          <p:nvCxnSpPr>
+            <p:cNvPr id="10" name="Straight Connector 9"/>
+            <p:cNvCxnSpPr/>
+            <p:nvPr/>
+          </p:nvCxnSpPr>
+          <p:spPr>
+            <a:xfrm flipV="1">
+              <a:off x="2135177" y="851387"/>
+              <a:ext cx="1055495" cy="3856"/>
+            </a:xfrm>
+            <a:prstGeom prst="line">
+              <a:avLst/>
+            </a:prstGeom>
+            <a:ln w="57150">
+              <a:solidFill>
+                <a:srgbClr val="00B0F0"/>
+              </a:solidFill>
+            </a:ln>
+          </p:spPr>
+          <p:style>
+            <a:lnRef idx="1">
+              <a:schemeClr val="accent1"/>
+            </a:lnRef>
+            <a:fillRef idx="0">
+              <a:schemeClr val="accent1"/>
+            </a:fillRef>
+            <a:effectRef idx="0">
+              <a:schemeClr val="accent1"/>
+            </a:effectRef>
+            <a:fontRef idx="minor">
+              <a:schemeClr val="tx1"/>
+            </a:fontRef>
+          </p:style>
+        </p:cxnSp>
+        <p:cxnSp>
+          <p:nvCxnSpPr>
+            <p:cNvPr id="12" name="Straight Connector 11"/>
+            <p:cNvCxnSpPr/>
+            <p:nvPr/>
+          </p:nvCxnSpPr>
+          <p:spPr>
+            <a:xfrm>
+              <a:off x="3190672" y="824743"/>
+              <a:ext cx="0" cy="979865"/>
+            </a:xfrm>
+            <a:prstGeom prst="line">
+              <a:avLst/>
+            </a:prstGeom>
+            <a:ln w="57150">
+              <a:solidFill>
+                <a:srgbClr val="00B0F0"/>
+              </a:solidFill>
+            </a:ln>
+          </p:spPr>
+          <p:style>
+            <a:lnRef idx="1">
+              <a:schemeClr val="accent1"/>
+            </a:lnRef>
+            <a:fillRef idx="0">
+              <a:schemeClr val="accent1"/>
+            </a:fillRef>
+            <a:effectRef idx="0">
+              <a:schemeClr val="accent1"/>
+            </a:effectRef>
+            <a:fontRef idx="minor">
+              <a:schemeClr val="tx1"/>
+            </a:fontRef>
+          </p:style>
+        </p:cxnSp>
+      </p:grpSp>
+      <p:grpSp>
+        <p:nvGrpSpPr>
+          <p:cNvPr id="47" name="Group 46"/>
+          <p:cNvGrpSpPr/>
+          <p:nvPr/>
+        </p:nvGrpSpPr>
+        <p:grpSpPr>
+          <a:xfrm>
+            <a:off x="5296871" y="229988"/>
+            <a:ext cx="1055495" cy="982135"/>
+            <a:chOff x="5296871" y="889433"/>
+            <a:chExt cx="1055495" cy="982135"/>
+          </a:xfrm>
+        </p:grpSpPr>
+        <p:cxnSp>
+          <p:nvCxnSpPr>
+            <p:cNvPr id="43" name="Straight Connector 42"/>
+            <p:cNvCxnSpPr/>
+            <p:nvPr/>
+          </p:nvCxnSpPr>
+          <p:spPr>
+            <a:xfrm>
+              <a:off x="6335195" y="889433"/>
+              <a:ext cx="0" cy="979865"/>
+            </a:xfrm>
+            <a:prstGeom prst="line">
+              <a:avLst/>
+            </a:prstGeom>
+            <a:ln w="57150">
+              <a:solidFill>
+                <a:srgbClr val="00B0F0"/>
+              </a:solidFill>
+            </a:ln>
+          </p:spPr>
+          <p:style>
+            <a:lnRef idx="1">
+              <a:schemeClr val="accent1"/>
+            </a:lnRef>
+            <a:fillRef idx="0">
+              <a:schemeClr val="accent1"/>
+            </a:fillRef>
+            <a:effectRef idx="0">
+              <a:schemeClr val="accent1"/>
+            </a:effectRef>
+            <a:fontRef idx="minor">
+              <a:schemeClr val="tx1"/>
+            </a:fontRef>
+          </p:style>
+        </p:cxnSp>
+        <p:cxnSp>
+          <p:nvCxnSpPr>
+            <p:cNvPr id="15" name="Straight Connector 14"/>
+            <p:cNvCxnSpPr/>
+            <p:nvPr/>
+          </p:nvCxnSpPr>
+          <p:spPr>
+            <a:xfrm flipV="1">
+              <a:off x="5296871" y="916078"/>
+              <a:ext cx="1055495" cy="3856"/>
+            </a:xfrm>
+            <a:prstGeom prst="line">
+              <a:avLst/>
+            </a:prstGeom>
+            <a:ln w="57150">
+              <a:solidFill>
+                <a:srgbClr val="00B0F0"/>
+              </a:solidFill>
+            </a:ln>
+          </p:spPr>
+          <p:style>
+            <a:lnRef idx="1">
+              <a:schemeClr val="accent1"/>
+            </a:lnRef>
+            <a:fillRef idx="0">
+              <a:schemeClr val="accent1"/>
+            </a:fillRef>
+            <a:effectRef idx="0">
+              <a:schemeClr val="accent1"/>
+            </a:effectRef>
+            <a:fontRef idx="minor">
+              <a:schemeClr val="tx1"/>
+            </a:fontRef>
+          </p:style>
+        </p:cxnSp>
+        <p:cxnSp>
+          <p:nvCxnSpPr>
+            <p:cNvPr id="16" name="Straight Connector 15"/>
+            <p:cNvCxnSpPr/>
+            <p:nvPr/>
+          </p:nvCxnSpPr>
+          <p:spPr>
+            <a:xfrm>
+              <a:off x="5298331" y="891703"/>
+              <a:ext cx="0" cy="979865"/>
+            </a:xfrm>
+            <a:prstGeom prst="line">
+              <a:avLst/>
+            </a:prstGeom>
+            <a:ln w="57150">
+              <a:solidFill>
+                <a:srgbClr val="00B0F0"/>
+              </a:solidFill>
+            </a:ln>
+          </p:spPr>
+          <p:style>
+            <a:lnRef idx="1">
+              <a:schemeClr val="accent1"/>
+            </a:lnRef>
+            <a:fillRef idx="0">
+              <a:schemeClr val="accent1"/>
+            </a:fillRef>
+            <a:effectRef idx="0">
+              <a:schemeClr val="accent1"/>
+            </a:effectRef>
+            <a:fontRef idx="minor">
+              <a:schemeClr val="tx1"/>
+            </a:fontRef>
+          </p:style>
+        </p:cxnSp>
+      </p:grpSp>
+      <p:pic>
+        <p:nvPicPr>
+          <p:cNvPr id="21" name="Picture 20"/>
+          <p:cNvPicPr>
+            <a:picLocks noChangeAspect="1"/>
+          </p:cNvPicPr>
+          <p:nvPr/>
+        </p:nvPicPr>
+        <p:blipFill>
+          <a:blip r:embed="rId2">
+            <a:extLst>
+              <a:ext uri="{28A0092B-C50C-407E-A947-70E740481C1C}">
+                <a14:useLocalDpi xmlns:a14="http://schemas.microsoft.com/office/drawing/2010/main" val="0"/>
+              </a:ext>
+            </a:extLst>
+          </a:blip>
+          <a:stretch>
+            <a:fillRect/>
+          </a:stretch>
+        </p:blipFill>
+        <p:spPr>
+          <a:xfrm>
+            <a:off x="527237" y="118165"/>
+            <a:ext cx="1231431" cy="1203696"/>
+          </a:xfrm>
+          <a:prstGeom prst="rect">
+            <a:avLst/>
+          </a:prstGeom>
+        </p:spPr>
+      </p:pic>
+      <p:grpSp>
+        <p:nvGrpSpPr>
+          <p:cNvPr id="26" name="Group 25"/>
+          <p:cNvGrpSpPr/>
+          <p:nvPr/>
+        </p:nvGrpSpPr>
+        <p:grpSpPr>
+          <a:xfrm>
+            <a:off x="3172758" y="1510226"/>
+            <a:ext cx="5256372" cy="979865"/>
+            <a:chOff x="2135177" y="826851"/>
+            <a:chExt cx="5256372" cy="979865"/>
+          </a:xfrm>
+        </p:grpSpPr>
+        <p:cxnSp>
+          <p:nvCxnSpPr>
+            <p:cNvPr id="27" name="Straight Connector 26"/>
+            <p:cNvCxnSpPr/>
+            <p:nvPr/>
+          </p:nvCxnSpPr>
+          <p:spPr>
+            <a:xfrm>
+              <a:off x="2135177" y="1800230"/>
+              <a:ext cx="5256372" cy="6484"/>
+            </a:xfrm>
+            <a:prstGeom prst="line">
+              <a:avLst/>
+            </a:prstGeom>
+            <a:ln w="57150">
+              <a:solidFill>
+                <a:schemeClr val="tx1"/>
+              </a:solidFill>
+            </a:ln>
+          </p:spPr>
+          <p:style>
+            <a:lnRef idx="1">
+              <a:schemeClr val="accent1"/>
+            </a:lnRef>
+            <a:fillRef idx="0">
+              <a:schemeClr val="accent1"/>
+            </a:fillRef>
+            <a:effectRef idx="0">
+              <a:schemeClr val="accent1"/>
+            </a:effectRef>
+            <a:fontRef idx="minor">
+              <a:schemeClr val="tx1"/>
+            </a:fontRef>
+          </p:style>
+        </p:cxnSp>
+        <p:cxnSp>
+          <p:nvCxnSpPr>
+            <p:cNvPr id="28" name="Straight Connector 27"/>
+            <p:cNvCxnSpPr/>
+            <p:nvPr/>
+          </p:nvCxnSpPr>
+          <p:spPr>
+            <a:xfrm flipV="1">
+              <a:off x="2164361" y="826851"/>
+              <a:ext cx="0" cy="979865"/>
+            </a:xfrm>
+            <a:prstGeom prst="line">
+              <a:avLst/>
+            </a:prstGeom>
+            <a:ln w="57150">
+              <a:solidFill>
+                <a:schemeClr val="tx1"/>
+              </a:solidFill>
+            </a:ln>
+          </p:spPr>
+          <p:style>
+            <a:lnRef idx="1">
+              <a:schemeClr val="accent1"/>
+            </a:lnRef>
+            <a:fillRef idx="0">
+              <a:schemeClr val="accent1"/>
+            </a:fillRef>
+            <a:effectRef idx="0">
+              <a:schemeClr val="accent1"/>
+            </a:effectRef>
+            <a:fontRef idx="minor">
+              <a:schemeClr val="tx1"/>
+            </a:fontRef>
+          </p:style>
+        </p:cxnSp>
+      </p:grpSp>
+      <p:sp>
+        <p:nvSpPr>
+          <p:cNvPr id="29" name="TextBox 28"/>
+          <p:cNvSpPr txBox="1"/>
+          <p:nvPr/>
+        </p:nvSpPr>
+        <p:spPr>
+          <a:xfrm>
+            <a:off x="527237" y="1748817"/>
+            <a:ext cx="1634935" cy="646331"/>
+          </a:xfrm>
+          <a:prstGeom prst="rect">
+            <a:avLst/>
+          </a:prstGeom>
+          <a:noFill/>
+        </p:spPr>
+        <p:txBody>
+          <a:bodyPr wrap="none" rtlCol="0">
+            <a:spAutoFit/>
+          </a:bodyPr>
+          <a:lstStyle/>
+          <a:p>
+            <a:r>
+              <a:rPr lang="en-US" b="1" dirty="0" err="1" smtClean="0"/>
+              <a:t>LatchingButton</a:t>
+            </a:r>
+            <a:endParaRPr lang="en-US" b="1" dirty="0" smtClean="0"/>
+          </a:p>
+          <a:p>
+            <a:r>
+              <a:rPr lang="en-US" b="1" dirty="0" smtClean="0"/>
+              <a:t>(short press)</a:t>
             </a:r>
             <a:endParaRPr lang="en-US" b="1" dirty="0"/>
           </a:p>
@@ -3589,7 +5626,7 @@
         </p:nvGrpSpPr>
         <p:grpSpPr>
           <a:xfrm>
-            <a:off x="8940772" y="363597"/>
+            <a:off x="10845772" y="353468"/>
             <a:ext cx="886567" cy="646331"/>
             <a:chOff x="8491678" y="684209"/>
             <a:chExt cx="886567" cy="646331"/>
@@ -3736,7 +5773,7 @@
         </p:nvSpPr>
         <p:spPr>
           <a:xfrm>
-            <a:off x="1865668" y="86599"/>
+            <a:off x="1865668" y="134224"/>
             <a:ext cx="1293944" cy="1200329"/>
           </a:xfrm>
           <a:prstGeom prst="rect">
@@ -3778,7 +5815,7 @@
         </p:nvGrpSpPr>
         <p:grpSpPr>
           <a:xfrm>
-            <a:off x="7373635" y="182363"/>
+            <a:off x="7373635" y="229988"/>
             <a:ext cx="1055495" cy="979865"/>
             <a:chOff x="4245288" y="813881"/>
             <a:chExt cx="1055495" cy="979865"/>
@@ -3863,7 +5900,7 @@
         </p:nvGrpSpPr>
         <p:grpSpPr>
           <a:xfrm>
-            <a:off x="3159612" y="180773"/>
+            <a:off x="3159612" y="228398"/>
             <a:ext cx="5257800" cy="979865"/>
             <a:chOff x="3185765" y="904673"/>
             <a:chExt cx="5257800" cy="979865"/>
@@ -3940,1900 +5977,6 @@
           </p:style>
         </p:cxnSp>
       </p:grpSp>
-      <p:sp>
-        <p:nvSpPr>
-          <p:cNvPr id="60" name="Rectangle 59"/>
-          <p:cNvSpPr/>
-          <p:nvPr/>
-        </p:nvSpPr>
-        <p:spPr>
-          <a:xfrm>
-            <a:off x="4310744" y="2639561"/>
-            <a:ext cx="2023572" cy="979865"/>
-          </a:xfrm>
-          <a:prstGeom prst="rect">
-            <a:avLst/>
-          </a:prstGeom>
-          <a:solidFill>
-            <a:srgbClr val="C00000"/>
-          </a:solidFill>
-          <a:ln>
-            <a:noFill/>
-          </a:ln>
-        </p:spPr>
-        <p:style>
-          <a:lnRef idx="2">
-            <a:schemeClr val="accent1">
-              <a:shade val="50000"/>
-            </a:schemeClr>
-          </a:lnRef>
-          <a:fillRef idx="1">
-            <a:schemeClr val="accent1"/>
-          </a:fillRef>
-          <a:effectRef idx="0">
-            <a:schemeClr val="accent1"/>
-          </a:effectRef>
-          <a:fontRef idx="minor">
-            <a:schemeClr val="lt1"/>
-          </a:fontRef>
-        </p:style>
-        <p:txBody>
-          <a:bodyPr rtlCol="0" anchor="ctr"/>
-          <a:lstStyle/>
-          <a:p>
-            <a:pPr algn="ctr"/>
-            <a:endParaRPr lang="en-US"/>
-          </a:p>
-        </p:txBody>
-      </p:sp>
-      <p:sp>
-        <p:nvSpPr>
-          <p:cNvPr id="62" name="Rectangle 61"/>
-          <p:cNvSpPr/>
-          <p:nvPr/>
-        </p:nvSpPr>
-        <p:spPr>
-          <a:xfrm>
-            <a:off x="3201940" y="2639697"/>
-            <a:ext cx="1039319" cy="979865"/>
-          </a:xfrm>
-          <a:prstGeom prst="rect">
-            <a:avLst/>
-          </a:prstGeom>
-          <a:solidFill>
-            <a:srgbClr val="C00000"/>
-          </a:solidFill>
-          <a:ln>
-            <a:noFill/>
-          </a:ln>
-        </p:spPr>
-        <p:style>
-          <a:lnRef idx="2">
-            <a:schemeClr val="accent1">
-              <a:shade val="50000"/>
-            </a:schemeClr>
-          </a:lnRef>
-          <a:fillRef idx="1">
-            <a:schemeClr val="accent1"/>
-          </a:fillRef>
-          <a:effectRef idx="0">
-            <a:schemeClr val="accent1"/>
-          </a:effectRef>
-          <a:fontRef idx="minor">
-            <a:schemeClr val="lt1"/>
-          </a:fontRef>
-        </p:style>
-        <p:txBody>
-          <a:bodyPr rtlCol="0" anchor="ctr"/>
-          <a:lstStyle/>
-          <a:p>
-            <a:pPr algn="ctr"/>
-            <a:endParaRPr lang="en-US"/>
-          </a:p>
-        </p:txBody>
-      </p:sp>
-      <p:sp>
-        <p:nvSpPr>
-          <p:cNvPr id="66" name="TextBox 65"/>
-          <p:cNvSpPr txBox="1"/>
-          <p:nvPr/>
-        </p:nvSpPr>
-        <p:spPr>
-          <a:xfrm>
-            <a:off x="527236" y="2859899"/>
-            <a:ext cx="1831848" cy="646331"/>
-          </a:xfrm>
-          <a:prstGeom prst="rect">
-            <a:avLst/>
-          </a:prstGeom>
-          <a:noFill/>
-        </p:spPr>
-        <p:txBody>
-          <a:bodyPr wrap="none" rtlCol="0">
-            <a:spAutoFit/>
-          </a:bodyPr>
-          <a:lstStyle/>
-          <a:p>
-            <a:r>
-              <a:rPr lang="en-US" b="1" dirty="0" err="1" smtClean="0"/>
-              <a:t>PushEventButton</a:t>
-            </a:r>
-            <a:endParaRPr lang="en-US" b="1" dirty="0" smtClean="0"/>
-          </a:p>
-          <a:p>
-            <a:r>
-              <a:rPr lang="en-US" b="1" dirty="0" smtClean="0"/>
-              <a:t>(capture push)</a:t>
-            </a:r>
-            <a:endParaRPr lang="en-US" b="1" dirty="0"/>
-          </a:p>
-        </p:txBody>
-      </p:sp>
-      <p:sp>
-        <p:nvSpPr>
-          <p:cNvPr id="67" name="Rectangle 66"/>
-          <p:cNvSpPr/>
-          <p:nvPr/>
-        </p:nvSpPr>
-        <p:spPr>
-          <a:xfrm>
-            <a:off x="6404642" y="2639561"/>
-            <a:ext cx="2011955" cy="979865"/>
-          </a:xfrm>
-          <a:prstGeom prst="rect">
-            <a:avLst/>
-          </a:prstGeom>
-          <a:solidFill>
-            <a:srgbClr val="C00000"/>
-          </a:solidFill>
-          <a:ln>
-            <a:noFill/>
-          </a:ln>
-        </p:spPr>
-        <p:style>
-          <a:lnRef idx="2">
-            <a:schemeClr val="accent1">
-              <a:shade val="50000"/>
-            </a:schemeClr>
-          </a:lnRef>
-          <a:fillRef idx="1">
-            <a:schemeClr val="accent1"/>
-          </a:fillRef>
-          <a:effectRef idx="0">
-            <a:schemeClr val="accent1"/>
-          </a:effectRef>
-          <a:fontRef idx="minor">
-            <a:schemeClr val="lt1"/>
-          </a:fontRef>
-        </p:style>
-        <p:txBody>
-          <a:bodyPr rtlCol="0" anchor="ctr"/>
-          <a:lstStyle/>
-          <a:p>
-            <a:pPr algn="ctr"/>
-            <a:endParaRPr lang="en-US"/>
-          </a:p>
-        </p:txBody>
-      </p:sp>
-      <p:sp>
-        <p:nvSpPr>
-          <p:cNvPr id="69" name="Rectangle 68"/>
-          <p:cNvSpPr/>
-          <p:nvPr/>
-        </p:nvSpPr>
-        <p:spPr>
-          <a:xfrm>
-            <a:off x="3201940" y="3797473"/>
-            <a:ext cx="2096391" cy="979865"/>
-          </a:xfrm>
-          <a:prstGeom prst="rect">
-            <a:avLst/>
-          </a:prstGeom>
-          <a:solidFill>
-            <a:srgbClr val="C00000"/>
-          </a:solidFill>
-          <a:ln>
-            <a:noFill/>
-          </a:ln>
-        </p:spPr>
-        <p:style>
-          <a:lnRef idx="2">
-            <a:schemeClr val="accent1">
-              <a:shade val="50000"/>
-            </a:schemeClr>
-          </a:lnRef>
-          <a:fillRef idx="1">
-            <a:schemeClr val="accent1"/>
-          </a:fillRef>
-          <a:effectRef idx="0">
-            <a:schemeClr val="accent1"/>
-          </a:effectRef>
-          <a:fontRef idx="minor">
-            <a:schemeClr val="lt1"/>
-          </a:fontRef>
-        </p:style>
-        <p:txBody>
-          <a:bodyPr rtlCol="0" anchor="ctr"/>
-          <a:lstStyle/>
-          <a:p>
-            <a:pPr algn="ctr"/>
-            <a:endParaRPr lang="en-US"/>
-          </a:p>
-        </p:txBody>
-      </p:sp>
-      <p:sp>
-        <p:nvSpPr>
-          <p:cNvPr id="71" name="Rectangle 70"/>
-          <p:cNvSpPr/>
-          <p:nvPr/>
-        </p:nvSpPr>
-        <p:spPr>
-          <a:xfrm>
-            <a:off x="7368249" y="3802207"/>
-            <a:ext cx="1039319" cy="979865"/>
-          </a:xfrm>
-          <a:prstGeom prst="rect">
-            <a:avLst/>
-          </a:prstGeom>
-          <a:solidFill>
-            <a:srgbClr val="C00000"/>
-          </a:solidFill>
-          <a:ln>
-            <a:noFill/>
-          </a:ln>
-        </p:spPr>
-        <p:style>
-          <a:lnRef idx="2">
-            <a:schemeClr val="accent1">
-              <a:shade val="50000"/>
-            </a:schemeClr>
-          </a:lnRef>
-          <a:fillRef idx="1">
-            <a:schemeClr val="accent1"/>
-          </a:fillRef>
-          <a:effectRef idx="0">
-            <a:schemeClr val="accent1"/>
-          </a:effectRef>
-          <a:fontRef idx="minor">
-            <a:schemeClr val="lt1"/>
-          </a:fontRef>
-        </p:style>
-        <p:txBody>
-          <a:bodyPr rtlCol="0" anchor="ctr"/>
-          <a:lstStyle/>
-          <a:p>
-            <a:pPr algn="ctr"/>
-            <a:endParaRPr lang="en-US"/>
-          </a:p>
-        </p:txBody>
-      </p:sp>
-      <p:sp>
-        <p:nvSpPr>
-          <p:cNvPr id="72" name="TextBox 71"/>
-          <p:cNvSpPr txBox="1"/>
-          <p:nvPr/>
-        </p:nvSpPr>
-        <p:spPr>
-          <a:xfrm>
-            <a:off x="527236" y="4017811"/>
-            <a:ext cx="1831848" cy="646331"/>
-          </a:xfrm>
-          <a:prstGeom prst="rect">
-            <a:avLst/>
-          </a:prstGeom>
-          <a:noFill/>
-        </p:spPr>
-        <p:txBody>
-          <a:bodyPr wrap="none" rtlCol="0">
-            <a:spAutoFit/>
-          </a:bodyPr>
-          <a:lstStyle/>
-          <a:p>
-            <a:r>
-              <a:rPr lang="en-US" b="1" dirty="0" err="1" smtClean="0"/>
-              <a:t>PushEventButton</a:t>
-            </a:r>
-            <a:endParaRPr lang="en-US" b="1" dirty="0" smtClean="0"/>
-          </a:p>
-          <a:p>
-            <a:r>
-              <a:rPr lang="en-US" b="1" dirty="0" smtClean="0"/>
-              <a:t>(capture release)</a:t>
-            </a:r>
-            <a:endParaRPr lang="en-US" b="1" dirty="0"/>
-          </a:p>
-        </p:txBody>
-      </p:sp>
-      <p:sp>
-        <p:nvSpPr>
-          <p:cNvPr id="73" name="Rectangle 72"/>
-          <p:cNvSpPr/>
-          <p:nvPr/>
-        </p:nvSpPr>
-        <p:spPr>
-          <a:xfrm>
-            <a:off x="5353780" y="3797473"/>
-            <a:ext cx="2011955" cy="979865"/>
-          </a:xfrm>
-          <a:prstGeom prst="rect">
-            <a:avLst/>
-          </a:prstGeom>
-          <a:solidFill>
-            <a:srgbClr val="C00000"/>
-          </a:solidFill>
-          <a:ln>
-            <a:noFill/>
-          </a:ln>
-        </p:spPr>
-        <p:style>
-          <a:lnRef idx="2">
-            <a:schemeClr val="accent1">
-              <a:shade val="50000"/>
-            </a:schemeClr>
-          </a:lnRef>
-          <a:fillRef idx="1">
-            <a:schemeClr val="accent1"/>
-          </a:fillRef>
-          <a:effectRef idx="0">
-            <a:schemeClr val="accent1"/>
-          </a:effectRef>
-          <a:fontRef idx="minor">
-            <a:schemeClr val="lt1"/>
-          </a:fontRef>
-        </p:style>
-        <p:txBody>
-          <a:bodyPr rtlCol="0" anchor="ctr"/>
-          <a:lstStyle/>
-          <a:p>
-            <a:pPr algn="ctr"/>
-            <a:endParaRPr lang="en-US"/>
-          </a:p>
-        </p:txBody>
-      </p:sp>
-      <p:sp>
-        <p:nvSpPr>
-          <p:cNvPr id="61" name="Rectangle 60"/>
-          <p:cNvSpPr/>
-          <p:nvPr/>
-        </p:nvSpPr>
-        <p:spPr>
-          <a:xfrm>
-            <a:off x="4235872" y="2639561"/>
-            <a:ext cx="81101" cy="979865"/>
-          </a:xfrm>
-          <a:prstGeom prst="rect">
-            <a:avLst/>
-          </a:prstGeom>
-          <a:solidFill>
-            <a:srgbClr val="00B050"/>
-          </a:solidFill>
-          <a:ln>
-            <a:noFill/>
-          </a:ln>
-        </p:spPr>
-        <p:style>
-          <a:lnRef idx="2">
-            <a:schemeClr val="accent1">
-              <a:shade val="50000"/>
-            </a:schemeClr>
-          </a:lnRef>
-          <a:fillRef idx="1">
-            <a:schemeClr val="accent1"/>
-          </a:fillRef>
-          <a:effectRef idx="0">
-            <a:schemeClr val="accent1"/>
-          </a:effectRef>
-          <a:fontRef idx="minor">
-            <a:schemeClr val="lt1"/>
-          </a:fontRef>
-        </p:style>
-        <p:txBody>
-          <a:bodyPr rtlCol="0" anchor="ctr"/>
-          <a:lstStyle/>
-          <a:p>
-            <a:pPr algn="ctr"/>
-            <a:endParaRPr lang="en-US"/>
-          </a:p>
-        </p:txBody>
-      </p:sp>
-      <p:sp>
-        <p:nvSpPr>
-          <p:cNvPr id="68" name="Rectangle 67"/>
-          <p:cNvSpPr/>
-          <p:nvPr/>
-        </p:nvSpPr>
-        <p:spPr>
-          <a:xfrm>
-            <a:off x="6327364" y="2639561"/>
-            <a:ext cx="81101" cy="979865"/>
-          </a:xfrm>
-          <a:prstGeom prst="rect">
-            <a:avLst/>
-          </a:prstGeom>
-          <a:solidFill>
-            <a:srgbClr val="00B050"/>
-          </a:solidFill>
-          <a:ln>
-            <a:noFill/>
-          </a:ln>
-        </p:spPr>
-        <p:style>
-          <a:lnRef idx="2">
-            <a:schemeClr val="accent1">
-              <a:shade val="50000"/>
-            </a:schemeClr>
-          </a:lnRef>
-          <a:fillRef idx="1">
-            <a:schemeClr val="accent1"/>
-          </a:fillRef>
-          <a:effectRef idx="0">
-            <a:schemeClr val="accent1"/>
-          </a:effectRef>
-          <a:fontRef idx="minor">
-            <a:schemeClr val="lt1"/>
-          </a:fontRef>
-        </p:style>
-        <p:txBody>
-          <a:bodyPr rtlCol="0" anchor="ctr"/>
-          <a:lstStyle/>
-          <a:p>
-            <a:pPr algn="ctr"/>
-            <a:endParaRPr lang="en-US"/>
-          </a:p>
-        </p:txBody>
-      </p:sp>
-      <p:sp>
-        <p:nvSpPr>
-          <p:cNvPr id="70" name="Rectangle 69"/>
-          <p:cNvSpPr/>
-          <p:nvPr/>
-        </p:nvSpPr>
-        <p:spPr>
-          <a:xfrm>
-            <a:off x="7360125" y="3797473"/>
-            <a:ext cx="81101" cy="979865"/>
-          </a:xfrm>
-          <a:prstGeom prst="rect">
-            <a:avLst/>
-          </a:prstGeom>
-          <a:solidFill>
-            <a:srgbClr val="00B050"/>
-          </a:solidFill>
-          <a:ln>
-            <a:noFill/>
-          </a:ln>
-        </p:spPr>
-        <p:style>
-          <a:lnRef idx="2">
-            <a:schemeClr val="accent1">
-              <a:shade val="50000"/>
-            </a:schemeClr>
-          </a:lnRef>
-          <a:fillRef idx="1">
-            <a:schemeClr val="accent1"/>
-          </a:fillRef>
-          <a:effectRef idx="0">
-            <a:schemeClr val="accent1"/>
-          </a:effectRef>
-          <a:fontRef idx="minor">
-            <a:schemeClr val="lt1"/>
-          </a:fontRef>
-        </p:style>
-        <p:txBody>
-          <a:bodyPr rtlCol="0" anchor="ctr"/>
-          <a:lstStyle/>
-          <a:p>
-            <a:pPr algn="ctr"/>
-            <a:endParaRPr lang="en-US"/>
-          </a:p>
-        </p:txBody>
-      </p:sp>
-      <p:sp>
-        <p:nvSpPr>
-          <p:cNvPr id="74" name="Rectangle 73"/>
-          <p:cNvSpPr/>
-          <p:nvPr/>
-        </p:nvSpPr>
-        <p:spPr>
-          <a:xfrm>
-            <a:off x="5290821" y="3797473"/>
-            <a:ext cx="81101" cy="979865"/>
-          </a:xfrm>
-          <a:prstGeom prst="rect">
-            <a:avLst/>
-          </a:prstGeom>
-          <a:solidFill>
-            <a:srgbClr val="00B050"/>
-          </a:solidFill>
-          <a:ln>
-            <a:noFill/>
-          </a:ln>
-        </p:spPr>
-        <p:style>
-          <a:lnRef idx="2">
-            <a:schemeClr val="accent1">
-              <a:shade val="50000"/>
-            </a:schemeClr>
-          </a:lnRef>
-          <a:fillRef idx="1">
-            <a:schemeClr val="accent1"/>
-          </a:fillRef>
-          <a:effectRef idx="0">
-            <a:schemeClr val="accent1"/>
-          </a:effectRef>
-          <a:fontRef idx="minor">
-            <a:schemeClr val="lt1"/>
-          </a:fontRef>
-        </p:style>
-        <p:txBody>
-          <a:bodyPr rtlCol="0" anchor="ctr"/>
-          <a:lstStyle/>
-          <a:p>
-            <a:pPr algn="ctr"/>
-            <a:endParaRPr lang="en-US"/>
-          </a:p>
-        </p:txBody>
-      </p:sp>
-      <p:grpSp>
-        <p:nvGrpSpPr>
-          <p:cNvPr id="63" name="Group 62"/>
-          <p:cNvGrpSpPr/>
-          <p:nvPr/>
-        </p:nvGrpSpPr>
-        <p:grpSpPr>
-          <a:xfrm>
-            <a:off x="3172757" y="2639697"/>
-            <a:ext cx="5256372" cy="979865"/>
-            <a:chOff x="2135177" y="826851"/>
-            <a:chExt cx="5256372" cy="979865"/>
-          </a:xfrm>
-        </p:grpSpPr>
-        <p:cxnSp>
-          <p:nvCxnSpPr>
-            <p:cNvPr id="64" name="Straight Connector 63"/>
-            <p:cNvCxnSpPr/>
-            <p:nvPr/>
-          </p:nvCxnSpPr>
-          <p:spPr>
-            <a:xfrm>
-              <a:off x="2135177" y="1800230"/>
-              <a:ext cx="5256372" cy="6484"/>
-            </a:xfrm>
-            <a:prstGeom prst="line">
-              <a:avLst/>
-            </a:prstGeom>
-            <a:ln w="57150">
-              <a:solidFill>
-                <a:schemeClr val="tx1"/>
-              </a:solidFill>
-            </a:ln>
-          </p:spPr>
-          <p:style>
-            <a:lnRef idx="1">
-              <a:schemeClr val="accent1"/>
-            </a:lnRef>
-            <a:fillRef idx="0">
-              <a:schemeClr val="accent1"/>
-            </a:fillRef>
-            <a:effectRef idx="0">
-              <a:schemeClr val="accent1"/>
-            </a:effectRef>
-            <a:fontRef idx="minor">
-              <a:schemeClr val="tx1"/>
-            </a:fontRef>
-          </p:style>
-        </p:cxnSp>
-        <p:cxnSp>
-          <p:nvCxnSpPr>
-            <p:cNvPr id="65" name="Straight Connector 64"/>
-            <p:cNvCxnSpPr/>
-            <p:nvPr/>
-          </p:nvCxnSpPr>
-          <p:spPr>
-            <a:xfrm flipV="1">
-              <a:off x="2164361" y="826851"/>
-              <a:ext cx="0" cy="979865"/>
-            </a:xfrm>
-            <a:prstGeom prst="line">
-              <a:avLst/>
-            </a:prstGeom>
-            <a:ln w="57150">
-              <a:solidFill>
-                <a:schemeClr val="tx1"/>
-              </a:solidFill>
-            </a:ln>
-          </p:spPr>
-          <p:style>
-            <a:lnRef idx="1">
-              <a:schemeClr val="accent1"/>
-            </a:lnRef>
-            <a:fillRef idx="0">
-              <a:schemeClr val="accent1"/>
-            </a:fillRef>
-            <a:effectRef idx="0">
-              <a:schemeClr val="accent1"/>
-            </a:effectRef>
-            <a:fontRef idx="minor">
-              <a:schemeClr val="tx1"/>
-            </a:fontRef>
-          </p:style>
-        </p:cxnSp>
-      </p:grpSp>
-      <p:grpSp>
-        <p:nvGrpSpPr>
-          <p:cNvPr id="75" name="Group 74"/>
-          <p:cNvGrpSpPr/>
-          <p:nvPr/>
-        </p:nvGrpSpPr>
-        <p:grpSpPr>
-          <a:xfrm>
-            <a:off x="3172757" y="3797609"/>
-            <a:ext cx="5256372" cy="979865"/>
-            <a:chOff x="2135177" y="826851"/>
-            <a:chExt cx="5256372" cy="979865"/>
-          </a:xfrm>
-        </p:grpSpPr>
-        <p:cxnSp>
-          <p:nvCxnSpPr>
-            <p:cNvPr id="76" name="Straight Connector 75"/>
-            <p:cNvCxnSpPr/>
-            <p:nvPr/>
-          </p:nvCxnSpPr>
-          <p:spPr>
-            <a:xfrm>
-              <a:off x="2135177" y="1800230"/>
-              <a:ext cx="5256372" cy="6484"/>
-            </a:xfrm>
-            <a:prstGeom prst="line">
-              <a:avLst/>
-            </a:prstGeom>
-            <a:ln w="57150">
-              <a:solidFill>
-                <a:schemeClr val="tx1"/>
-              </a:solidFill>
-            </a:ln>
-          </p:spPr>
-          <p:style>
-            <a:lnRef idx="1">
-              <a:schemeClr val="accent1"/>
-            </a:lnRef>
-            <a:fillRef idx="0">
-              <a:schemeClr val="accent1"/>
-            </a:fillRef>
-            <a:effectRef idx="0">
-              <a:schemeClr val="accent1"/>
-            </a:effectRef>
-            <a:fontRef idx="minor">
-              <a:schemeClr val="tx1"/>
-            </a:fontRef>
-          </p:style>
-        </p:cxnSp>
-        <p:cxnSp>
-          <p:nvCxnSpPr>
-            <p:cNvPr id="77" name="Straight Connector 76"/>
-            <p:cNvCxnSpPr/>
-            <p:nvPr/>
-          </p:nvCxnSpPr>
-          <p:spPr>
-            <a:xfrm flipV="1">
-              <a:off x="2164361" y="826851"/>
-              <a:ext cx="0" cy="979865"/>
-            </a:xfrm>
-            <a:prstGeom prst="line">
-              <a:avLst/>
-            </a:prstGeom>
-            <a:ln w="57150">
-              <a:solidFill>
-                <a:schemeClr val="tx1"/>
-              </a:solidFill>
-            </a:ln>
-          </p:spPr>
-          <p:style>
-            <a:lnRef idx="1">
-              <a:schemeClr val="accent1"/>
-            </a:lnRef>
-            <a:fillRef idx="0">
-              <a:schemeClr val="accent1"/>
-            </a:fillRef>
-            <a:effectRef idx="0">
-              <a:schemeClr val="accent1"/>
-            </a:effectRef>
-            <a:fontRef idx="minor">
-              <a:schemeClr val="tx1"/>
-            </a:fontRef>
-          </p:style>
-        </p:cxnSp>
-      </p:grpSp>
-      <p:sp>
-        <p:nvSpPr>
-          <p:cNvPr id="81" name="Rectangle 80"/>
-          <p:cNvSpPr/>
-          <p:nvPr/>
-        </p:nvSpPr>
-        <p:spPr>
-          <a:xfrm>
-            <a:off x="7373634" y="4958274"/>
-            <a:ext cx="1039319" cy="979865"/>
-          </a:xfrm>
-          <a:prstGeom prst="rect">
-            <a:avLst/>
-          </a:prstGeom>
-          <a:solidFill>
-            <a:srgbClr val="C00000"/>
-          </a:solidFill>
-          <a:ln>
-            <a:noFill/>
-          </a:ln>
-        </p:spPr>
-        <p:style>
-          <a:lnRef idx="2">
-            <a:schemeClr val="accent1">
-              <a:shade val="50000"/>
-            </a:schemeClr>
-          </a:lnRef>
-          <a:fillRef idx="1">
-            <a:schemeClr val="accent1"/>
-          </a:fillRef>
-          <a:effectRef idx="0">
-            <a:schemeClr val="accent1"/>
-          </a:effectRef>
-          <a:fontRef idx="minor">
-            <a:schemeClr val="lt1"/>
-          </a:fontRef>
-        </p:style>
-        <p:txBody>
-          <a:bodyPr rtlCol="0" anchor="ctr"/>
-          <a:lstStyle/>
-          <a:p>
-            <a:pPr algn="ctr"/>
-            <a:endParaRPr lang="en-US"/>
-          </a:p>
-        </p:txBody>
-      </p:sp>
-      <p:sp>
-        <p:nvSpPr>
-          <p:cNvPr id="82" name="Rectangle 81"/>
-          <p:cNvSpPr/>
-          <p:nvPr/>
-        </p:nvSpPr>
-        <p:spPr>
-          <a:xfrm>
-            <a:off x="5290821" y="4958274"/>
-            <a:ext cx="2082814" cy="979865"/>
-          </a:xfrm>
-          <a:prstGeom prst="rect">
-            <a:avLst/>
-          </a:prstGeom>
-          <a:solidFill>
-            <a:srgbClr val="00B050"/>
-          </a:solidFill>
-          <a:ln>
-            <a:noFill/>
-          </a:ln>
-        </p:spPr>
-        <p:style>
-          <a:lnRef idx="2">
-            <a:schemeClr val="accent1">
-              <a:shade val="50000"/>
-            </a:schemeClr>
-          </a:lnRef>
-          <a:fillRef idx="1">
-            <a:schemeClr val="accent1"/>
-          </a:fillRef>
-          <a:effectRef idx="0">
-            <a:schemeClr val="accent1"/>
-          </a:effectRef>
-          <a:fontRef idx="minor">
-            <a:schemeClr val="lt1"/>
-          </a:fontRef>
-        </p:style>
-        <p:txBody>
-          <a:bodyPr rtlCol="0" anchor="ctr"/>
-          <a:lstStyle/>
-          <a:p>
-            <a:pPr algn="ctr"/>
-            <a:endParaRPr lang="en-US"/>
-          </a:p>
-        </p:txBody>
-      </p:sp>
-      <p:sp>
-        <p:nvSpPr>
-          <p:cNvPr id="83" name="Rectangle 82"/>
-          <p:cNvSpPr/>
-          <p:nvPr/>
-        </p:nvSpPr>
-        <p:spPr>
-          <a:xfrm>
-            <a:off x="3201941" y="4958276"/>
-            <a:ext cx="2096390" cy="979865"/>
-          </a:xfrm>
-          <a:prstGeom prst="rect">
-            <a:avLst/>
-          </a:prstGeom>
-          <a:solidFill>
-            <a:srgbClr val="C00000"/>
-          </a:solidFill>
-          <a:ln>
-            <a:noFill/>
-          </a:ln>
-        </p:spPr>
-        <p:style>
-          <a:lnRef idx="2">
-            <a:schemeClr val="accent1">
-              <a:shade val="50000"/>
-            </a:schemeClr>
-          </a:lnRef>
-          <a:fillRef idx="1">
-            <a:schemeClr val="accent1"/>
-          </a:fillRef>
-          <a:effectRef idx="0">
-            <a:schemeClr val="accent1"/>
-          </a:effectRef>
-          <a:fontRef idx="minor">
-            <a:schemeClr val="lt1"/>
-          </a:fontRef>
-        </p:style>
-        <p:txBody>
-          <a:bodyPr rtlCol="0" anchor="ctr"/>
-          <a:lstStyle/>
-          <a:p>
-            <a:pPr algn="ctr"/>
-            <a:endParaRPr lang="en-US"/>
-          </a:p>
-        </p:txBody>
-      </p:sp>
-      <p:grpSp>
-        <p:nvGrpSpPr>
-          <p:cNvPr id="84" name="Group 83"/>
-          <p:cNvGrpSpPr/>
-          <p:nvPr/>
-        </p:nvGrpSpPr>
-        <p:grpSpPr>
-          <a:xfrm>
-            <a:off x="3172758" y="4958276"/>
-            <a:ext cx="5256372" cy="979865"/>
-            <a:chOff x="2135177" y="826851"/>
-            <a:chExt cx="5256372" cy="979865"/>
-          </a:xfrm>
-        </p:grpSpPr>
-        <p:cxnSp>
-          <p:nvCxnSpPr>
-            <p:cNvPr id="85" name="Straight Connector 84"/>
-            <p:cNvCxnSpPr/>
-            <p:nvPr/>
-          </p:nvCxnSpPr>
-          <p:spPr>
-            <a:xfrm>
-              <a:off x="2135177" y="1800230"/>
-              <a:ext cx="5256372" cy="6484"/>
-            </a:xfrm>
-            <a:prstGeom prst="line">
-              <a:avLst/>
-            </a:prstGeom>
-            <a:ln w="57150">
-              <a:solidFill>
-                <a:schemeClr val="tx1"/>
-              </a:solidFill>
-            </a:ln>
-          </p:spPr>
-          <p:style>
-            <a:lnRef idx="1">
-              <a:schemeClr val="accent1"/>
-            </a:lnRef>
-            <a:fillRef idx="0">
-              <a:schemeClr val="accent1"/>
-            </a:fillRef>
-            <a:effectRef idx="0">
-              <a:schemeClr val="accent1"/>
-            </a:effectRef>
-            <a:fontRef idx="minor">
-              <a:schemeClr val="tx1"/>
-            </a:fontRef>
-          </p:style>
-        </p:cxnSp>
-        <p:cxnSp>
-          <p:nvCxnSpPr>
-            <p:cNvPr id="86" name="Straight Connector 85"/>
-            <p:cNvCxnSpPr/>
-            <p:nvPr/>
-          </p:nvCxnSpPr>
-          <p:spPr>
-            <a:xfrm flipV="1">
-              <a:off x="2164361" y="826851"/>
-              <a:ext cx="0" cy="979865"/>
-            </a:xfrm>
-            <a:prstGeom prst="line">
-              <a:avLst/>
-            </a:prstGeom>
-            <a:ln w="57150">
-              <a:solidFill>
-                <a:schemeClr val="tx1"/>
-              </a:solidFill>
-            </a:ln>
-          </p:spPr>
-          <p:style>
-            <a:lnRef idx="1">
-              <a:schemeClr val="accent1"/>
-            </a:lnRef>
-            <a:fillRef idx="0">
-              <a:schemeClr val="accent1"/>
-            </a:fillRef>
-            <a:effectRef idx="0">
-              <a:schemeClr val="accent1"/>
-            </a:effectRef>
-            <a:fontRef idx="minor">
-              <a:schemeClr val="tx1"/>
-            </a:fontRef>
-          </p:style>
-        </p:cxnSp>
-      </p:grpSp>
-      <p:sp>
-        <p:nvSpPr>
-          <p:cNvPr id="87" name="TextBox 86"/>
-          <p:cNvSpPr txBox="1"/>
-          <p:nvPr/>
-        </p:nvSpPr>
-        <p:spPr>
-          <a:xfrm>
-            <a:off x="527237" y="5263542"/>
-            <a:ext cx="1634935" cy="369332"/>
-          </a:xfrm>
-          <a:prstGeom prst="rect">
-            <a:avLst/>
-          </a:prstGeom>
-          <a:noFill/>
-        </p:spPr>
-        <p:txBody>
-          <a:bodyPr wrap="none" rtlCol="0">
-            <a:spAutoFit/>
-          </a:bodyPr>
-          <a:lstStyle/>
-          <a:p>
-            <a:r>
-              <a:rPr lang="en-US" b="1" dirty="0" err="1" smtClean="0"/>
-              <a:t>LatchingButton</a:t>
-            </a:r>
-            <a:endParaRPr lang="en-US" b="1" dirty="0"/>
-          </a:p>
-        </p:txBody>
-      </p:sp>
-    </p:spTree>
-    <p:extLst>
-      <p:ext uri="{BB962C8B-B14F-4D97-AF65-F5344CB8AC3E}">
-        <p14:creationId xmlns:p14="http://schemas.microsoft.com/office/powerpoint/2010/main" val="2779303183"/>
-      </p:ext>
-    </p:extLst>
-  </p:cSld>
-  <p:clrMapOvr>
-    <a:masterClrMapping/>
-  </p:clrMapOvr>
-  <p:timing>
-    <p:tnLst>
-      <p:par>
-        <p:cTn id="1" dur="indefinite" restart="never" nodeType="tmRoot"/>
-      </p:par>
-    </p:tnLst>
-  </p:timing>
-</p:sld>
-</file>
-
-<file path=ppt/slides/slide2.xml><?xml version="1.0" encoding="utf-8"?>
-<p:sld xmlns:a="http://schemas.openxmlformats.org/drawingml/2006/main" xmlns:r="http://schemas.openxmlformats.org/officeDocument/2006/relationships" xmlns:p="http://schemas.openxmlformats.org/presentationml/2006/main">
-  <p:cSld>
-    <p:spTree>
-      <p:nvGrpSpPr>
-        <p:cNvPr id="1" name=""/>
-        <p:cNvGrpSpPr/>
-        <p:nvPr/>
-      </p:nvGrpSpPr>
-      <p:grpSpPr>
-        <a:xfrm>
-          <a:off x="0" y="0"/>
-          <a:ext cx="0" cy="0"/>
-          <a:chOff x="0" y="0"/>
-          <a:chExt cx="0" cy="0"/>
-        </a:xfrm>
-      </p:grpSpPr>
-      <p:sp>
-        <p:nvSpPr>
-          <p:cNvPr id="100" name="Rectangle 99"/>
-          <p:cNvSpPr/>
-          <p:nvPr/>
-        </p:nvSpPr>
-        <p:spPr>
-          <a:xfrm>
-            <a:off x="3214057" y="5680216"/>
-            <a:ext cx="3253418" cy="979865"/>
-          </a:xfrm>
-          <a:prstGeom prst="rect">
-            <a:avLst/>
-          </a:prstGeom>
-          <a:solidFill>
-            <a:srgbClr val="00B050"/>
-          </a:solidFill>
-          <a:ln>
-            <a:noFill/>
-          </a:ln>
-        </p:spPr>
-        <p:style>
-          <a:lnRef idx="2">
-            <a:schemeClr val="accent1">
-              <a:shade val="50000"/>
-            </a:schemeClr>
-          </a:lnRef>
-          <a:fillRef idx="1">
-            <a:schemeClr val="accent1"/>
-          </a:fillRef>
-          <a:effectRef idx="0">
-            <a:schemeClr val="accent1"/>
-          </a:effectRef>
-          <a:fontRef idx="minor">
-            <a:schemeClr val="lt1"/>
-          </a:fontRef>
-        </p:style>
-        <p:txBody>
-          <a:bodyPr rtlCol="0" anchor="ctr"/>
-          <a:lstStyle/>
-          <a:p>
-            <a:pPr algn="ctr"/>
-            <a:endParaRPr lang="en-US"/>
-          </a:p>
-        </p:txBody>
-      </p:sp>
-      <p:sp>
-        <p:nvSpPr>
-          <p:cNvPr id="56" name="Rectangle 55"/>
-          <p:cNvSpPr/>
-          <p:nvPr/>
-        </p:nvSpPr>
-        <p:spPr>
-          <a:xfrm>
-            <a:off x="7373634" y="1510224"/>
-            <a:ext cx="1039319" cy="979865"/>
-          </a:xfrm>
-          <a:prstGeom prst="rect">
-            <a:avLst/>
-          </a:prstGeom>
-          <a:solidFill>
-            <a:srgbClr val="C00000"/>
-          </a:solidFill>
-          <a:ln>
-            <a:noFill/>
-          </a:ln>
-        </p:spPr>
-        <p:style>
-          <a:lnRef idx="2">
-            <a:schemeClr val="accent1">
-              <a:shade val="50000"/>
-            </a:schemeClr>
-          </a:lnRef>
-          <a:fillRef idx="1">
-            <a:schemeClr val="accent1"/>
-          </a:fillRef>
-          <a:effectRef idx="0">
-            <a:schemeClr val="accent1"/>
-          </a:effectRef>
-          <a:fontRef idx="minor">
-            <a:schemeClr val="lt1"/>
-          </a:fontRef>
-        </p:style>
-        <p:txBody>
-          <a:bodyPr rtlCol="0" anchor="ctr"/>
-          <a:lstStyle/>
-          <a:p>
-            <a:pPr algn="ctr"/>
-            <a:endParaRPr lang="en-US"/>
-          </a:p>
-        </p:txBody>
-      </p:sp>
-      <p:sp>
-        <p:nvSpPr>
-          <p:cNvPr id="57" name="Rectangle 56"/>
-          <p:cNvSpPr/>
-          <p:nvPr/>
-        </p:nvSpPr>
-        <p:spPr>
-          <a:xfrm>
-            <a:off x="5290821" y="1510224"/>
-            <a:ext cx="2082814" cy="979865"/>
-          </a:xfrm>
-          <a:prstGeom prst="rect">
-            <a:avLst/>
-          </a:prstGeom>
-          <a:solidFill>
-            <a:srgbClr val="00B050"/>
-          </a:solidFill>
-          <a:ln>
-            <a:noFill/>
-          </a:ln>
-        </p:spPr>
-        <p:style>
-          <a:lnRef idx="2">
-            <a:schemeClr val="accent1">
-              <a:shade val="50000"/>
-            </a:schemeClr>
-          </a:lnRef>
-          <a:fillRef idx="1">
-            <a:schemeClr val="accent1"/>
-          </a:fillRef>
-          <a:effectRef idx="0">
-            <a:schemeClr val="accent1"/>
-          </a:effectRef>
-          <a:fontRef idx="minor">
-            <a:schemeClr val="lt1"/>
-          </a:fontRef>
-        </p:style>
-        <p:txBody>
-          <a:bodyPr rtlCol="0" anchor="ctr"/>
-          <a:lstStyle/>
-          <a:p>
-            <a:pPr algn="ctr"/>
-            <a:endParaRPr lang="en-US"/>
-          </a:p>
-        </p:txBody>
-      </p:sp>
-      <p:sp>
-        <p:nvSpPr>
-          <p:cNvPr id="30" name="Rectangle 29"/>
-          <p:cNvSpPr/>
-          <p:nvPr/>
-        </p:nvSpPr>
-        <p:spPr>
-          <a:xfrm>
-            <a:off x="3201941" y="1510226"/>
-            <a:ext cx="2096390" cy="979865"/>
-          </a:xfrm>
-          <a:prstGeom prst="rect">
-            <a:avLst/>
-          </a:prstGeom>
-          <a:solidFill>
-            <a:srgbClr val="C00000"/>
-          </a:solidFill>
-          <a:ln>
-            <a:noFill/>
-          </a:ln>
-        </p:spPr>
-        <p:style>
-          <a:lnRef idx="2">
-            <a:schemeClr val="accent1">
-              <a:shade val="50000"/>
-            </a:schemeClr>
-          </a:lnRef>
-          <a:fillRef idx="1">
-            <a:schemeClr val="accent1"/>
-          </a:fillRef>
-          <a:effectRef idx="0">
-            <a:schemeClr val="accent1"/>
-          </a:effectRef>
-          <a:fontRef idx="minor">
-            <a:schemeClr val="lt1"/>
-          </a:fontRef>
-        </p:style>
-        <p:txBody>
-          <a:bodyPr rtlCol="0" anchor="ctr"/>
-          <a:lstStyle/>
-          <a:p>
-            <a:pPr algn="ctr"/>
-            <a:endParaRPr lang="en-US"/>
-          </a:p>
-        </p:txBody>
-      </p:sp>
-      <p:grpSp>
-        <p:nvGrpSpPr>
-          <p:cNvPr id="22" name="Group 21"/>
-          <p:cNvGrpSpPr/>
-          <p:nvPr/>
-        </p:nvGrpSpPr>
-        <p:grpSpPr>
-          <a:xfrm>
-            <a:off x="3185765" y="229988"/>
-            <a:ext cx="1055495" cy="979865"/>
-            <a:chOff x="2135177" y="824743"/>
-            <a:chExt cx="1055495" cy="979865"/>
-          </a:xfrm>
-        </p:grpSpPr>
-        <p:cxnSp>
-          <p:nvCxnSpPr>
-            <p:cNvPr id="10" name="Straight Connector 9"/>
-            <p:cNvCxnSpPr/>
-            <p:nvPr/>
-          </p:nvCxnSpPr>
-          <p:spPr>
-            <a:xfrm flipV="1">
-              <a:off x="2135177" y="851387"/>
-              <a:ext cx="1055495" cy="3856"/>
-            </a:xfrm>
-            <a:prstGeom prst="line">
-              <a:avLst/>
-            </a:prstGeom>
-            <a:ln w="57150">
-              <a:solidFill>
-                <a:srgbClr val="00B0F0"/>
-              </a:solidFill>
-            </a:ln>
-          </p:spPr>
-          <p:style>
-            <a:lnRef idx="1">
-              <a:schemeClr val="accent1"/>
-            </a:lnRef>
-            <a:fillRef idx="0">
-              <a:schemeClr val="accent1"/>
-            </a:fillRef>
-            <a:effectRef idx="0">
-              <a:schemeClr val="accent1"/>
-            </a:effectRef>
-            <a:fontRef idx="minor">
-              <a:schemeClr val="tx1"/>
-            </a:fontRef>
-          </p:style>
-        </p:cxnSp>
-        <p:cxnSp>
-          <p:nvCxnSpPr>
-            <p:cNvPr id="12" name="Straight Connector 11"/>
-            <p:cNvCxnSpPr/>
-            <p:nvPr/>
-          </p:nvCxnSpPr>
-          <p:spPr>
-            <a:xfrm>
-              <a:off x="3190672" y="824743"/>
-              <a:ext cx="0" cy="979865"/>
-            </a:xfrm>
-            <a:prstGeom prst="line">
-              <a:avLst/>
-            </a:prstGeom>
-            <a:ln w="57150">
-              <a:solidFill>
-                <a:srgbClr val="00B0F0"/>
-              </a:solidFill>
-            </a:ln>
-          </p:spPr>
-          <p:style>
-            <a:lnRef idx="1">
-              <a:schemeClr val="accent1"/>
-            </a:lnRef>
-            <a:fillRef idx="0">
-              <a:schemeClr val="accent1"/>
-            </a:fillRef>
-            <a:effectRef idx="0">
-              <a:schemeClr val="accent1"/>
-            </a:effectRef>
-            <a:fontRef idx="minor">
-              <a:schemeClr val="tx1"/>
-            </a:fontRef>
-          </p:style>
-        </p:cxnSp>
-      </p:grpSp>
-      <p:grpSp>
-        <p:nvGrpSpPr>
-          <p:cNvPr id="47" name="Group 46"/>
-          <p:cNvGrpSpPr/>
-          <p:nvPr/>
-        </p:nvGrpSpPr>
-        <p:grpSpPr>
-          <a:xfrm>
-            <a:off x="5296871" y="229988"/>
-            <a:ext cx="1055495" cy="982135"/>
-            <a:chOff x="5296871" y="889433"/>
-            <a:chExt cx="1055495" cy="982135"/>
-          </a:xfrm>
-        </p:grpSpPr>
-        <p:cxnSp>
-          <p:nvCxnSpPr>
-            <p:cNvPr id="43" name="Straight Connector 42"/>
-            <p:cNvCxnSpPr/>
-            <p:nvPr/>
-          </p:nvCxnSpPr>
-          <p:spPr>
-            <a:xfrm>
-              <a:off x="6335195" y="889433"/>
-              <a:ext cx="0" cy="979865"/>
-            </a:xfrm>
-            <a:prstGeom prst="line">
-              <a:avLst/>
-            </a:prstGeom>
-            <a:ln w="57150">
-              <a:solidFill>
-                <a:srgbClr val="00B0F0"/>
-              </a:solidFill>
-            </a:ln>
-          </p:spPr>
-          <p:style>
-            <a:lnRef idx="1">
-              <a:schemeClr val="accent1"/>
-            </a:lnRef>
-            <a:fillRef idx="0">
-              <a:schemeClr val="accent1"/>
-            </a:fillRef>
-            <a:effectRef idx="0">
-              <a:schemeClr val="accent1"/>
-            </a:effectRef>
-            <a:fontRef idx="minor">
-              <a:schemeClr val="tx1"/>
-            </a:fontRef>
-          </p:style>
-        </p:cxnSp>
-        <p:cxnSp>
-          <p:nvCxnSpPr>
-            <p:cNvPr id="15" name="Straight Connector 14"/>
-            <p:cNvCxnSpPr/>
-            <p:nvPr/>
-          </p:nvCxnSpPr>
-          <p:spPr>
-            <a:xfrm flipV="1">
-              <a:off x="5296871" y="916078"/>
-              <a:ext cx="1055495" cy="3856"/>
-            </a:xfrm>
-            <a:prstGeom prst="line">
-              <a:avLst/>
-            </a:prstGeom>
-            <a:ln w="57150">
-              <a:solidFill>
-                <a:srgbClr val="00B0F0"/>
-              </a:solidFill>
-            </a:ln>
-          </p:spPr>
-          <p:style>
-            <a:lnRef idx="1">
-              <a:schemeClr val="accent1"/>
-            </a:lnRef>
-            <a:fillRef idx="0">
-              <a:schemeClr val="accent1"/>
-            </a:fillRef>
-            <a:effectRef idx="0">
-              <a:schemeClr val="accent1"/>
-            </a:effectRef>
-            <a:fontRef idx="minor">
-              <a:schemeClr val="tx1"/>
-            </a:fontRef>
-          </p:style>
-        </p:cxnSp>
-        <p:cxnSp>
-          <p:nvCxnSpPr>
-            <p:cNvPr id="16" name="Straight Connector 15"/>
-            <p:cNvCxnSpPr/>
-            <p:nvPr/>
-          </p:nvCxnSpPr>
-          <p:spPr>
-            <a:xfrm>
-              <a:off x="5298331" y="891703"/>
-              <a:ext cx="0" cy="979865"/>
-            </a:xfrm>
-            <a:prstGeom prst="line">
-              <a:avLst/>
-            </a:prstGeom>
-            <a:ln w="57150">
-              <a:solidFill>
-                <a:srgbClr val="00B0F0"/>
-              </a:solidFill>
-            </a:ln>
-          </p:spPr>
-          <p:style>
-            <a:lnRef idx="1">
-              <a:schemeClr val="accent1"/>
-            </a:lnRef>
-            <a:fillRef idx="0">
-              <a:schemeClr val="accent1"/>
-            </a:fillRef>
-            <a:effectRef idx="0">
-              <a:schemeClr val="accent1"/>
-            </a:effectRef>
-            <a:fontRef idx="minor">
-              <a:schemeClr val="tx1"/>
-            </a:fontRef>
-          </p:style>
-        </p:cxnSp>
-      </p:grpSp>
-      <p:pic>
-        <p:nvPicPr>
-          <p:cNvPr id="21" name="Picture 20"/>
-          <p:cNvPicPr>
-            <a:picLocks noChangeAspect="1"/>
-          </p:cNvPicPr>
-          <p:nvPr/>
-        </p:nvPicPr>
-        <p:blipFill>
-          <a:blip r:embed="rId2">
-            <a:extLst>
-              <a:ext uri="{28A0092B-C50C-407E-A947-70E740481C1C}">
-                <a14:useLocalDpi xmlns:a14="http://schemas.microsoft.com/office/drawing/2010/main" val="0"/>
-              </a:ext>
-            </a:extLst>
-          </a:blip>
-          <a:stretch>
-            <a:fillRect/>
-          </a:stretch>
-        </p:blipFill>
-        <p:spPr>
-          <a:xfrm>
-            <a:off x="527237" y="118165"/>
-            <a:ext cx="1231431" cy="1203696"/>
-          </a:xfrm>
-          <a:prstGeom prst="rect">
-            <a:avLst/>
-          </a:prstGeom>
-        </p:spPr>
-      </p:pic>
-      <p:grpSp>
-        <p:nvGrpSpPr>
-          <p:cNvPr id="26" name="Group 25"/>
-          <p:cNvGrpSpPr/>
-          <p:nvPr/>
-        </p:nvGrpSpPr>
-        <p:grpSpPr>
-          <a:xfrm>
-            <a:off x="3172758" y="1510226"/>
-            <a:ext cx="5256372" cy="979865"/>
-            <a:chOff x="2135177" y="826851"/>
-            <a:chExt cx="5256372" cy="979865"/>
-          </a:xfrm>
-        </p:grpSpPr>
-        <p:cxnSp>
-          <p:nvCxnSpPr>
-            <p:cNvPr id="27" name="Straight Connector 26"/>
-            <p:cNvCxnSpPr/>
-            <p:nvPr/>
-          </p:nvCxnSpPr>
-          <p:spPr>
-            <a:xfrm>
-              <a:off x="2135177" y="1800230"/>
-              <a:ext cx="5256372" cy="6484"/>
-            </a:xfrm>
-            <a:prstGeom prst="line">
-              <a:avLst/>
-            </a:prstGeom>
-            <a:ln w="57150">
-              <a:solidFill>
-                <a:schemeClr val="tx1"/>
-              </a:solidFill>
-            </a:ln>
-          </p:spPr>
-          <p:style>
-            <a:lnRef idx="1">
-              <a:schemeClr val="accent1"/>
-            </a:lnRef>
-            <a:fillRef idx="0">
-              <a:schemeClr val="accent1"/>
-            </a:fillRef>
-            <a:effectRef idx="0">
-              <a:schemeClr val="accent1"/>
-            </a:effectRef>
-            <a:fontRef idx="minor">
-              <a:schemeClr val="tx1"/>
-            </a:fontRef>
-          </p:style>
-        </p:cxnSp>
-        <p:cxnSp>
-          <p:nvCxnSpPr>
-            <p:cNvPr id="28" name="Straight Connector 27"/>
-            <p:cNvCxnSpPr/>
-            <p:nvPr/>
-          </p:nvCxnSpPr>
-          <p:spPr>
-            <a:xfrm flipV="1">
-              <a:off x="2164361" y="826851"/>
-              <a:ext cx="0" cy="979865"/>
-            </a:xfrm>
-            <a:prstGeom prst="line">
-              <a:avLst/>
-            </a:prstGeom>
-            <a:ln w="57150">
-              <a:solidFill>
-                <a:schemeClr val="tx1"/>
-              </a:solidFill>
-            </a:ln>
-          </p:spPr>
-          <p:style>
-            <a:lnRef idx="1">
-              <a:schemeClr val="accent1"/>
-            </a:lnRef>
-            <a:fillRef idx="0">
-              <a:schemeClr val="accent1"/>
-            </a:fillRef>
-            <a:effectRef idx="0">
-              <a:schemeClr val="accent1"/>
-            </a:effectRef>
-            <a:fontRef idx="minor">
-              <a:schemeClr val="tx1"/>
-            </a:fontRef>
-          </p:style>
-        </p:cxnSp>
-      </p:grpSp>
-      <p:sp>
-        <p:nvSpPr>
-          <p:cNvPr id="29" name="TextBox 28"/>
-          <p:cNvSpPr txBox="1"/>
-          <p:nvPr/>
-        </p:nvSpPr>
-        <p:spPr>
-          <a:xfrm>
-            <a:off x="527237" y="1748817"/>
-            <a:ext cx="1634935" cy="646331"/>
-          </a:xfrm>
-          <a:prstGeom prst="rect">
-            <a:avLst/>
-          </a:prstGeom>
-          <a:noFill/>
-        </p:spPr>
-        <p:txBody>
-          <a:bodyPr wrap="none" rtlCol="0">
-            <a:spAutoFit/>
-          </a:bodyPr>
-          <a:lstStyle/>
-          <a:p>
-            <a:r>
-              <a:rPr lang="en-US" b="1" dirty="0" err="1" smtClean="0"/>
-              <a:t>LatchingButton</a:t>
-            </a:r>
-            <a:endParaRPr lang="en-US" b="1" dirty="0" smtClean="0"/>
-          </a:p>
-          <a:p>
-            <a:r>
-              <a:rPr lang="en-US" b="1" dirty="0" smtClean="0"/>
-              <a:t>(short press)</a:t>
-            </a:r>
-            <a:endParaRPr lang="en-US" b="1" dirty="0"/>
-          </a:p>
-        </p:txBody>
-      </p:sp>
-      <p:grpSp>
-        <p:nvGrpSpPr>
-          <p:cNvPr id="35" name="Group 34"/>
-          <p:cNvGrpSpPr/>
-          <p:nvPr/>
-        </p:nvGrpSpPr>
-        <p:grpSpPr>
-          <a:xfrm>
-            <a:off x="10845772" y="353468"/>
-            <a:ext cx="886567" cy="646331"/>
-            <a:chOff x="8491678" y="684209"/>
-            <a:chExt cx="886567" cy="646331"/>
-          </a:xfrm>
-        </p:grpSpPr>
-        <p:sp>
-          <p:nvSpPr>
-            <p:cNvPr id="9" name="TextBox 8"/>
-            <p:cNvSpPr txBox="1"/>
-            <p:nvPr/>
-          </p:nvSpPr>
-          <p:spPr>
-            <a:xfrm>
-              <a:off x="8717358" y="684209"/>
-              <a:ext cx="660887" cy="646331"/>
-            </a:xfrm>
-            <a:prstGeom prst="rect">
-              <a:avLst/>
-            </a:prstGeom>
-            <a:noFill/>
-          </p:spPr>
-          <p:txBody>
-            <a:bodyPr wrap="none" rtlCol="0">
-              <a:spAutoFit/>
-            </a:bodyPr>
-            <a:lstStyle/>
-            <a:p>
-              <a:r>
-                <a:rPr lang="en-US" b="1" dirty="0" smtClean="0"/>
-                <a:t>True</a:t>
-              </a:r>
-            </a:p>
-            <a:p>
-              <a:r>
-                <a:rPr lang="en-US" b="1" dirty="0" smtClean="0"/>
-                <a:t>False</a:t>
-              </a:r>
-              <a:endParaRPr lang="en-US" b="1" dirty="0"/>
-            </a:p>
-          </p:txBody>
-        </p:sp>
-        <p:sp>
-          <p:nvSpPr>
-            <p:cNvPr id="33" name="Rectangle 32"/>
-            <p:cNvSpPr>
-              <a:spLocks noChangeAspect="1"/>
-            </p:cNvSpPr>
-            <p:nvPr/>
-          </p:nvSpPr>
-          <p:spPr>
-            <a:xfrm>
-              <a:off x="8491678" y="1036558"/>
-              <a:ext cx="228600" cy="228600"/>
-            </a:xfrm>
-            <a:prstGeom prst="rect">
-              <a:avLst/>
-            </a:prstGeom>
-            <a:solidFill>
-              <a:srgbClr val="C00000"/>
-            </a:solidFill>
-            <a:ln>
-              <a:noFill/>
-            </a:ln>
-          </p:spPr>
-          <p:style>
-            <a:lnRef idx="2">
-              <a:schemeClr val="accent1">
-                <a:shade val="50000"/>
-              </a:schemeClr>
-            </a:lnRef>
-            <a:fillRef idx="1">
-              <a:schemeClr val="accent1"/>
-            </a:fillRef>
-            <a:effectRef idx="0">
-              <a:schemeClr val="accent1"/>
-            </a:effectRef>
-            <a:fontRef idx="minor">
-              <a:schemeClr val="lt1"/>
-            </a:fontRef>
-          </p:style>
-          <p:txBody>
-            <a:bodyPr rtlCol="0" anchor="ctr"/>
-            <a:lstStyle/>
-            <a:p>
-              <a:pPr algn="ctr"/>
-              <a:endParaRPr lang="en-US"/>
-            </a:p>
-          </p:txBody>
-        </p:sp>
-        <p:sp>
-          <p:nvSpPr>
-            <p:cNvPr id="34" name="Rectangle 33"/>
-            <p:cNvSpPr>
-              <a:spLocks noChangeAspect="1"/>
-            </p:cNvSpPr>
-            <p:nvPr/>
-          </p:nvSpPr>
-          <p:spPr>
-            <a:xfrm>
-              <a:off x="8491678" y="729620"/>
-              <a:ext cx="228600" cy="228600"/>
-            </a:xfrm>
-            <a:prstGeom prst="rect">
-              <a:avLst/>
-            </a:prstGeom>
-            <a:solidFill>
-              <a:srgbClr val="00B050"/>
-            </a:solidFill>
-            <a:ln>
-              <a:noFill/>
-            </a:ln>
-          </p:spPr>
-          <p:style>
-            <a:lnRef idx="2">
-              <a:schemeClr val="accent1">
-                <a:shade val="50000"/>
-              </a:schemeClr>
-            </a:lnRef>
-            <a:fillRef idx="1">
-              <a:schemeClr val="accent1"/>
-            </a:fillRef>
-            <a:effectRef idx="0">
-              <a:schemeClr val="accent1"/>
-            </a:effectRef>
-            <a:fontRef idx="minor">
-              <a:schemeClr val="lt1"/>
-            </a:fontRef>
-          </p:style>
-          <p:txBody>
-            <a:bodyPr rtlCol="0" anchor="ctr"/>
-            <a:lstStyle/>
-            <a:p>
-              <a:pPr algn="ctr"/>
-              <a:endParaRPr lang="en-US"/>
-            </a:p>
-          </p:txBody>
-        </p:sp>
-      </p:grpSp>
-      <p:sp>
-        <p:nvSpPr>
-          <p:cNvPr id="36" name="TextBox 35"/>
-          <p:cNvSpPr txBox="1"/>
-          <p:nvPr/>
-        </p:nvSpPr>
-        <p:spPr>
-          <a:xfrm>
-            <a:off x="1865668" y="134224"/>
-            <a:ext cx="1293944" cy="1200329"/>
-          </a:xfrm>
-          <a:prstGeom prst="rect">
-            <a:avLst/>
-          </a:prstGeom>
-          <a:noFill/>
-        </p:spPr>
-        <p:txBody>
-          <a:bodyPr wrap="none" rtlCol="0">
-            <a:spAutoFit/>
-          </a:bodyPr>
-          <a:lstStyle/>
-          <a:p>
-            <a:r>
-              <a:rPr lang="en-US" b="1" dirty="0" smtClean="0"/>
-              <a:t>Not pushed</a:t>
-            </a:r>
-          </a:p>
-          <a:p>
-            <a:endParaRPr lang="en-US" b="1" dirty="0"/>
-          </a:p>
-          <a:p>
-            <a:endParaRPr lang="en-US" b="1" dirty="0" smtClean="0"/>
-          </a:p>
-          <a:p>
-            <a:r>
-              <a:rPr lang="en-US" b="1" dirty="0" smtClean="0"/>
-              <a:t>Pushed</a:t>
-            </a:r>
-            <a:endParaRPr lang="en-US" b="1" dirty="0"/>
-          </a:p>
-        </p:txBody>
-      </p:sp>
-      <p:grpSp>
-        <p:nvGrpSpPr>
-          <p:cNvPr id="44" name="Group 43"/>
-          <p:cNvGrpSpPr/>
-          <p:nvPr/>
-        </p:nvGrpSpPr>
-        <p:grpSpPr>
-          <a:xfrm>
-            <a:off x="7373635" y="229988"/>
-            <a:ext cx="1055495" cy="979865"/>
-            <a:chOff x="4245288" y="813881"/>
-            <a:chExt cx="1055495" cy="979865"/>
-          </a:xfrm>
-        </p:grpSpPr>
-        <p:cxnSp>
-          <p:nvCxnSpPr>
-            <p:cNvPr id="45" name="Straight Connector 44"/>
-            <p:cNvCxnSpPr/>
-            <p:nvPr/>
-          </p:nvCxnSpPr>
-          <p:spPr>
-            <a:xfrm flipV="1">
-              <a:off x="4245288" y="838687"/>
-              <a:ext cx="1055495" cy="3856"/>
-            </a:xfrm>
-            <a:prstGeom prst="line">
-              <a:avLst/>
-            </a:prstGeom>
-            <a:ln w="57150">
-              <a:solidFill>
-                <a:srgbClr val="00B0F0"/>
-              </a:solidFill>
-            </a:ln>
-          </p:spPr>
-          <p:style>
-            <a:lnRef idx="1">
-              <a:schemeClr val="accent1"/>
-            </a:lnRef>
-            <a:fillRef idx="0">
-              <a:schemeClr val="accent1"/>
-            </a:fillRef>
-            <a:effectRef idx="0">
-              <a:schemeClr val="accent1"/>
-            </a:effectRef>
-            <a:fontRef idx="minor">
-              <a:schemeClr val="tx1"/>
-            </a:fontRef>
-          </p:style>
-        </p:cxnSp>
-        <p:cxnSp>
-          <p:nvCxnSpPr>
-            <p:cNvPr id="46" name="Straight Connector 45"/>
-            <p:cNvCxnSpPr/>
-            <p:nvPr/>
-          </p:nvCxnSpPr>
-          <p:spPr>
-            <a:xfrm>
-              <a:off x="4247743" y="813881"/>
-              <a:ext cx="0" cy="979865"/>
-            </a:xfrm>
-            <a:prstGeom prst="line">
-              <a:avLst/>
-            </a:prstGeom>
-            <a:ln w="57150">
-              <a:solidFill>
-                <a:srgbClr val="00B0F0"/>
-              </a:solidFill>
-            </a:ln>
-          </p:spPr>
-          <p:style>
-            <a:lnRef idx="1">
-              <a:schemeClr val="accent1"/>
-            </a:lnRef>
-            <a:fillRef idx="0">
-              <a:schemeClr val="accent1"/>
-            </a:fillRef>
-            <a:effectRef idx="0">
-              <a:schemeClr val="accent1"/>
-            </a:effectRef>
-            <a:fontRef idx="minor">
-              <a:schemeClr val="tx1"/>
-            </a:fontRef>
-          </p:style>
-        </p:cxnSp>
-      </p:grpSp>
-      <p:grpSp>
-        <p:nvGrpSpPr>
-          <p:cNvPr id="50" name="Group 49"/>
-          <p:cNvGrpSpPr/>
-          <p:nvPr/>
-        </p:nvGrpSpPr>
-        <p:grpSpPr>
-          <a:xfrm>
-            <a:off x="3159612" y="228398"/>
-            <a:ext cx="5257800" cy="979865"/>
-            <a:chOff x="3185765" y="904673"/>
-            <a:chExt cx="5257800" cy="979865"/>
-          </a:xfrm>
-        </p:grpSpPr>
-        <p:cxnSp>
-          <p:nvCxnSpPr>
-            <p:cNvPr id="6" name="Straight Connector 5"/>
-            <p:cNvCxnSpPr/>
-            <p:nvPr/>
-          </p:nvCxnSpPr>
-          <p:spPr>
-            <a:xfrm flipV="1">
-              <a:off x="3214949" y="904673"/>
-              <a:ext cx="0" cy="979865"/>
-            </a:xfrm>
-            <a:prstGeom prst="line">
-              <a:avLst/>
-            </a:prstGeom>
-            <a:ln w="57150">
-              <a:solidFill>
-                <a:schemeClr val="tx1"/>
-              </a:solidFill>
-            </a:ln>
-          </p:spPr>
-          <p:style>
-            <a:lnRef idx="1">
-              <a:schemeClr val="accent1"/>
-            </a:lnRef>
-            <a:fillRef idx="0">
-              <a:schemeClr val="accent1"/>
-            </a:fillRef>
-            <a:effectRef idx="0">
-              <a:schemeClr val="accent1"/>
-            </a:effectRef>
-            <a:fontRef idx="minor">
-              <a:schemeClr val="tx1"/>
-            </a:fontRef>
-          </p:style>
-        </p:cxnSp>
-        <p:cxnSp>
-          <p:nvCxnSpPr>
-            <p:cNvPr id="5" name="Straight Connector 4"/>
-            <p:cNvCxnSpPr/>
-            <p:nvPr/>
-          </p:nvCxnSpPr>
-          <p:spPr>
-            <a:xfrm>
-              <a:off x="3185765" y="1884538"/>
-              <a:ext cx="5257800" cy="0"/>
-            </a:xfrm>
-            <a:prstGeom prst="line">
-              <a:avLst/>
-            </a:prstGeom>
-            <a:ln w="57150">
-              <a:solidFill>
-                <a:schemeClr val="tx1"/>
-              </a:solidFill>
-            </a:ln>
-          </p:spPr>
-          <p:style>
-            <a:lnRef idx="1">
-              <a:schemeClr val="accent1"/>
-            </a:lnRef>
-            <a:fillRef idx="0">
-              <a:schemeClr val="accent1"/>
-            </a:fillRef>
-            <a:effectRef idx="0">
-              <a:schemeClr val="accent1"/>
-            </a:effectRef>
-            <a:fontRef idx="minor">
-              <a:schemeClr val="tx1"/>
-            </a:fontRef>
-          </p:style>
-        </p:cxnSp>
-      </p:grpSp>
       <p:grpSp>
         <p:nvGrpSpPr>
           <p:cNvPr id="48" name="Group 47"/>
@@ -6490,15 +6633,7 @@
           <a:p>
             <a:r>
               <a:rPr lang="en-US" b="1" dirty="0" smtClean="0"/>
-              <a:t>(long </a:t>
-            </a:r>
-            <a:r>
-              <a:rPr lang="en-US" b="1" smtClean="0"/>
-              <a:t>press enabled, </a:t>
-            </a:r>
-            <a:r>
-              <a:rPr lang="en-US" b="1" dirty="0" smtClean="0"/>
-              <a:t>reset state is off)</a:t>
+              <a:t>(long press enabled, reset state is off)</a:t>
             </a:r>
           </a:p>
         </p:txBody>
@@ -6513,6 +6648,14 @@
   <p:clrMapOvr>
     <a:masterClrMapping/>
   </p:clrMapOvr>
+  <mc:AlternateContent xmlns:mc="http://schemas.openxmlformats.org/markup-compatibility/2006">
+    <mc:Choice xmlns:p14="http://schemas.microsoft.com/office/powerpoint/2010/main" Requires="p14">
+      <p:transition spd="slow" p14:dur="2000"/>
+    </mc:Choice>
+    <mc:Fallback>
+      <p:transition spd="slow"/>
+    </mc:Fallback>
+  </mc:AlternateContent>
   <p:timing>
     <p:tnLst>
       <p:par>

--- a/documentation/Documentation.pptx
+++ b/documentation/Documentation.pptx
@@ -5061,7 +5061,7 @@
 </file>
 
 <file path=ppt/slides/slide2.xml><?xml version="1.0" encoding="utf-8"?>
-<p:sld xmlns:a="http://schemas.openxmlformats.org/drawingml/2006/main" xmlns:r="http://schemas.openxmlformats.org/officeDocument/2006/relationships" xmlns:p="http://schemas.openxmlformats.org/presentationml/2006/main" show="0">
+<p:sld xmlns:a="http://schemas.openxmlformats.org/drawingml/2006/main" xmlns:r="http://schemas.openxmlformats.org/officeDocument/2006/relationships" xmlns:p="http://schemas.openxmlformats.org/presentationml/2006/main">
   <p:cSld>
     <p:spTree>
       <p:nvGrpSpPr>
@@ -5077,190 +5077,6 @@
           <a:chExt cx="0" cy="0"/>
         </a:xfrm>
       </p:grpSpPr>
-      <p:sp>
-        <p:nvSpPr>
-          <p:cNvPr id="100" name="Rectangle 99"/>
-          <p:cNvSpPr/>
-          <p:nvPr/>
-        </p:nvSpPr>
-        <p:spPr>
-          <a:xfrm>
-            <a:off x="3214057" y="5680216"/>
-            <a:ext cx="3253418" cy="979865"/>
-          </a:xfrm>
-          <a:prstGeom prst="rect">
-            <a:avLst/>
-          </a:prstGeom>
-          <a:solidFill>
-            <a:srgbClr val="00B050"/>
-          </a:solidFill>
-          <a:ln>
-            <a:noFill/>
-          </a:ln>
-        </p:spPr>
-        <p:style>
-          <a:lnRef idx="2">
-            <a:schemeClr val="accent1">
-              <a:shade val="50000"/>
-            </a:schemeClr>
-          </a:lnRef>
-          <a:fillRef idx="1">
-            <a:schemeClr val="accent1"/>
-          </a:fillRef>
-          <a:effectRef idx="0">
-            <a:schemeClr val="accent1"/>
-          </a:effectRef>
-          <a:fontRef idx="minor">
-            <a:schemeClr val="lt1"/>
-          </a:fontRef>
-        </p:style>
-        <p:txBody>
-          <a:bodyPr rtlCol="0" anchor="ctr"/>
-          <a:lstStyle/>
-          <a:p>
-            <a:pPr algn="ctr"/>
-            <a:endParaRPr lang="en-US"/>
-          </a:p>
-        </p:txBody>
-      </p:sp>
-      <p:sp>
-        <p:nvSpPr>
-          <p:cNvPr id="56" name="Rectangle 55"/>
-          <p:cNvSpPr/>
-          <p:nvPr/>
-        </p:nvSpPr>
-        <p:spPr>
-          <a:xfrm>
-            <a:off x="7373634" y="1510224"/>
-            <a:ext cx="1039319" cy="979865"/>
-          </a:xfrm>
-          <a:prstGeom prst="rect">
-            <a:avLst/>
-          </a:prstGeom>
-          <a:solidFill>
-            <a:srgbClr val="C00000"/>
-          </a:solidFill>
-          <a:ln>
-            <a:noFill/>
-          </a:ln>
-        </p:spPr>
-        <p:style>
-          <a:lnRef idx="2">
-            <a:schemeClr val="accent1">
-              <a:shade val="50000"/>
-            </a:schemeClr>
-          </a:lnRef>
-          <a:fillRef idx="1">
-            <a:schemeClr val="accent1"/>
-          </a:fillRef>
-          <a:effectRef idx="0">
-            <a:schemeClr val="accent1"/>
-          </a:effectRef>
-          <a:fontRef idx="minor">
-            <a:schemeClr val="lt1"/>
-          </a:fontRef>
-        </p:style>
-        <p:txBody>
-          <a:bodyPr rtlCol="0" anchor="ctr"/>
-          <a:lstStyle/>
-          <a:p>
-            <a:pPr algn="ctr"/>
-            <a:endParaRPr lang="en-US"/>
-          </a:p>
-        </p:txBody>
-      </p:sp>
-      <p:sp>
-        <p:nvSpPr>
-          <p:cNvPr id="57" name="Rectangle 56"/>
-          <p:cNvSpPr/>
-          <p:nvPr/>
-        </p:nvSpPr>
-        <p:spPr>
-          <a:xfrm>
-            <a:off x="5290821" y="1510224"/>
-            <a:ext cx="2082814" cy="979865"/>
-          </a:xfrm>
-          <a:prstGeom prst="rect">
-            <a:avLst/>
-          </a:prstGeom>
-          <a:solidFill>
-            <a:srgbClr val="00B050"/>
-          </a:solidFill>
-          <a:ln>
-            <a:noFill/>
-          </a:ln>
-        </p:spPr>
-        <p:style>
-          <a:lnRef idx="2">
-            <a:schemeClr val="accent1">
-              <a:shade val="50000"/>
-            </a:schemeClr>
-          </a:lnRef>
-          <a:fillRef idx="1">
-            <a:schemeClr val="accent1"/>
-          </a:fillRef>
-          <a:effectRef idx="0">
-            <a:schemeClr val="accent1"/>
-          </a:effectRef>
-          <a:fontRef idx="minor">
-            <a:schemeClr val="lt1"/>
-          </a:fontRef>
-        </p:style>
-        <p:txBody>
-          <a:bodyPr rtlCol="0" anchor="ctr"/>
-          <a:lstStyle/>
-          <a:p>
-            <a:pPr algn="ctr"/>
-            <a:endParaRPr lang="en-US"/>
-          </a:p>
-        </p:txBody>
-      </p:sp>
-      <p:sp>
-        <p:nvSpPr>
-          <p:cNvPr id="30" name="Rectangle 29"/>
-          <p:cNvSpPr/>
-          <p:nvPr/>
-        </p:nvSpPr>
-        <p:spPr>
-          <a:xfrm>
-            <a:off x="3201941" y="1510226"/>
-            <a:ext cx="2096390" cy="979865"/>
-          </a:xfrm>
-          <a:prstGeom prst="rect">
-            <a:avLst/>
-          </a:prstGeom>
-          <a:solidFill>
-            <a:srgbClr val="C00000"/>
-          </a:solidFill>
-          <a:ln>
-            <a:noFill/>
-          </a:ln>
-        </p:spPr>
-        <p:style>
-          <a:lnRef idx="2">
-            <a:schemeClr val="accent1">
-              <a:shade val="50000"/>
-            </a:schemeClr>
-          </a:lnRef>
-          <a:fillRef idx="1">
-            <a:schemeClr val="accent1"/>
-          </a:fillRef>
-          <a:effectRef idx="0">
-            <a:schemeClr val="accent1"/>
-          </a:effectRef>
-          <a:fontRef idx="minor">
-            <a:schemeClr val="lt1"/>
-          </a:fontRef>
-        </p:style>
-        <p:txBody>
-          <a:bodyPr rtlCol="0" anchor="ctr"/>
-          <a:lstStyle/>
-          <a:p>
-            <a:pPr algn="ctr"/>
-            <a:endParaRPr lang="en-US"/>
-          </a:p>
-        </p:txBody>
-      </p:sp>
       <p:grpSp>
         <p:nvGrpSpPr>
           <p:cNvPr id="22" name="Group 21"/>
@@ -5498,138 +5314,16 @@
       </p:pic>
       <p:grpSp>
         <p:nvGrpSpPr>
-          <p:cNvPr id="26" name="Group 25"/>
+          <p:cNvPr id="7" name="Group 6"/>
           <p:cNvGrpSpPr/>
           <p:nvPr/>
         </p:nvGrpSpPr>
         <p:grpSpPr>
           <a:xfrm>
-            <a:off x="3172758" y="1510226"/>
-            <a:ext cx="5256372" cy="979865"/>
-            <a:chOff x="2135177" y="826851"/>
-            <a:chExt cx="5256372" cy="979865"/>
-          </a:xfrm>
-        </p:grpSpPr>
-        <p:cxnSp>
-          <p:nvCxnSpPr>
-            <p:cNvPr id="27" name="Straight Connector 26"/>
-            <p:cNvCxnSpPr/>
-            <p:nvPr/>
-          </p:nvCxnSpPr>
-          <p:spPr>
-            <a:xfrm>
-              <a:off x="2135177" y="1800230"/>
-              <a:ext cx="5256372" cy="6484"/>
-            </a:xfrm>
-            <a:prstGeom prst="line">
-              <a:avLst/>
-            </a:prstGeom>
-            <a:ln w="57150">
-              <a:solidFill>
-                <a:schemeClr val="tx1"/>
-              </a:solidFill>
-            </a:ln>
-          </p:spPr>
-          <p:style>
-            <a:lnRef idx="1">
-              <a:schemeClr val="accent1"/>
-            </a:lnRef>
-            <a:fillRef idx="0">
-              <a:schemeClr val="accent1"/>
-            </a:fillRef>
-            <a:effectRef idx="0">
-              <a:schemeClr val="accent1"/>
-            </a:effectRef>
-            <a:fontRef idx="minor">
-              <a:schemeClr val="tx1"/>
-            </a:fontRef>
-          </p:style>
-        </p:cxnSp>
-        <p:cxnSp>
-          <p:nvCxnSpPr>
-            <p:cNvPr id="28" name="Straight Connector 27"/>
-            <p:cNvCxnSpPr/>
-            <p:nvPr/>
-          </p:nvCxnSpPr>
-          <p:spPr>
-            <a:xfrm flipV="1">
-              <a:off x="2164361" y="826851"/>
-              <a:ext cx="0" cy="979865"/>
-            </a:xfrm>
-            <a:prstGeom prst="line">
-              <a:avLst/>
-            </a:prstGeom>
-            <a:ln w="57150">
-              <a:solidFill>
-                <a:schemeClr val="tx1"/>
-              </a:solidFill>
-            </a:ln>
-          </p:spPr>
-          <p:style>
-            <a:lnRef idx="1">
-              <a:schemeClr val="accent1"/>
-            </a:lnRef>
-            <a:fillRef idx="0">
-              <a:schemeClr val="accent1"/>
-            </a:fillRef>
-            <a:effectRef idx="0">
-              <a:schemeClr val="accent1"/>
-            </a:effectRef>
-            <a:fontRef idx="minor">
-              <a:schemeClr val="tx1"/>
-            </a:fontRef>
-          </p:style>
-        </p:cxnSp>
-      </p:grpSp>
-      <p:sp>
-        <p:nvSpPr>
-          <p:cNvPr id="29" name="TextBox 28"/>
-          <p:cNvSpPr txBox="1"/>
-          <p:nvPr/>
-        </p:nvSpPr>
-        <p:spPr>
-          <a:xfrm>
-            <a:off x="527237" y="1748817"/>
-            <a:ext cx="1634935" cy="646331"/>
-          </a:xfrm>
-          <a:prstGeom prst="rect">
-            <a:avLst/>
-          </a:prstGeom>
-          <a:noFill/>
-        </p:spPr>
-        <p:txBody>
-          <a:bodyPr wrap="none" rtlCol="0">
-            <a:spAutoFit/>
-          </a:bodyPr>
-          <a:lstStyle/>
-          <a:p>
-            <a:r>
-              <a:rPr lang="en-US" b="1" dirty="0" err="1" smtClean="0"/>
-              <a:t>LatchingButton</a:t>
-            </a:r>
-            <a:endParaRPr lang="en-US" b="1" dirty="0" smtClean="0"/>
-          </a:p>
-          <a:p>
-            <a:r>
-              <a:rPr lang="en-US" b="1" dirty="0" smtClean="0"/>
-              <a:t>(short press)</a:t>
-            </a:r>
-            <a:endParaRPr lang="en-US" b="1" dirty="0"/>
-          </a:p>
-        </p:txBody>
-      </p:sp>
-      <p:grpSp>
-        <p:nvGrpSpPr>
-          <p:cNvPr id="35" name="Group 34"/>
-          <p:cNvGrpSpPr/>
-          <p:nvPr/>
-        </p:nvGrpSpPr>
-        <p:grpSpPr>
-          <a:xfrm>
-            <a:off x="10845772" y="353468"/>
-            <a:ext cx="886567" cy="646331"/>
-            <a:chOff x="8491678" y="684209"/>
-            <a:chExt cx="886567" cy="646331"/>
+            <a:off x="9807547" y="356408"/>
+            <a:ext cx="1669123" cy="369332"/>
+            <a:chOff x="10845772" y="356408"/>
+            <a:chExt cx="1669123" cy="369332"/>
           </a:xfrm>
         </p:grpSpPr>
         <p:sp>
@@ -5640,8 +5334,8 @@
           </p:nvSpPr>
           <p:spPr>
             <a:xfrm>
-              <a:off x="8717358" y="684209"/>
-              <a:ext cx="660887" cy="646331"/>
+              <a:off x="11074372" y="356408"/>
+              <a:ext cx="1440523" cy="369332"/>
             </a:xfrm>
             <a:prstGeom prst="rect">
               <a:avLst/>
@@ -5656,63 +5350,9 @@
             <a:p>
               <a:r>
                 <a:rPr lang="en-US" b="1" dirty="0" smtClean="0"/>
-                <a:t>True</a:t>
-              </a:r>
-            </a:p>
-            <a:p>
-              <a:r>
-                <a:rPr lang="en-US" b="1" dirty="0" smtClean="0"/>
-                <a:t>False</a:t>
+                <a:t>NOTPRESSED</a:t>
               </a:r>
               <a:endParaRPr lang="en-US" b="1" dirty="0"/>
-            </a:p>
-          </p:txBody>
-        </p:sp>
-        <p:sp>
-          <p:nvSpPr>
-            <p:cNvPr id="33" name="Rectangle 32"/>
-            <p:cNvSpPr>
-              <a:spLocks noChangeAspect="1"/>
-            </p:cNvSpPr>
-            <p:nvPr/>
-          </p:nvSpPr>
-          <p:spPr>
-            <a:xfrm>
-              <a:off x="8491678" y="1036558"/>
-              <a:ext cx="228600" cy="228600"/>
-            </a:xfrm>
-            <a:prstGeom prst="rect">
-              <a:avLst/>
-            </a:prstGeom>
-            <a:solidFill>
-              <a:srgbClr val="C00000"/>
-            </a:solidFill>
-            <a:ln>
-              <a:noFill/>
-            </a:ln>
-          </p:spPr>
-          <p:style>
-            <a:lnRef idx="2">
-              <a:schemeClr val="accent1">
-                <a:shade val="50000"/>
-              </a:schemeClr>
-            </a:lnRef>
-            <a:fillRef idx="1">
-              <a:schemeClr val="accent1"/>
-            </a:fillRef>
-            <a:effectRef idx="0">
-              <a:schemeClr val="accent1"/>
-            </a:effectRef>
-            <a:fontRef idx="minor">
-              <a:schemeClr val="lt1"/>
-            </a:fontRef>
-          </p:style>
-          <p:txBody>
-            <a:bodyPr rtlCol="0" anchor="ctr"/>
-            <a:lstStyle/>
-            <a:p>
-              <a:pPr algn="ctr"/>
-              <a:endParaRPr lang="en-US"/>
             </a:p>
           </p:txBody>
         </p:sp>
@@ -5726,14 +5366,14 @@
           </p:nvSpPr>
           <p:spPr>
             <a:xfrm>
-              <a:off x="8491678" y="729620"/>
+              <a:off x="10845772" y="426774"/>
               <a:ext cx="228600" cy="228600"/>
             </a:xfrm>
             <a:prstGeom prst="rect">
               <a:avLst/>
             </a:prstGeom>
             <a:solidFill>
-              <a:srgbClr val="00B050"/>
+              <a:srgbClr val="C00000"/>
             </a:solidFill>
             <a:ln>
               <a:noFill/>
@@ -5985,7 +5625,7 @@
         </p:nvGrpSpPr>
         <p:grpSpPr>
           <a:xfrm>
-            <a:off x="3164203" y="3096443"/>
+            <a:off x="3164203" y="3839393"/>
             <a:ext cx="1055495" cy="979865"/>
             <a:chOff x="2135177" y="824743"/>
             <a:chExt cx="1055495" cy="979865"/>
@@ -6070,7 +5710,7 @@
         </p:nvGrpSpPr>
         <p:grpSpPr>
           <a:xfrm>
-            <a:off x="6342109" y="3094853"/>
+            <a:off x="6342109" y="3837803"/>
             <a:ext cx="2070844" cy="983725"/>
             <a:chOff x="5296871" y="887843"/>
             <a:chExt cx="2070844" cy="983725"/>
@@ -6169,7 +5809,7 @@
         </p:blipFill>
         <p:spPr>
           <a:xfrm>
-            <a:off x="505675" y="2984620"/>
+            <a:off x="505675" y="3727570"/>
             <a:ext cx="1231431" cy="1203696"/>
           </a:xfrm>
           <a:prstGeom prst="rect">
@@ -6185,7 +5825,7 @@
         </p:nvSpPr>
         <p:spPr>
           <a:xfrm>
-            <a:off x="1844106" y="3000679"/>
+            <a:off x="1844106" y="3743629"/>
             <a:ext cx="1293944" cy="1200329"/>
           </a:xfrm>
           <a:prstGeom prst="rect">
@@ -6227,7 +5867,7 @@
         </p:nvGrpSpPr>
         <p:grpSpPr>
           <a:xfrm>
-            <a:off x="3138050" y="3094853"/>
+            <a:off x="3138050" y="3837803"/>
             <a:ext cx="5257800" cy="979865"/>
             <a:chOff x="3185765" y="904673"/>
             <a:chExt cx="5257800" cy="979865"/>
@@ -6312,7 +5952,7 @@
         </p:nvSpPr>
         <p:spPr>
           <a:xfrm>
-            <a:off x="3201941" y="4404912"/>
+            <a:off x="3201941" y="5147862"/>
             <a:ext cx="5193909" cy="979865"/>
           </a:xfrm>
           <a:prstGeom prst="rect">
@@ -6350,29 +5990,598 @@
           </a:p>
         </p:txBody>
       </p:sp>
+      <p:cxnSp>
+        <p:nvCxnSpPr>
+          <p:cNvPr id="93" name="Straight Connector 92"/>
+          <p:cNvCxnSpPr/>
+          <p:nvPr/>
+        </p:nvCxnSpPr>
+        <p:spPr>
+          <a:xfrm flipV="1">
+            <a:off x="3201942" y="5147862"/>
+            <a:ext cx="0" cy="979865"/>
+          </a:xfrm>
+          <a:prstGeom prst="line">
+            <a:avLst/>
+          </a:prstGeom>
+          <a:ln w="57150">
+            <a:solidFill>
+              <a:schemeClr val="tx1"/>
+            </a:solidFill>
+          </a:ln>
+        </p:spPr>
+        <p:style>
+          <a:lnRef idx="1">
+            <a:schemeClr val="accent1"/>
+          </a:lnRef>
+          <a:fillRef idx="0">
+            <a:schemeClr val="accent1"/>
+          </a:fillRef>
+          <a:effectRef idx="0">
+            <a:schemeClr val="accent1"/>
+          </a:effectRef>
+          <a:fontRef idx="minor">
+            <a:schemeClr val="tx1"/>
+          </a:fontRef>
+        </p:style>
+      </p:cxnSp>
+      <p:sp>
+        <p:nvSpPr>
+          <p:cNvPr id="94" name="TextBox 93"/>
+          <p:cNvSpPr txBox="1"/>
+          <p:nvPr/>
+        </p:nvSpPr>
+        <p:spPr>
+          <a:xfrm>
+            <a:off x="527237" y="5318487"/>
+            <a:ext cx="1958788" cy="646331"/>
+          </a:xfrm>
+          <a:prstGeom prst="rect">
+            <a:avLst/>
+          </a:prstGeom>
+          <a:noFill/>
+        </p:spPr>
+        <p:txBody>
+          <a:bodyPr wrap="square" rtlCol="0">
+            <a:spAutoFit/>
+          </a:bodyPr>
+          <a:lstStyle/>
+          <a:p>
+            <a:r>
+              <a:rPr lang="en-US" b="1" dirty="0" smtClean="0"/>
+              <a:t>Long Press</a:t>
+            </a:r>
+          </a:p>
+          <a:p>
+            <a:r>
+              <a:rPr lang="en-US" b="1" dirty="0" smtClean="0"/>
+              <a:t>Sequence</a:t>
+            </a:r>
+          </a:p>
+        </p:txBody>
+      </p:sp>
+      <p:sp>
+        <p:nvSpPr>
+          <p:cNvPr id="109" name="TextBox 108"/>
+          <p:cNvSpPr txBox="1"/>
+          <p:nvPr/>
+        </p:nvSpPr>
+        <p:spPr>
+          <a:xfrm>
+            <a:off x="505675" y="1637094"/>
+            <a:ext cx="1256113" cy="646331"/>
+          </a:xfrm>
+          <a:prstGeom prst="rect">
+            <a:avLst/>
+          </a:prstGeom>
+          <a:noFill/>
+        </p:spPr>
+        <p:txBody>
+          <a:bodyPr wrap="none" rtlCol="0">
+            <a:spAutoFit/>
+          </a:bodyPr>
+          <a:lstStyle/>
+          <a:p>
+            <a:r>
+              <a:rPr lang="en-US" b="1" dirty="0" smtClean="0"/>
+              <a:t>Short Press</a:t>
+            </a:r>
+          </a:p>
+          <a:p>
+            <a:r>
+              <a:rPr lang="en-US" b="1" dirty="0" smtClean="0"/>
+              <a:t>Sequence</a:t>
+            </a:r>
+            <a:endParaRPr lang="en-US" b="1" dirty="0"/>
+          </a:p>
+        </p:txBody>
+      </p:sp>
       <p:grpSp>
         <p:nvGrpSpPr>
-          <p:cNvPr id="91" name="Group 90"/>
+          <p:cNvPr id="4" name="Group 3"/>
           <p:cNvGrpSpPr/>
           <p:nvPr/>
         </p:nvGrpSpPr>
         <p:grpSpPr>
           <a:xfrm>
-            <a:off x="3172758" y="4404912"/>
-            <a:ext cx="5256372" cy="979865"/>
-            <a:chOff x="2135177" y="826851"/>
-            <a:chExt cx="5256372" cy="979865"/>
+            <a:off x="3172758" y="1395924"/>
+            <a:ext cx="5256372" cy="983724"/>
+            <a:chOff x="3172758" y="1395924"/>
+            <a:chExt cx="5256372" cy="983724"/>
           </a:xfrm>
         </p:grpSpPr>
+        <p:sp>
+          <p:nvSpPr>
+            <p:cNvPr id="101" name="Rectangle 100"/>
+            <p:cNvSpPr/>
+            <p:nvPr/>
+          </p:nvSpPr>
+          <p:spPr>
+            <a:xfrm>
+              <a:off x="7373634" y="1395924"/>
+              <a:ext cx="1039319" cy="979865"/>
+            </a:xfrm>
+            <a:prstGeom prst="rect">
+              <a:avLst/>
+            </a:prstGeom>
+            <a:solidFill>
+              <a:srgbClr val="C00000"/>
+            </a:solidFill>
+            <a:ln>
+              <a:noFill/>
+            </a:ln>
+          </p:spPr>
+          <p:style>
+            <a:lnRef idx="2">
+              <a:schemeClr val="accent1">
+                <a:shade val="50000"/>
+              </a:schemeClr>
+            </a:lnRef>
+            <a:fillRef idx="1">
+              <a:schemeClr val="accent1"/>
+            </a:fillRef>
+            <a:effectRef idx="0">
+              <a:schemeClr val="accent1"/>
+            </a:effectRef>
+            <a:fontRef idx="minor">
+              <a:schemeClr val="lt1"/>
+            </a:fontRef>
+          </p:style>
+          <p:txBody>
+            <a:bodyPr rtlCol="0" anchor="ctr"/>
+            <a:lstStyle/>
+            <a:p>
+              <a:pPr algn="ctr"/>
+              <a:endParaRPr lang="en-US"/>
+            </a:p>
+          </p:txBody>
+        </p:sp>
+        <p:sp>
+          <p:nvSpPr>
+            <p:cNvPr id="102" name="Rectangle 101"/>
+            <p:cNvSpPr/>
+            <p:nvPr/>
+          </p:nvSpPr>
+          <p:spPr>
+            <a:xfrm>
+              <a:off x="6319019" y="1395924"/>
+              <a:ext cx="1054616" cy="979865"/>
+            </a:xfrm>
+            <a:prstGeom prst="rect">
+              <a:avLst/>
+            </a:prstGeom>
+            <a:solidFill>
+              <a:schemeClr val="accent6">
+                <a:lumMod val="75000"/>
+              </a:schemeClr>
+            </a:solidFill>
+            <a:ln>
+              <a:noFill/>
+            </a:ln>
+          </p:spPr>
+          <p:style>
+            <a:lnRef idx="2">
+              <a:schemeClr val="accent1">
+                <a:shade val="50000"/>
+              </a:schemeClr>
+            </a:lnRef>
+            <a:fillRef idx="1">
+              <a:schemeClr val="accent1"/>
+            </a:fillRef>
+            <a:effectRef idx="0">
+              <a:schemeClr val="accent1"/>
+            </a:effectRef>
+            <a:fontRef idx="minor">
+              <a:schemeClr val="lt1"/>
+            </a:fontRef>
+          </p:style>
+          <p:txBody>
+            <a:bodyPr rtlCol="0" anchor="ctr"/>
+            <a:lstStyle/>
+            <a:p>
+              <a:pPr algn="ctr"/>
+              <a:endParaRPr lang="en-US"/>
+            </a:p>
+          </p:txBody>
+        </p:sp>
+        <p:sp>
+          <p:nvSpPr>
+            <p:cNvPr id="103" name="Rectangle 102"/>
+            <p:cNvSpPr/>
+            <p:nvPr/>
+          </p:nvSpPr>
+          <p:spPr>
+            <a:xfrm>
+              <a:off x="5295876" y="1395924"/>
+              <a:ext cx="1039319" cy="979865"/>
+            </a:xfrm>
+            <a:prstGeom prst="rect">
+              <a:avLst/>
+            </a:prstGeom>
+            <a:solidFill>
+              <a:srgbClr val="C00000"/>
+            </a:solidFill>
+            <a:ln>
+              <a:noFill/>
+            </a:ln>
+          </p:spPr>
+          <p:style>
+            <a:lnRef idx="2">
+              <a:schemeClr val="accent1">
+                <a:shade val="50000"/>
+              </a:schemeClr>
+            </a:lnRef>
+            <a:fillRef idx="1">
+              <a:schemeClr val="accent1"/>
+            </a:fillRef>
+            <a:effectRef idx="0">
+              <a:schemeClr val="accent1"/>
+            </a:effectRef>
+            <a:fontRef idx="minor">
+              <a:schemeClr val="lt1"/>
+            </a:fontRef>
+          </p:style>
+          <p:txBody>
+            <a:bodyPr rtlCol="0" anchor="ctr"/>
+            <a:lstStyle/>
+            <a:p>
+              <a:pPr algn="ctr"/>
+              <a:endParaRPr lang="en-US"/>
+            </a:p>
+          </p:txBody>
+        </p:sp>
+        <p:sp>
+          <p:nvSpPr>
+            <p:cNvPr id="104" name="Rectangle 103"/>
+            <p:cNvSpPr/>
+            <p:nvPr/>
+          </p:nvSpPr>
+          <p:spPr>
+            <a:xfrm>
+              <a:off x="4241261" y="1395924"/>
+              <a:ext cx="1054616" cy="979865"/>
+            </a:xfrm>
+            <a:prstGeom prst="rect">
+              <a:avLst/>
+            </a:prstGeom>
+            <a:solidFill>
+              <a:schemeClr val="accent6">
+                <a:lumMod val="75000"/>
+              </a:schemeClr>
+            </a:solidFill>
+            <a:ln>
+              <a:noFill/>
+            </a:ln>
+          </p:spPr>
+          <p:style>
+            <a:lnRef idx="2">
+              <a:schemeClr val="accent1">
+                <a:shade val="50000"/>
+              </a:schemeClr>
+            </a:lnRef>
+            <a:fillRef idx="1">
+              <a:schemeClr val="accent1"/>
+            </a:fillRef>
+            <a:effectRef idx="0">
+              <a:schemeClr val="accent1"/>
+            </a:effectRef>
+            <a:fontRef idx="minor">
+              <a:schemeClr val="lt1"/>
+            </a:fontRef>
+          </p:style>
+          <p:txBody>
+            <a:bodyPr rtlCol="0" anchor="ctr"/>
+            <a:lstStyle/>
+            <a:p>
+              <a:pPr algn="ctr"/>
+              <a:endParaRPr lang="en-US"/>
+            </a:p>
+          </p:txBody>
+        </p:sp>
+        <p:sp>
+          <p:nvSpPr>
+            <p:cNvPr id="105" name="Rectangle 104"/>
+            <p:cNvSpPr/>
+            <p:nvPr/>
+          </p:nvSpPr>
+          <p:spPr>
+            <a:xfrm>
+              <a:off x="3201941" y="1395926"/>
+              <a:ext cx="1039319" cy="979865"/>
+            </a:xfrm>
+            <a:prstGeom prst="rect">
+              <a:avLst/>
+            </a:prstGeom>
+            <a:solidFill>
+              <a:srgbClr val="C00000"/>
+            </a:solidFill>
+            <a:ln>
+              <a:noFill/>
+            </a:ln>
+          </p:spPr>
+          <p:style>
+            <a:lnRef idx="2">
+              <a:schemeClr val="accent1">
+                <a:shade val="50000"/>
+              </a:schemeClr>
+            </a:lnRef>
+            <a:fillRef idx="1">
+              <a:schemeClr val="accent1"/>
+            </a:fillRef>
+            <a:effectRef idx="0">
+              <a:schemeClr val="accent1"/>
+            </a:effectRef>
+            <a:fontRef idx="minor">
+              <a:schemeClr val="lt1"/>
+            </a:fontRef>
+          </p:style>
+          <p:txBody>
+            <a:bodyPr rtlCol="0" anchor="ctr"/>
+            <a:lstStyle/>
+            <a:p>
+              <a:pPr algn="ctr"/>
+              <a:endParaRPr lang="en-US"/>
+            </a:p>
+          </p:txBody>
+        </p:sp>
+        <p:sp>
+          <p:nvSpPr>
+            <p:cNvPr id="114" name="Rectangle 113"/>
+            <p:cNvSpPr/>
+            <p:nvPr/>
+          </p:nvSpPr>
+          <p:spPr>
+            <a:xfrm>
+              <a:off x="6319042" y="1399783"/>
+              <a:ext cx="102116" cy="979865"/>
+            </a:xfrm>
+            <a:prstGeom prst="rect">
+              <a:avLst/>
+            </a:prstGeom>
+            <a:solidFill>
+              <a:schemeClr val="accent4">
+                <a:lumMod val="75000"/>
+              </a:schemeClr>
+            </a:solidFill>
+            <a:ln>
+              <a:noFill/>
+            </a:ln>
+          </p:spPr>
+          <p:style>
+            <a:lnRef idx="2">
+              <a:schemeClr val="accent1">
+                <a:shade val="50000"/>
+              </a:schemeClr>
+            </a:lnRef>
+            <a:fillRef idx="1">
+              <a:schemeClr val="accent1"/>
+            </a:fillRef>
+            <a:effectRef idx="0">
+              <a:schemeClr val="accent1"/>
+            </a:effectRef>
+            <a:fontRef idx="minor">
+              <a:schemeClr val="lt1"/>
+            </a:fontRef>
+          </p:style>
+          <p:txBody>
+            <a:bodyPr rtlCol="0" anchor="ctr"/>
+            <a:lstStyle/>
+            <a:p>
+              <a:pPr algn="ctr"/>
+              <a:endParaRPr lang="en-US"/>
+            </a:p>
+          </p:txBody>
+        </p:sp>
+        <p:sp>
+          <p:nvSpPr>
+            <p:cNvPr id="115" name="Rectangle 114"/>
+            <p:cNvSpPr/>
+            <p:nvPr/>
+          </p:nvSpPr>
+          <p:spPr>
+            <a:xfrm>
+              <a:off x="7373633" y="1399783"/>
+              <a:ext cx="102116" cy="979865"/>
+            </a:xfrm>
+            <a:prstGeom prst="rect">
+              <a:avLst/>
+            </a:prstGeom>
+            <a:solidFill>
+              <a:schemeClr val="accent5">
+                <a:lumMod val="60000"/>
+                <a:lumOff val="40000"/>
+              </a:schemeClr>
+            </a:solidFill>
+            <a:ln>
+              <a:noFill/>
+            </a:ln>
+          </p:spPr>
+          <p:style>
+            <a:lnRef idx="2">
+              <a:schemeClr val="accent1">
+                <a:shade val="50000"/>
+              </a:schemeClr>
+            </a:lnRef>
+            <a:fillRef idx="1">
+              <a:schemeClr val="accent1"/>
+            </a:fillRef>
+            <a:effectRef idx="0">
+              <a:schemeClr val="accent1"/>
+            </a:effectRef>
+            <a:fontRef idx="minor">
+              <a:schemeClr val="lt1"/>
+            </a:fontRef>
+          </p:style>
+          <p:txBody>
+            <a:bodyPr rtlCol="0" anchor="ctr"/>
+            <a:lstStyle/>
+            <a:p>
+              <a:pPr algn="ctr"/>
+              <a:endParaRPr lang="en-US"/>
+            </a:p>
+          </p:txBody>
+        </p:sp>
+        <p:sp>
+          <p:nvSpPr>
+            <p:cNvPr id="111" name="Rectangle 110"/>
+            <p:cNvSpPr/>
+            <p:nvPr/>
+          </p:nvSpPr>
+          <p:spPr>
+            <a:xfrm>
+              <a:off x="4241284" y="1399783"/>
+              <a:ext cx="102116" cy="979865"/>
+            </a:xfrm>
+            <a:prstGeom prst="rect">
+              <a:avLst/>
+            </a:prstGeom>
+            <a:solidFill>
+              <a:schemeClr val="accent4">
+                <a:lumMod val="75000"/>
+              </a:schemeClr>
+            </a:solidFill>
+            <a:ln>
+              <a:noFill/>
+            </a:ln>
+          </p:spPr>
+          <p:style>
+            <a:lnRef idx="2">
+              <a:schemeClr val="accent1">
+                <a:shade val="50000"/>
+              </a:schemeClr>
+            </a:lnRef>
+            <a:fillRef idx="1">
+              <a:schemeClr val="accent1"/>
+            </a:fillRef>
+            <a:effectRef idx="0">
+              <a:schemeClr val="accent1"/>
+            </a:effectRef>
+            <a:fontRef idx="minor">
+              <a:schemeClr val="lt1"/>
+            </a:fontRef>
+          </p:style>
+          <p:txBody>
+            <a:bodyPr rtlCol="0" anchor="ctr"/>
+            <a:lstStyle/>
+            <a:p>
+              <a:pPr algn="ctr"/>
+              <a:endParaRPr lang="en-US"/>
+            </a:p>
+          </p:txBody>
+        </p:sp>
+        <p:sp>
+          <p:nvSpPr>
+            <p:cNvPr id="112" name="Rectangle 111"/>
+            <p:cNvSpPr/>
+            <p:nvPr/>
+          </p:nvSpPr>
+          <p:spPr>
+            <a:xfrm>
+              <a:off x="5295875" y="1399783"/>
+              <a:ext cx="102116" cy="979865"/>
+            </a:xfrm>
+            <a:prstGeom prst="rect">
+              <a:avLst/>
+            </a:prstGeom>
+            <a:solidFill>
+              <a:schemeClr val="accent5">
+                <a:lumMod val="60000"/>
+                <a:lumOff val="40000"/>
+              </a:schemeClr>
+            </a:solidFill>
+            <a:ln>
+              <a:noFill/>
+            </a:ln>
+          </p:spPr>
+          <p:style>
+            <a:lnRef idx="2">
+              <a:schemeClr val="accent1">
+                <a:shade val="50000"/>
+              </a:schemeClr>
+            </a:lnRef>
+            <a:fillRef idx="1">
+              <a:schemeClr val="accent1"/>
+            </a:fillRef>
+            <a:effectRef idx="0">
+              <a:schemeClr val="accent1"/>
+            </a:effectRef>
+            <a:fontRef idx="minor">
+              <a:schemeClr val="lt1"/>
+            </a:fontRef>
+          </p:style>
+          <p:txBody>
+            <a:bodyPr rtlCol="0" anchor="ctr"/>
+            <a:lstStyle/>
+            <a:p>
+              <a:pPr algn="ctr"/>
+              <a:endParaRPr lang="en-US"/>
+            </a:p>
+          </p:txBody>
+        </p:sp>
         <p:cxnSp>
           <p:nvCxnSpPr>
-            <p:cNvPr id="92" name="Straight Connector 91"/>
+            <p:cNvPr id="108" name="Straight Connector 107"/>
+            <p:cNvCxnSpPr/>
+            <p:nvPr/>
+          </p:nvCxnSpPr>
+          <p:spPr>
+            <a:xfrm flipV="1">
+              <a:off x="3201942" y="1395926"/>
+              <a:ext cx="0" cy="979865"/>
+            </a:xfrm>
+            <a:prstGeom prst="line">
+              <a:avLst/>
+            </a:prstGeom>
+            <a:ln w="57150">
+              <a:solidFill>
+                <a:schemeClr val="tx1"/>
+              </a:solidFill>
+            </a:ln>
+          </p:spPr>
+          <p:style>
+            <a:lnRef idx="1">
+              <a:schemeClr val="accent1"/>
+            </a:lnRef>
+            <a:fillRef idx="0">
+              <a:schemeClr val="accent1"/>
+            </a:fillRef>
+            <a:effectRef idx="0">
+              <a:schemeClr val="accent1"/>
+            </a:effectRef>
+            <a:fontRef idx="minor">
+              <a:schemeClr val="tx1"/>
+            </a:fontRef>
+          </p:style>
+        </p:cxnSp>
+        <p:cxnSp>
+          <p:nvCxnSpPr>
+            <p:cNvPr id="107" name="Straight Connector 106"/>
             <p:cNvCxnSpPr/>
             <p:nvPr/>
           </p:nvCxnSpPr>
           <p:spPr>
             <a:xfrm>
-              <a:off x="2135177" y="1800230"/>
+              <a:off x="3172758" y="2369305"/>
               <a:ext cx="5256372" cy="6484"/>
             </a:xfrm>
             <a:prstGeom prst="line">
@@ -6399,94 +6608,25 @@
             </a:fontRef>
           </p:style>
         </p:cxnSp>
-        <p:cxnSp>
-          <p:nvCxnSpPr>
-            <p:cNvPr id="93" name="Straight Connector 92"/>
-            <p:cNvCxnSpPr/>
-            <p:nvPr/>
-          </p:nvCxnSpPr>
-          <p:spPr>
-            <a:xfrm flipV="1">
-              <a:off x="2164361" y="826851"/>
-              <a:ext cx="0" cy="979865"/>
-            </a:xfrm>
-            <a:prstGeom prst="line">
-              <a:avLst/>
-            </a:prstGeom>
-            <a:ln w="57150">
-              <a:solidFill>
-                <a:schemeClr val="tx1"/>
-              </a:solidFill>
-            </a:ln>
-          </p:spPr>
-          <p:style>
-            <a:lnRef idx="1">
-              <a:schemeClr val="accent1"/>
-            </a:lnRef>
-            <a:fillRef idx="0">
-              <a:schemeClr val="accent1"/>
-            </a:fillRef>
-            <a:effectRef idx="0">
-              <a:schemeClr val="accent1"/>
-            </a:effectRef>
-            <a:fontRef idx="minor">
-              <a:schemeClr val="tx1"/>
-            </a:fontRef>
-          </p:style>
-        </p:cxnSp>
       </p:grpSp>
       <p:sp>
         <p:nvSpPr>
-          <p:cNvPr id="94" name="TextBox 93"/>
-          <p:cNvSpPr txBox="1"/>
-          <p:nvPr/>
-        </p:nvSpPr>
-        <p:spPr>
-          <a:xfrm>
-            <a:off x="527237" y="4443478"/>
-            <a:ext cx="2206438" cy="923330"/>
-          </a:xfrm>
-          <a:prstGeom prst="rect">
-            <a:avLst/>
-          </a:prstGeom>
-          <a:noFill/>
-        </p:spPr>
-        <p:txBody>
-          <a:bodyPr wrap="square" rtlCol="0">
-            <a:spAutoFit/>
-          </a:bodyPr>
-          <a:lstStyle/>
-          <a:p>
-            <a:r>
-              <a:rPr lang="en-US" b="1" dirty="0" err="1" smtClean="0"/>
-              <a:t>LatchingButton</a:t>
-            </a:r>
-            <a:endParaRPr lang="en-US" b="1" dirty="0" smtClean="0"/>
-          </a:p>
-          <a:p>
-            <a:r>
-              <a:rPr lang="en-US" b="1" dirty="0" smtClean="0"/>
-              <a:t>(long press enabled, reset state is off)</a:t>
-            </a:r>
-          </a:p>
-        </p:txBody>
-      </p:sp>
-      <p:sp>
-        <p:nvSpPr>
-          <p:cNvPr id="95" name="Rectangle 94"/>
+          <p:cNvPr id="118" name="Rectangle 117"/>
           <p:cNvSpPr/>
           <p:nvPr/>
         </p:nvSpPr>
         <p:spPr>
           <a:xfrm>
-            <a:off x="6324600" y="5680216"/>
-            <a:ext cx="2071250" cy="979865"/>
+            <a:off x="4241260" y="5147862"/>
+            <a:ext cx="1054616" cy="979865"/>
           </a:xfrm>
           <a:prstGeom prst="rect">
             <a:avLst/>
           </a:prstGeom>
           <a:solidFill>
-            <a:srgbClr val="C00000"/>
+            <a:schemeClr val="accent6">
+              <a:lumMod val="75000"/>
+            </a:schemeClr>
           </a:solidFill>
           <a:ln>
             <a:noFill/>
@@ -6517,127 +6657,649 @@
           </a:p>
         </p:txBody>
       </p:sp>
+      <p:sp>
+        <p:nvSpPr>
+          <p:cNvPr id="119" name="Rectangle 118"/>
+          <p:cNvSpPr/>
+          <p:nvPr/>
+        </p:nvSpPr>
+        <p:spPr>
+          <a:xfrm>
+            <a:off x="4241283" y="5151721"/>
+            <a:ext cx="102116" cy="979865"/>
+          </a:xfrm>
+          <a:prstGeom prst="rect">
+            <a:avLst/>
+          </a:prstGeom>
+          <a:solidFill>
+            <a:schemeClr val="accent4">
+              <a:lumMod val="75000"/>
+            </a:schemeClr>
+          </a:solidFill>
+          <a:ln>
+            <a:noFill/>
+          </a:ln>
+        </p:spPr>
+        <p:style>
+          <a:lnRef idx="2">
+            <a:schemeClr val="accent1">
+              <a:shade val="50000"/>
+            </a:schemeClr>
+          </a:lnRef>
+          <a:fillRef idx="1">
+            <a:schemeClr val="accent1"/>
+          </a:fillRef>
+          <a:effectRef idx="0">
+            <a:schemeClr val="accent1"/>
+          </a:effectRef>
+          <a:fontRef idx="minor">
+            <a:schemeClr val="lt1"/>
+          </a:fontRef>
+        </p:style>
+        <p:txBody>
+          <a:bodyPr rtlCol="0" anchor="ctr"/>
+          <a:lstStyle/>
+          <a:p>
+            <a:pPr algn="ctr"/>
+            <a:endParaRPr lang="en-US"/>
+          </a:p>
+        </p:txBody>
+      </p:sp>
+      <p:sp>
+        <p:nvSpPr>
+          <p:cNvPr id="122" name="Rectangle 121"/>
+          <p:cNvSpPr/>
+          <p:nvPr/>
+        </p:nvSpPr>
+        <p:spPr>
+          <a:xfrm>
+            <a:off x="5309785" y="5158160"/>
+            <a:ext cx="1054616" cy="979865"/>
+          </a:xfrm>
+          <a:prstGeom prst="rect">
+            <a:avLst/>
+          </a:prstGeom>
+          <a:solidFill>
+            <a:srgbClr val="7030A0"/>
+          </a:solidFill>
+          <a:ln>
+            <a:noFill/>
+          </a:ln>
+        </p:spPr>
+        <p:style>
+          <a:lnRef idx="2">
+            <a:schemeClr val="accent1">
+              <a:shade val="50000"/>
+            </a:schemeClr>
+          </a:lnRef>
+          <a:fillRef idx="1">
+            <a:schemeClr val="accent1"/>
+          </a:fillRef>
+          <a:effectRef idx="0">
+            <a:schemeClr val="accent1"/>
+          </a:effectRef>
+          <a:fontRef idx="minor">
+            <a:schemeClr val="lt1"/>
+          </a:fontRef>
+        </p:style>
+        <p:txBody>
+          <a:bodyPr rtlCol="0" anchor="ctr"/>
+          <a:lstStyle/>
+          <a:p>
+            <a:pPr algn="ctr"/>
+            <a:endParaRPr lang="en-US"/>
+          </a:p>
+        </p:txBody>
+      </p:sp>
       <p:grpSp>
         <p:nvGrpSpPr>
-          <p:cNvPr id="96" name="Group 95"/>
+          <p:cNvPr id="11" name="Group 10"/>
           <p:cNvGrpSpPr/>
           <p:nvPr/>
         </p:nvGrpSpPr>
         <p:grpSpPr>
           <a:xfrm>
-            <a:off x="3172758" y="5680216"/>
-            <a:ext cx="5256372" cy="979865"/>
-            <a:chOff x="2135177" y="826851"/>
-            <a:chExt cx="5256372" cy="979865"/>
+            <a:off x="9807547" y="924082"/>
+            <a:ext cx="2074298" cy="369332"/>
+            <a:chOff x="10845772" y="924082"/>
+            <a:chExt cx="2074298" cy="369332"/>
           </a:xfrm>
         </p:grpSpPr>
-        <p:cxnSp>
-          <p:nvCxnSpPr>
-            <p:cNvPr id="97" name="Straight Connector 96"/>
-            <p:cNvCxnSpPr/>
+        <p:sp>
+          <p:nvSpPr>
+            <p:cNvPr id="110" name="Rectangle 109"/>
+            <p:cNvSpPr>
+              <a:spLocks noChangeAspect="1"/>
+            </p:cNvSpPr>
             <p:nvPr/>
-          </p:nvCxnSpPr>
+          </p:nvSpPr>
           <p:spPr>
             <a:xfrm>
-              <a:off x="2135177" y="1800230"/>
-              <a:ext cx="5256372" cy="6484"/>
+              <a:off x="10845772" y="994448"/>
+              <a:ext cx="228600" cy="228600"/>
             </a:xfrm>
-            <a:prstGeom prst="line">
+            <a:prstGeom prst="rect">
               <a:avLst/>
             </a:prstGeom>
-            <a:ln w="57150">
-              <a:solidFill>
-                <a:schemeClr val="tx1"/>
-              </a:solidFill>
+            <a:solidFill>
+              <a:schemeClr val="accent6">
+                <a:lumMod val="75000"/>
+              </a:schemeClr>
+            </a:solidFill>
+            <a:ln>
+              <a:noFill/>
             </a:ln>
           </p:spPr>
           <p:style>
-            <a:lnRef idx="1">
-              <a:schemeClr val="accent1"/>
+            <a:lnRef idx="2">
+              <a:schemeClr val="accent1">
+                <a:shade val="50000"/>
+              </a:schemeClr>
             </a:lnRef>
-            <a:fillRef idx="0">
+            <a:fillRef idx="1">
               <a:schemeClr val="accent1"/>
             </a:fillRef>
             <a:effectRef idx="0">
               <a:schemeClr val="accent1"/>
             </a:effectRef>
             <a:fontRef idx="minor">
-              <a:schemeClr val="tx1"/>
+              <a:schemeClr val="lt1"/>
             </a:fontRef>
           </p:style>
-        </p:cxnSp>
-        <p:cxnSp>
-          <p:nvCxnSpPr>
-            <p:cNvPr id="98" name="Straight Connector 97"/>
-            <p:cNvCxnSpPr/>
+          <p:txBody>
+            <a:bodyPr rtlCol="0" anchor="ctr"/>
+            <a:lstStyle/>
+            <a:p>
+              <a:pPr algn="ctr"/>
+              <a:endParaRPr lang="en-US"/>
+            </a:p>
+          </p:txBody>
+        </p:sp>
+        <p:sp>
+          <p:nvSpPr>
+            <p:cNvPr id="124" name="TextBox 123"/>
+            <p:cNvSpPr txBox="1"/>
             <p:nvPr/>
-          </p:nvCxnSpPr>
+          </p:nvSpPr>
           <p:spPr>
-            <a:xfrm flipV="1">
-              <a:off x="2164361" y="826851"/>
-              <a:ext cx="0" cy="979865"/>
+            <a:xfrm>
+              <a:off x="11074372" y="924082"/>
+              <a:ext cx="1845698" cy="369332"/>
             </a:xfrm>
-            <a:prstGeom prst="line">
+            <a:prstGeom prst="rect">
               <a:avLst/>
             </a:prstGeom>
-            <a:ln w="57150">
-              <a:solidFill>
-                <a:schemeClr val="tx1"/>
-              </a:solidFill>
+            <a:noFill/>
+          </p:spPr>
+          <p:txBody>
+            <a:bodyPr wrap="none" rtlCol="0">
+              <a:spAutoFit/>
+            </a:bodyPr>
+            <a:lstStyle/>
+            <a:p>
+              <a:r>
+                <a:rPr lang="en-US" b="1" dirty="0" smtClean="0"/>
+                <a:t>ISSHORTPRESSED</a:t>
+              </a:r>
+            </a:p>
+          </p:txBody>
+        </p:sp>
+      </p:grpSp>
+      <p:grpSp>
+        <p:nvGrpSpPr>
+          <p:cNvPr id="17" name="Group 16"/>
+          <p:cNvGrpSpPr/>
+          <p:nvPr/>
+        </p:nvGrpSpPr>
+        <p:grpSpPr>
+          <a:xfrm>
+            <a:off x="9807547" y="1775594"/>
+            <a:ext cx="2249218" cy="369332"/>
+            <a:chOff x="10845772" y="1775594"/>
+            <a:chExt cx="2249218" cy="369332"/>
+          </a:xfrm>
+        </p:grpSpPr>
+        <p:sp>
+          <p:nvSpPr>
+            <p:cNvPr id="123" name="Rectangle 122"/>
+            <p:cNvSpPr>
+              <a:spLocks noChangeAspect="1"/>
+            </p:cNvSpPr>
+            <p:nvPr/>
+          </p:nvSpPr>
+          <p:spPr>
+            <a:xfrm>
+              <a:off x="10845772" y="1845960"/>
+              <a:ext cx="228600" cy="228600"/>
+            </a:xfrm>
+            <a:prstGeom prst="rect">
+              <a:avLst/>
+            </a:prstGeom>
+            <a:solidFill>
+              <a:srgbClr val="FF9999"/>
+            </a:solidFill>
+            <a:ln>
+              <a:noFill/>
             </a:ln>
           </p:spPr>
           <p:style>
-            <a:lnRef idx="1">
-              <a:schemeClr val="accent1"/>
+            <a:lnRef idx="2">
+              <a:schemeClr val="accent1">
+                <a:shade val="50000"/>
+              </a:schemeClr>
             </a:lnRef>
-            <a:fillRef idx="0">
+            <a:fillRef idx="1">
               <a:schemeClr val="accent1"/>
             </a:fillRef>
             <a:effectRef idx="0">
               <a:schemeClr val="accent1"/>
             </a:effectRef>
             <a:fontRef idx="minor">
-              <a:schemeClr val="tx1"/>
+              <a:schemeClr val="lt1"/>
             </a:fontRef>
           </p:style>
-        </p:cxnSp>
+          <p:txBody>
+            <a:bodyPr rtlCol="0" anchor="ctr"/>
+            <a:lstStyle/>
+            <a:p>
+              <a:pPr algn="ctr"/>
+              <a:endParaRPr lang="en-US"/>
+            </a:p>
+          </p:txBody>
+        </p:sp>
+        <p:sp>
+          <p:nvSpPr>
+            <p:cNvPr id="125" name="TextBox 124"/>
+            <p:cNvSpPr txBox="1"/>
+            <p:nvPr/>
+          </p:nvSpPr>
+          <p:spPr>
+            <a:xfrm>
+              <a:off x="11074372" y="1775594"/>
+              <a:ext cx="2020618" cy="369332"/>
+            </a:xfrm>
+            <a:prstGeom prst="rect">
+              <a:avLst/>
+            </a:prstGeom>
+            <a:noFill/>
+          </p:spPr>
+          <p:txBody>
+            <a:bodyPr wrap="none" rtlCol="0">
+              <a:spAutoFit/>
+            </a:bodyPr>
+            <a:lstStyle/>
+            <a:p>
+              <a:r>
+                <a:rPr lang="en-US" b="1" dirty="0" smtClean="0"/>
+                <a:t>WASLONGPRESSED</a:t>
+              </a:r>
+              <a:endParaRPr lang="en-US" b="1" dirty="0"/>
+            </a:p>
+          </p:txBody>
+        </p:sp>
       </p:grpSp>
-      <p:sp>
-        <p:nvSpPr>
-          <p:cNvPr id="99" name="TextBox 98"/>
-          <p:cNvSpPr txBox="1"/>
+      <p:grpSp>
+        <p:nvGrpSpPr>
+          <p:cNvPr id="8" name="Group 7"/>
+          <p:cNvGrpSpPr/>
           <p:nvPr/>
+        </p:nvGrpSpPr>
+        <p:grpSpPr>
+          <a:xfrm>
+            <a:off x="9807547" y="640245"/>
+            <a:ext cx="1700798" cy="369332"/>
+            <a:chOff x="10845772" y="640245"/>
+            <a:chExt cx="1700798" cy="369332"/>
+          </a:xfrm>
+        </p:grpSpPr>
+        <p:sp>
+          <p:nvSpPr>
+            <p:cNvPr id="33" name="Rectangle 32"/>
+            <p:cNvSpPr>
+              <a:spLocks noChangeAspect="1"/>
+            </p:cNvSpPr>
+            <p:nvPr/>
+          </p:nvSpPr>
+          <p:spPr>
+            <a:xfrm>
+              <a:off x="10845772" y="710611"/>
+              <a:ext cx="228600" cy="228600"/>
+            </a:xfrm>
+            <a:prstGeom prst="rect">
+              <a:avLst/>
+            </a:prstGeom>
+            <a:solidFill>
+              <a:schemeClr val="accent4">
+                <a:lumMod val="75000"/>
+              </a:schemeClr>
+            </a:solidFill>
+            <a:ln>
+              <a:noFill/>
+            </a:ln>
+          </p:spPr>
+          <p:style>
+            <a:lnRef idx="2">
+              <a:schemeClr val="accent1">
+                <a:shade val="50000"/>
+              </a:schemeClr>
+            </a:lnRef>
+            <a:fillRef idx="1">
+              <a:schemeClr val="accent1"/>
+            </a:fillRef>
+            <a:effectRef idx="0">
+              <a:schemeClr val="accent1"/>
+            </a:effectRef>
+            <a:fontRef idx="minor">
+              <a:schemeClr val="lt1"/>
+            </a:fontRef>
+          </p:style>
+          <p:txBody>
+            <a:bodyPr rtlCol="0" anchor="ctr"/>
+            <a:lstStyle/>
+            <a:p>
+              <a:pPr algn="ctr"/>
+              <a:endParaRPr lang="en-US"/>
+            </a:p>
+          </p:txBody>
+        </p:sp>
+        <p:sp>
+          <p:nvSpPr>
+            <p:cNvPr id="126" name="TextBox 125"/>
+            <p:cNvSpPr txBox="1"/>
+            <p:nvPr/>
+          </p:nvSpPr>
+          <p:spPr>
+            <a:xfrm>
+              <a:off x="11074372" y="640245"/>
+              <a:ext cx="1472198" cy="369332"/>
+            </a:xfrm>
+            <a:prstGeom prst="rect">
+              <a:avLst/>
+            </a:prstGeom>
+            <a:noFill/>
+          </p:spPr>
+          <p:txBody>
+            <a:bodyPr wrap="none" rtlCol="0">
+              <a:spAutoFit/>
+            </a:bodyPr>
+            <a:lstStyle/>
+            <a:p>
+              <a:r>
+                <a:rPr lang="en-US" b="1" dirty="0" smtClean="0"/>
+                <a:t>JUSTPRESSED</a:t>
+              </a:r>
+            </a:p>
+          </p:txBody>
+        </p:sp>
+      </p:grpSp>
+      <p:grpSp>
+        <p:nvGrpSpPr>
+          <p:cNvPr id="13" name="Group 12"/>
+          <p:cNvGrpSpPr/>
+          <p:nvPr/>
+        </p:nvGrpSpPr>
+        <p:grpSpPr>
+          <a:xfrm>
+            <a:off x="9807547" y="1207919"/>
+            <a:ext cx="2352002" cy="369332"/>
+            <a:chOff x="10845772" y="1207919"/>
+            <a:chExt cx="2352002" cy="369332"/>
+          </a:xfrm>
+        </p:grpSpPr>
+        <p:sp>
+          <p:nvSpPr>
+            <p:cNvPr id="113" name="Rectangle 112"/>
+            <p:cNvSpPr>
+              <a:spLocks noChangeAspect="1"/>
+            </p:cNvSpPr>
+            <p:nvPr/>
+          </p:nvSpPr>
+          <p:spPr>
+            <a:xfrm>
+              <a:off x="10845772" y="1278285"/>
+              <a:ext cx="228600" cy="228600"/>
+            </a:xfrm>
+            <a:prstGeom prst="rect">
+              <a:avLst/>
+            </a:prstGeom>
+            <a:solidFill>
+              <a:schemeClr val="accent5">
+                <a:lumMod val="60000"/>
+                <a:lumOff val="40000"/>
+              </a:schemeClr>
+            </a:solidFill>
+            <a:ln>
+              <a:noFill/>
+            </a:ln>
+          </p:spPr>
+          <p:style>
+            <a:lnRef idx="2">
+              <a:schemeClr val="accent1">
+                <a:shade val="50000"/>
+              </a:schemeClr>
+            </a:lnRef>
+            <a:fillRef idx="1">
+              <a:schemeClr val="accent1"/>
+            </a:fillRef>
+            <a:effectRef idx="0">
+              <a:schemeClr val="accent1"/>
+            </a:effectRef>
+            <a:fontRef idx="minor">
+              <a:schemeClr val="lt1"/>
+            </a:fontRef>
+          </p:style>
+          <p:txBody>
+            <a:bodyPr rtlCol="0" anchor="ctr"/>
+            <a:lstStyle/>
+            <a:p>
+              <a:pPr algn="ctr"/>
+              <a:endParaRPr lang="en-US"/>
+            </a:p>
+          </p:txBody>
+        </p:sp>
+        <p:sp>
+          <p:nvSpPr>
+            <p:cNvPr id="127" name="TextBox 126"/>
+            <p:cNvSpPr txBox="1"/>
+            <p:nvPr/>
+          </p:nvSpPr>
+          <p:spPr>
+            <a:xfrm>
+              <a:off x="11074372" y="1207919"/>
+              <a:ext cx="2123402" cy="369332"/>
+            </a:xfrm>
+            <a:prstGeom prst="rect">
+              <a:avLst/>
+            </a:prstGeom>
+            <a:noFill/>
+          </p:spPr>
+          <p:txBody>
+            <a:bodyPr wrap="none" rtlCol="0">
+              <a:spAutoFit/>
+            </a:bodyPr>
+            <a:lstStyle/>
+            <a:p>
+              <a:r>
+                <a:rPr lang="en-US" b="1" dirty="0" smtClean="0"/>
+                <a:t>WASSHORTPRESSED</a:t>
+              </a:r>
+            </a:p>
+          </p:txBody>
+        </p:sp>
+      </p:grpSp>
+      <p:grpSp>
+        <p:nvGrpSpPr>
+          <p:cNvPr id="14" name="Group 13"/>
+          <p:cNvGrpSpPr/>
+          <p:nvPr/>
+        </p:nvGrpSpPr>
+        <p:grpSpPr>
+          <a:xfrm>
+            <a:off x="9807547" y="1491756"/>
+            <a:ext cx="1971513" cy="369332"/>
+            <a:chOff x="10845772" y="1491756"/>
+            <a:chExt cx="1971513" cy="369332"/>
+          </a:xfrm>
+        </p:grpSpPr>
+        <p:sp>
+          <p:nvSpPr>
+            <p:cNvPr id="121" name="Rectangle 120"/>
+            <p:cNvSpPr>
+              <a:spLocks noChangeAspect="1"/>
+            </p:cNvSpPr>
+            <p:nvPr/>
+          </p:nvSpPr>
+          <p:spPr>
+            <a:xfrm>
+              <a:off x="10845772" y="1562122"/>
+              <a:ext cx="228600" cy="228600"/>
+            </a:xfrm>
+            <a:prstGeom prst="rect">
+              <a:avLst/>
+            </a:prstGeom>
+            <a:solidFill>
+              <a:srgbClr val="7030A0"/>
+            </a:solidFill>
+            <a:ln>
+              <a:noFill/>
+            </a:ln>
+          </p:spPr>
+          <p:style>
+            <a:lnRef idx="2">
+              <a:schemeClr val="accent1">
+                <a:shade val="50000"/>
+              </a:schemeClr>
+            </a:lnRef>
+            <a:fillRef idx="1">
+              <a:schemeClr val="accent1"/>
+            </a:fillRef>
+            <a:effectRef idx="0">
+              <a:schemeClr val="accent1"/>
+            </a:effectRef>
+            <a:fontRef idx="minor">
+              <a:schemeClr val="lt1"/>
+            </a:fontRef>
+          </p:style>
+          <p:txBody>
+            <a:bodyPr rtlCol="0" anchor="ctr"/>
+            <a:lstStyle/>
+            <a:p>
+              <a:pPr algn="ctr"/>
+              <a:endParaRPr lang="en-US"/>
+            </a:p>
+          </p:txBody>
+        </p:sp>
+        <p:sp>
+          <p:nvSpPr>
+            <p:cNvPr id="128" name="TextBox 127"/>
+            <p:cNvSpPr txBox="1"/>
+            <p:nvPr/>
+          </p:nvSpPr>
+          <p:spPr>
+            <a:xfrm>
+              <a:off x="11074372" y="1491756"/>
+              <a:ext cx="1742913" cy="369332"/>
+            </a:xfrm>
+            <a:prstGeom prst="rect">
+              <a:avLst/>
+            </a:prstGeom>
+            <a:noFill/>
+          </p:spPr>
+          <p:txBody>
+            <a:bodyPr wrap="none" rtlCol="0">
+              <a:spAutoFit/>
+            </a:bodyPr>
+            <a:lstStyle/>
+            <a:p>
+              <a:r>
+                <a:rPr lang="en-US" b="1" dirty="0" smtClean="0"/>
+                <a:t>ISLONGPRESSED</a:t>
+              </a:r>
+            </a:p>
+          </p:txBody>
+        </p:sp>
+      </p:grpSp>
+      <p:sp>
+        <p:nvSpPr>
+          <p:cNvPr id="129" name="Rectangle 128"/>
+          <p:cNvSpPr/>
+          <p:nvPr/>
         </p:nvSpPr>
         <p:spPr>
           <a:xfrm>
-            <a:off x="527237" y="5718782"/>
-            <a:ext cx="2206438" cy="923330"/>
+            <a:off x="6335193" y="5147862"/>
+            <a:ext cx="102116" cy="979865"/>
           </a:xfrm>
           <a:prstGeom prst="rect">
             <a:avLst/>
           </a:prstGeom>
-          <a:noFill/>
+          <a:solidFill>
+            <a:srgbClr val="FF9999"/>
+          </a:solidFill>
+          <a:ln>
+            <a:noFill/>
+          </a:ln>
         </p:spPr>
-        <p:txBody>
-          <a:bodyPr wrap="square" rtlCol="0">
-            <a:spAutoFit/>
-          </a:bodyPr>
-          <a:lstStyle/>
-          <a:p>
-            <a:r>
-              <a:rPr lang="en-US" b="1" dirty="0" err="1" smtClean="0"/>
-              <a:t>LatchingButton</a:t>
-            </a:r>
-            <a:endParaRPr lang="en-US" b="1" dirty="0" smtClean="0"/>
-          </a:p>
-          <a:p>
-            <a:r>
-              <a:rPr lang="en-US" b="1" dirty="0" smtClean="0"/>
-              <a:t>(long press enabled, reset state is off)</a:t>
-            </a:r>
-          </a:p>
-        </p:txBody>
-      </p:sp>
+        <p:style>
+          <a:lnRef idx="2">
+            <a:schemeClr val="accent1">
+              <a:shade val="50000"/>
+            </a:schemeClr>
+          </a:lnRef>
+          <a:fillRef idx="1">
+            <a:schemeClr val="accent1"/>
+          </a:fillRef>
+          <a:effectRef idx="0">
+            <a:schemeClr val="accent1"/>
+          </a:effectRef>
+          <a:fontRef idx="minor">
+            <a:schemeClr val="lt1"/>
+          </a:fontRef>
+        </p:style>
+        <p:txBody>
+          <a:bodyPr rtlCol="0" anchor="ctr"/>
+          <a:lstStyle/>
+          <a:p>
+            <a:pPr algn="ctr"/>
+            <a:endParaRPr lang="en-US"/>
+          </a:p>
+        </p:txBody>
+      </p:sp>
+      <p:cxnSp>
+        <p:nvCxnSpPr>
+          <p:cNvPr id="92" name="Straight Connector 91"/>
+          <p:cNvCxnSpPr/>
+          <p:nvPr/>
+        </p:nvCxnSpPr>
+        <p:spPr>
+          <a:xfrm>
+            <a:off x="3172758" y="6121241"/>
+            <a:ext cx="5256372" cy="6484"/>
+          </a:xfrm>
+          <a:prstGeom prst="line">
+            <a:avLst/>
+          </a:prstGeom>
+          <a:ln w="57150">
+            <a:solidFill>
+              <a:schemeClr val="tx1"/>
+            </a:solidFill>
+          </a:ln>
+        </p:spPr>
+        <p:style>
+          <a:lnRef idx="1">
+            <a:schemeClr val="accent1"/>
+          </a:lnRef>
+          <a:fillRef idx="0">
+            <a:schemeClr val="accent1"/>
+          </a:fillRef>
+          <a:effectRef idx="0">
+            <a:schemeClr val="accent1"/>
+          </a:effectRef>
+          <a:fontRef idx="minor">
+            <a:schemeClr val="tx1"/>
+          </a:fontRef>
+        </p:style>
+      </p:cxnSp>
     </p:spTree>
     <p:extLst>
       <p:ext uri="{BB962C8B-B14F-4D97-AF65-F5344CB8AC3E}">

--- a/documentation/Documentation.pptx
+++ b/documentation/Documentation.pptx
@@ -5077,211 +5077,216 @@
           <a:chExt cx="0" cy="0"/>
         </a:xfrm>
       </p:grpSpPr>
-      <p:grpSp>
-        <p:nvGrpSpPr>
-          <p:cNvPr id="22" name="Group 21"/>
-          <p:cNvGrpSpPr/>
+      <p:cxnSp>
+        <p:nvCxnSpPr>
+          <p:cNvPr id="55" name="Straight Connector 54"/>
+          <p:cNvCxnSpPr/>
           <p:nvPr/>
-        </p:nvGrpSpPr>
-        <p:grpSpPr>
-          <a:xfrm>
-            <a:off x="3185765" y="229988"/>
-            <a:ext cx="1055495" cy="979865"/>
-            <a:chOff x="2135177" y="824743"/>
-            <a:chExt cx="1055495" cy="979865"/>
-          </a:xfrm>
-        </p:grpSpPr>
-        <p:cxnSp>
-          <p:nvCxnSpPr>
-            <p:cNvPr id="10" name="Straight Connector 9"/>
-            <p:cNvCxnSpPr/>
-            <p:nvPr/>
-          </p:nvCxnSpPr>
-          <p:spPr>
-            <a:xfrm flipV="1">
-              <a:off x="2135177" y="851387"/>
-              <a:ext cx="1055495" cy="3856"/>
-            </a:xfrm>
-            <a:prstGeom prst="line">
-              <a:avLst/>
-            </a:prstGeom>
-            <a:ln w="57150">
-              <a:solidFill>
-                <a:srgbClr val="00B0F0"/>
-              </a:solidFill>
-            </a:ln>
-          </p:spPr>
-          <p:style>
-            <a:lnRef idx="1">
-              <a:schemeClr val="accent1"/>
-            </a:lnRef>
-            <a:fillRef idx="0">
-              <a:schemeClr val="accent1"/>
-            </a:fillRef>
-            <a:effectRef idx="0">
-              <a:schemeClr val="accent1"/>
-            </a:effectRef>
-            <a:fontRef idx="minor">
-              <a:schemeClr val="tx1"/>
-            </a:fontRef>
-          </p:style>
-        </p:cxnSp>
-        <p:cxnSp>
-          <p:nvCxnSpPr>
-            <p:cNvPr id="12" name="Straight Connector 11"/>
-            <p:cNvCxnSpPr/>
-            <p:nvPr/>
-          </p:nvCxnSpPr>
-          <p:spPr>
-            <a:xfrm>
-              <a:off x="3190672" y="824743"/>
-              <a:ext cx="0" cy="979865"/>
-            </a:xfrm>
-            <a:prstGeom prst="line">
-              <a:avLst/>
-            </a:prstGeom>
-            <a:ln w="57150">
-              <a:solidFill>
-                <a:srgbClr val="00B0F0"/>
-              </a:solidFill>
-            </a:ln>
-          </p:spPr>
-          <p:style>
-            <a:lnRef idx="1">
-              <a:schemeClr val="accent1"/>
-            </a:lnRef>
-            <a:fillRef idx="0">
-              <a:schemeClr val="accent1"/>
-            </a:fillRef>
-            <a:effectRef idx="0">
-              <a:schemeClr val="accent1"/>
-            </a:effectRef>
-            <a:fontRef idx="minor">
-              <a:schemeClr val="tx1"/>
-            </a:fontRef>
-          </p:style>
-        </p:cxnSp>
-      </p:grpSp>
-      <p:grpSp>
-        <p:nvGrpSpPr>
-          <p:cNvPr id="47" name="Group 46"/>
-          <p:cNvGrpSpPr/>
+        </p:nvCxnSpPr>
+        <p:spPr>
+          <a:xfrm flipH="1">
+            <a:off x="6342109" y="3875903"/>
+            <a:ext cx="1460" cy="941765"/>
+          </a:xfrm>
+          <a:prstGeom prst="line">
+            <a:avLst/>
+          </a:prstGeom>
+          <a:ln w="57150">
+            <a:solidFill>
+              <a:srgbClr val="00B0F0"/>
+            </a:solidFill>
+          </a:ln>
+        </p:spPr>
+        <p:style>
+          <a:lnRef idx="1">
+            <a:schemeClr val="accent1"/>
+          </a:lnRef>
+          <a:fillRef idx="0">
+            <a:schemeClr val="accent1"/>
+          </a:fillRef>
+          <a:effectRef idx="0">
+            <a:schemeClr val="accent1"/>
+          </a:effectRef>
+          <a:fontRef idx="minor">
+            <a:schemeClr val="tx1"/>
+          </a:fontRef>
+        </p:style>
+      </p:cxnSp>
+      <p:cxnSp>
+        <p:nvCxnSpPr>
+          <p:cNvPr id="10" name="Straight Connector 9"/>
+          <p:cNvCxnSpPr/>
           <p:nvPr/>
-        </p:nvGrpSpPr>
-        <p:grpSpPr>
-          <a:xfrm>
-            <a:off x="5296871" y="229988"/>
-            <a:ext cx="1055495" cy="982135"/>
-            <a:chOff x="5296871" y="889433"/>
-            <a:chExt cx="1055495" cy="982135"/>
-          </a:xfrm>
-        </p:grpSpPr>
-        <p:cxnSp>
-          <p:nvCxnSpPr>
-            <p:cNvPr id="43" name="Straight Connector 42"/>
-            <p:cNvCxnSpPr/>
-            <p:nvPr/>
-          </p:nvCxnSpPr>
-          <p:spPr>
-            <a:xfrm>
-              <a:off x="6335195" y="889433"/>
-              <a:ext cx="0" cy="979865"/>
-            </a:xfrm>
-            <a:prstGeom prst="line">
-              <a:avLst/>
-            </a:prstGeom>
-            <a:ln w="57150">
-              <a:solidFill>
-                <a:srgbClr val="00B0F0"/>
-              </a:solidFill>
-            </a:ln>
-          </p:spPr>
-          <p:style>
-            <a:lnRef idx="1">
-              <a:schemeClr val="accent1"/>
-            </a:lnRef>
-            <a:fillRef idx="0">
-              <a:schemeClr val="accent1"/>
-            </a:fillRef>
-            <a:effectRef idx="0">
-              <a:schemeClr val="accent1"/>
-            </a:effectRef>
-            <a:fontRef idx="minor">
-              <a:schemeClr val="tx1"/>
-            </a:fontRef>
-          </p:style>
-        </p:cxnSp>
-        <p:cxnSp>
-          <p:nvCxnSpPr>
-            <p:cNvPr id="15" name="Straight Connector 14"/>
-            <p:cNvCxnSpPr/>
-            <p:nvPr/>
-          </p:nvCxnSpPr>
-          <p:spPr>
-            <a:xfrm flipV="1">
-              <a:off x="5296871" y="916078"/>
-              <a:ext cx="1055495" cy="3856"/>
-            </a:xfrm>
-            <a:prstGeom prst="line">
-              <a:avLst/>
-            </a:prstGeom>
-            <a:ln w="57150">
-              <a:solidFill>
-                <a:srgbClr val="00B0F0"/>
-              </a:solidFill>
-            </a:ln>
-          </p:spPr>
-          <p:style>
-            <a:lnRef idx="1">
-              <a:schemeClr val="accent1"/>
-            </a:lnRef>
-            <a:fillRef idx="0">
-              <a:schemeClr val="accent1"/>
-            </a:fillRef>
-            <a:effectRef idx="0">
-              <a:schemeClr val="accent1"/>
-            </a:effectRef>
-            <a:fontRef idx="minor">
-              <a:schemeClr val="tx1"/>
-            </a:fontRef>
-          </p:style>
-        </p:cxnSp>
-        <p:cxnSp>
-          <p:nvCxnSpPr>
-            <p:cNvPr id="16" name="Straight Connector 15"/>
-            <p:cNvCxnSpPr/>
-            <p:nvPr/>
-          </p:nvCxnSpPr>
-          <p:spPr>
-            <a:xfrm>
-              <a:off x="5298331" y="891703"/>
-              <a:ext cx="0" cy="979865"/>
-            </a:xfrm>
-            <a:prstGeom prst="line">
-              <a:avLst/>
-            </a:prstGeom>
-            <a:ln w="57150">
-              <a:solidFill>
-                <a:srgbClr val="00B0F0"/>
-              </a:solidFill>
-            </a:ln>
-          </p:spPr>
-          <p:style>
-            <a:lnRef idx="1">
-              <a:schemeClr val="accent1"/>
-            </a:lnRef>
-            <a:fillRef idx="0">
-              <a:schemeClr val="accent1"/>
-            </a:fillRef>
-            <a:effectRef idx="0">
-              <a:schemeClr val="accent1"/>
-            </a:effectRef>
-            <a:fontRef idx="minor">
-              <a:schemeClr val="tx1"/>
-            </a:fontRef>
-          </p:style>
-        </p:cxnSp>
-      </p:grpSp>
+        </p:nvCxnSpPr>
+        <p:spPr>
+          <a:xfrm flipV="1">
+            <a:off x="3185765" y="254794"/>
+            <a:ext cx="1055495" cy="3856"/>
+          </a:xfrm>
+          <a:prstGeom prst="line">
+            <a:avLst/>
+          </a:prstGeom>
+          <a:ln w="57150">
+            <a:solidFill>
+              <a:srgbClr val="00B0F0"/>
+            </a:solidFill>
+          </a:ln>
+        </p:spPr>
+        <p:style>
+          <a:lnRef idx="1">
+            <a:schemeClr val="accent1"/>
+          </a:lnRef>
+          <a:fillRef idx="0">
+            <a:schemeClr val="accent1"/>
+          </a:fillRef>
+          <a:effectRef idx="0">
+            <a:schemeClr val="accent1"/>
+          </a:effectRef>
+          <a:fontRef idx="minor">
+            <a:schemeClr val="tx1"/>
+          </a:fontRef>
+        </p:style>
+      </p:cxnSp>
+      <p:cxnSp>
+        <p:nvCxnSpPr>
+          <p:cNvPr id="12" name="Straight Connector 11"/>
+          <p:cNvCxnSpPr/>
+          <p:nvPr/>
+        </p:nvCxnSpPr>
+        <p:spPr>
+          <a:xfrm>
+            <a:off x="4241260" y="229988"/>
+            <a:ext cx="0" cy="979865"/>
+          </a:xfrm>
+          <a:prstGeom prst="line">
+            <a:avLst/>
+          </a:prstGeom>
+          <a:ln w="57150">
+            <a:solidFill>
+              <a:srgbClr val="00B0F0"/>
+            </a:solidFill>
+          </a:ln>
+        </p:spPr>
+        <p:style>
+          <a:lnRef idx="1">
+            <a:schemeClr val="accent1"/>
+          </a:lnRef>
+          <a:fillRef idx="0">
+            <a:schemeClr val="accent1"/>
+          </a:fillRef>
+          <a:effectRef idx="0">
+            <a:schemeClr val="accent1"/>
+          </a:effectRef>
+          <a:fontRef idx="minor">
+            <a:schemeClr val="tx1"/>
+          </a:fontRef>
+        </p:style>
+      </p:cxnSp>
+      <p:cxnSp>
+        <p:nvCxnSpPr>
+          <p:cNvPr id="43" name="Straight Connector 42"/>
+          <p:cNvCxnSpPr/>
+          <p:nvPr/>
+        </p:nvCxnSpPr>
+        <p:spPr>
+          <a:xfrm>
+            <a:off x="6335195" y="229988"/>
+            <a:ext cx="0" cy="979865"/>
+          </a:xfrm>
+          <a:prstGeom prst="line">
+            <a:avLst/>
+          </a:prstGeom>
+          <a:ln w="57150">
+            <a:solidFill>
+              <a:srgbClr val="00B0F0"/>
+            </a:solidFill>
+          </a:ln>
+        </p:spPr>
+        <p:style>
+          <a:lnRef idx="1">
+            <a:schemeClr val="accent1"/>
+          </a:lnRef>
+          <a:fillRef idx="0">
+            <a:schemeClr val="accent1"/>
+          </a:fillRef>
+          <a:effectRef idx="0">
+            <a:schemeClr val="accent1"/>
+          </a:effectRef>
+          <a:fontRef idx="minor">
+            <a:schemeClr val="tx1"/>
+          </a:fontRef>
+        </p:style>
+      </p:cxnSp>
+      <p:cxnSp>
+        <p:nvCxnSpPr>
+          <p:cNvPr id="15" name="Straight Connector 14"/>
+          <p:cNvCxnSpPr/>
+          <p:nvPr/>
+        </p:nvCxnSpPr>
+        <p:spPr>
+          <a:xfrm flipV="1">
+            <a:off x="5296871" y="254794"/>
+            <a:ext cx="1055495" cy="3856"/>
+          </a:xfrm>
+          <a:prstGeom prst="line">
+            <a:avLst/>
+          </a:prstGeom>
+          <a:ln w="57150">
+            <a:solidFill>
+              <a:srgbClr val="00B0F0"/>
+            </a:solidFill>
+          </a:ln>
+        </p:spPr>
+        <p:style>
+          <a:lnRef idx="1">
+            <a:schemeClr val="accent1"/>
+          </a:lnRef>
+          <a:fillRef idx="0">
+            <a:schemeClr val="accent1"/>
+          </a:fillRef>
+          <a:effectRef idx="0">
+            <a:schemeClr val="accent1"/>
+          </a:effectRef>
+          <a:fontRef idx="minor">
+            <a:schemeClr val="tx1"/>
+          </a:fontRef>
+        </p:style>
+      </p:cxnSp>
+      <p:cxnSp>
+        <p:nvCxnSpPr>
+          <p:cNvPr id="16" name="Straight Connector 15"/>
+          <p:cNvCxnSpPr/>
+          <p:nvPr/>
+        </p:nvCxnSpPr>
+        <p:spPr>
+          <a:xfrm>
+            <a:off x="5298331" y="232258"/>
+            <a:ext cx="0" cy="979865"/>
+          </a:xfrm>
+          <a:prstGeom prst="line">
+            <a:avLst/>
+          </a:prstGeom>
+          <a:ln w="57150">
+            <a:solidFill>
+              <a:srgbClr val="00B0F0"/>
+            </a:solidFill>
+          </a:ln>
+        </p:spPr>
+        <p:style>
+          <a:lnRef idx="1">
+            <a:schemeClr val="accent1"/>
+          </a:lnRef>
+          <a:fillRef idx="0">
+            <a:schemeClr val="accent1"/>
+          </a:fillRef>
+          <a:effectRef idx="0">
+            <a:schemeClr val="accent1"/>
+          </a:effectRef>
+          <a:fontRef idx="minor">
+            <a:schemeClr val="tx1"/>
+          </a:fontRef>
+        </p:style>
+      </p:cxnSp>
       <p:pic>
         <p:nvPicPr>
           <p:cNvPr id="21" name="Picture 20"/>
@@ -5447,91 +5452,76 @@
           </a:p>
         </p:txBody>
       </p:sp>
-      <p:grpSp>
-        <p:nvGrpSpPr>
-          <p:cNvPr id="44" name="Group 43"/>
-          <p:cNvGrpSpPr/>
+      <p:cxnSp>
+        <p:nvCxnSpPr>
+          <p:cNvPr id="45" name="Straight Connector 44"/>
+          <p:cNvCxnSpPr/>
           <p:nvPr/>
-        </p:nvGrpSpPr>
-        <p:grpSpPr>
-          <a:xfrm>
-            <a:off x="7373635" y="229988"/>
-            <a:ext cx="1055495" cy="979865"/>
-            <a:chOff x="4245288" y="813881"/>
-            <a:chExt cx="1055495" cy="979865"/>
-          </a:xfrm>
-        </p:grpSpPr>
-        <p:cxnSp>
-          <p:nvCxnSpPr>
-            <p:cNvPr id="45" name="Straight Connector 44"/>
-            <p:cNvCxnSpPr/>
-            <p:nvPr/>
-          </p:nvCxnSpPr>
-          <p:spPr>
-            <a:xfrm flipV="1">
-              <a:off x="4245288" y="838687"/>
-              <a:ext cx="1055495" cy="3856"/>
-            </a:xfrm>
-            <a:prstGeom prst="line">
-              <a:avLst/>
-            </a:prstGeom>
-            <a:ln w="57150">
-              <a:solidFill>
-                <a:srgbClr val="00B0F0"/>
-              </a:solidFill>
-            </a:ln>
-          </p:spPr>
-          <p:style>
-            <a:lnRef idx="1">
-              <a:schemeClr val="accent1"/>
-            </a:lnRef>
-            <a:fillRef idx="0">
-              <a:schemeClr val="accent1"/>
-            </a:fillRef>
-            <a:effectRef idx="0">
-              <a:schemeClr val="accent1"/>
-            </a:effectRef>
-            <a:fontRef idx="minor">
-              <a:schemeClr val="tx1"/>
-            </a:fontRef>
-          </p:style>
-        </p:cxnSp>
-        <p:cxnSp>
-          <p:nvCxnSpPr>
-            <p:cNvPr id="46" name="Straight Connector 45"/>
-            <p:cNvCxnSpPr/>
-            <p:nvPr/>
-          </p:nvCxnSpPr>
-          <p:spPr>
-            <a:xfrm>
-              <a:off x="4247743" y="813881"/>
-              <a:ext cx="0" cy="979865"/>
-            </a:xfrm>
-            <a:prstGeom prst="line">
-              <a:avLst/>
-            </a:prstGeom>
-            <a:ln w="57150">
-              <a:solidFill>
-                <a:srgbClr val="00B0F0"/>
-              </a:solidFill>
-            </a:ln>
-          </p:spPr>
-          <p:style>
-            <a:lnRef idx="1">
-              <a:schemeClr val="accent1"/>
-            </a:lnRef>
-            <a:fillRef idx="0">
-              <a:schemeClr val="accent1"/>
-            </a:fillRef>
-            <a:effectRef idx="0">
-              <a:schemeClr val="accent1"/>
-            </a:effectRef>
-            <a:fontRef idx="minor">
-              <a:schemeClr val="tx1"/>
-            </a:fontRef>
-          </p:style>
-        </p:cxnSp>
-      </p:grpSp>
+        </p:nvCxnSpPr>
+        <p:spPr>
+          <a:xfrm flipV="1">
+            <a:off x="7373635" y="254794"/>
+            <a:ext cx="1055495" cy="3856"/>
+          </a:xfrm>
+          <a:prstGeom prst="line">
+            <a:avLst/>
+          </a:prstGeom>
+          <a:ln w="57150">
+            <a:solidFill>
+              <a:srgbClr val="00B0F0"/>
+            </a:solidFill>
+          </a:ln>
+        </p:spPr>
+        <p:style>
+          <a:lnRef idx="1">
+            <a:schemeClr val="accent1"/>
+          </a:lnRef>
+          <a:fillRef idx="0">
+            <a:schemeClr val="accent1"/>
+          </a:fillRef>
+          <a:effectRef idx="0">
+            <a:schemeClr val="accent1"/>
+          </a:effectRef>
+          <a:fontRef idx="minor">
+            <a:schemeClr val="tx1"/>
+          </a:fontRef>
+        </p:style>
+      </p:cxnSp>
+      <p:cxnSp>
+        <p:nvCxnSpPr>
+          <p:cNvPr id="46" name="Straight Connector 45"/>
+          <p:cNvCxnSpPr/>
+          <p:nvPr/>
+        </p:nvCxnSpPr>
+        <p:spPr>
+          <a:xfrm>
+            <a:off x="7376090" y="229988"/>
+            <a:ext cx="0" cy="979865"/>
+          </a:xfrm>
+          <a:prstGeom prst="line">
+            <a:avLst/>
+          </a:prstGeom>
+          <a:ln w="57150">
+            <a:solidFill>
+              <a:srgbClr val="00B0F0"/>
+            </a:solidFill>
+          </a:ln>
+        </p:spPr>
+        <p:style>
+          <a:lnRef idx="1">
+            <a:schemeClr val="accent1"/>
+          </a:lnRef>
+          <a:fillRef idx="0">
+            <a:schemeClr val="accent1"/>
+          </a:fillRef>
+          <a:effectRef idx="0">
+            <a:schemeClr val="accent1"/>
+          </a:effectRef>
+          <a:fontRef idx="minor">
+            <a:schemeClr val="tx1"/>
+          </a:fontRef>
+        </p:style>
+      </p:cxnSp>
       <p:grpSp>
         <p:nvGrpSpPr>
           <p:cNvPr id="50" name="Group 49"/>
@@ -5617,176 +5607,111 @@
           </p:style>
         </p:cxnSp>
       </p:grpSp>
-      <p:grpSp>
-        <p:nvGrpSpPr>
-          <p:cNvPr id="48" name="Group 47"/>
-          <p:cNvGrpSpPr/>
+      <p:cxnSp>
+        <p:nvCxnSpPr>
+          <p:cNvPr id="49" name="Straight Connector 48"/>
+          <p:cNvCxnSpPr/>
           <p:nvPr/>
-        </p:nvGrpSpPr>
-        <p:grpSpPr>
-          <a:xfrm>
-            <a:off x="3164203" y="3839393"/>
-            <a:ext cx="1055495" cy="979865"/>
-            <a:chOff x="2135177" y="824743"/>
-            <a:chExt cx="1055495" cy="979865"/>
-          </a:xfrm>
-        </p:grpSpPr>
-        <p:cxnSp>
-          <p:nvCxnSpPr>
-            <p:cNvPr id="49" name="Straight Connector 48"/>
-            <p:cNvCxnSpPr/>
-            <p:nvPr/>
-          </p:nvCxnSpPr>
-          <p:spPr>
-            <a:xfrm flipV="1">
-              <a:off x="2135177" y="851387"/>
-              <a:ext cx="1055495" cy="3856"/>
-            </a:xfrm>
-            <a:prstGeom prst="line">
-              <a:avLst/>
-            </a:prstGeom>
-            <a:ln w="57150">
-              <a:solidFill>
-                <a:srgbClr val="00B0F0"/>
-              </a:solidFill>
-            </a:ln>
-          </p:spPr>
-          <p:style>
-            <a:lnRef idx="1">
-              <a:schemeClr val="accent1"/>
-            </a:lnRef>
-            <a:fillRef idx="0">
-              <a:schemeClr val="accent1"/>
-            </a:fillRef>
-            <a:effectRef idx="0">
-              <a:schemeClr val="accent1"/>
-            </a:effectRef>
-            <a:fontRef idx="minor">
-              <a:schemeClr val="tx1"/>
-            </a:fontRef>
-          </p:style>
-        </p:cxnSp>
-        <p:cxnSp>
-          <p:nvCxnSpPr>
-            <p:cNvPr id="51" name="Straight Connector 50"/>
-            <p:cNvCxnSpPr/>
-            <p:nvPr/>
-          </p:nvCxnSpPr>
-          <p:spPr>
-            <a:xfrm>
-              <a:off x="3190672" y="824743"/>
-              <a:ext cx="0" cy="979865"/>
-            </a:xfrm>
-            <a:prstGeom prst="line">
-              <a:avLst/>
-            </a:prstGeom>
-            <a:ln w="57150">
-              <a:solidFill>
-                <a:srgbClr val="00B0F0"/>
-              </a:solidFill>
-            </a:ln>
-          </p:spPr>
-          <p:style>
-            <a:lnRef idx="1">
-              <a:schemeClr val="accent1"/>
-            </a:lnRef>
-            <a:fillRef idx="0">
-              <a:schemeClr val="accent1"/>
-            </a:fillRef>
-            <a:effectRef idx="0">
-              <a:schemeClr val="accent1"/>
-            </a:effectRef>
-            <a:fontRef idx="minor">
-              <a:schemeClr val="tx1"/>
-            </a:fontRef>
-          </p:style>
-        </p:cxnSp>
-      </p:grpSp>
-      <p:grpSp>
-        <p:nvGrpSpPr>
-          <p:cNvPr id="52" name="Group 51"/>
-          <p:cNvGrpSpPr/>
+        </p:nvCxnSpPr>
+        <p:spPr>
+          <a:xfrm flipV="1">
+            <a:off x="3174836" y="3860028"/>
+            <a:ext cx="1055495" cy="3856"/>
+          </a:xfrm>
+          <a:prstGeom prst="line">
+            <a:avLst/>
+          </a:prstGeom>
+          <a:ln w="57150">
+            <a:solidFill>
+              <a:srgbClr val="00B0F0"/>
+            </a:solidFill>
+          </a:ln>
+        </p:spPr>
+        <p:style>
+          <a:lnRef idx="1">
+            <a:schemeClr val="accent1"/>
+          </a:lnRef>
+          <a:fillRef idx="0">
+            <a:schemeClr val="accent1"/>
+          </a:fillRef>
+          <a:effectRef idx="0">
+            <a:schemeClr val="accent1"/>
+          </a:effectRef>
+          <a:fontRef idx="minor">
+            <a:schemeClr val="tx1"/>
+          </a:fontRef>
+        </p:style>
+      </p:cxnSp>
+      <p:cxnSp>
+        <p:nvCxnSpPr>
+          <p:cNvPr id="51" name="Straight Connector 50"/>
+          <p:cNvCxnSpPr/>
           <p:nvPr/>
-        </p:nvGrpSpPr>
-        <p:grpSpPr>
-          <a:xfrm>
-            <a:off x="6342109" y="3837803"/>
-            <a:ext cx="2070844" cy="983725"/>
-            <a:chOff x="5296871" y="887843"/>
-            <a:chExt cx="2070844" cy="983725"/>
-          </a:xfrm>
-        </p:grpSpPr>
-        <p:cxnSp>
-          <p:nvCxnSpPr>
-            <p:cNvPr id="54" name="Straight Connector 53"/>
-            <p:cNvCxnSpPr/>
-            <p:nvPr/>
-          </p:nvCxnSpPr>
-          <p:spPr>
-            <a:xfrm flipV="1">
-              <a:off x="5296871" y="887843"/>
-              <a:ext cx="2070844" cy="32091"/>
-            </a:xfrm>
-            <a:prstGeom prst="line">
-              <a:avLst/>
-            </a:prstGeom>
-            <a:ln w="57150">
-              <a:solidFill>
-                <a:srgbClr val="00B0F0"/>
-              </a:solidFill>
-            </a:ln>
-          </p:spPr>
-          <p:style>
-            <a:lnRef idx="1">
-              <a:schemeClr val="accent1"/>
-            </a:lnRef>
-            <a:fillRef idx="0">
-              <a:schemeClr val="accent1"/>
-            </a:fillRef>
-            <a:effectRef idx="0">
-              <a:schemeClr val="accent1"/>
-            </a:effectRef>
-            <a:fontRef idx="minor">
-              <a:schemeClr val="tx1"/>
-            </a:fontRef>
-          </p:style>
-        </p:cxnSp>
-        <p:cxnSp>
-          <p:nvCxnSpPr>
-            <p:cNvPr id="55" name="Straight Connector 54"/>
-            <p:cNvCxnSpPr/>
-            <p:nvPr/>
-          </p:nvCxnSpPr>
-          <p:spPr>
-            <a:xfrm>
-              <a:off x="5298331" y="891703"/>
-              <a:ext cx="0" cy="979865"/>
-            </a:xfrm>
-            <a:prstGeom prst="line">
-              <a:avLst/>
-            </a:prstGeom>
-            <a:ln w="57150">
-              <a:solidFill>
-                <a:srgbClr val="00B0F0"/>
-              </a:solidFill>
-            </a:ln>
-          </p:spPr>
-          <p:style>
-            <a:lnRef idx="1">
-              <a:schemeClr val="accent1"/>
-            </a:lnRef>
-            <a:fillRef idx="0">
-              <a:schemeClr val="accent1"/>
-            </a:fillRef>
-            <a:effectRef idx="0">
-              <a:schemeClr val="accent1"/>
-            </a:effectRef>
-            <a:fontRef idx="minor">
-              <a:schemeClr val="tx1"/>
-            </a:fontRef>
-          </p:style>
-        </p:cxnSp>
-      </p:grpSp>
+        </p:nvCxnSpPr>
+        <p:spPr>
+          <a:xfrm>
+            <a:off x="4219698" y="3837803"/>
+            <a:ext cx="0" cy="979865"/>
+          </a:xfrm>
+          <a:prstGeom prst="line">
+            <a:avLst/>
+          </a:prstGeom>
+          <a:ln w="57150">
+            <a:solidFill>
+              <a:srgbClr val="00B0F0"/>
+            </a:solidFill>
+          </a:ln>
+        </p:spPr>
+        <p:style>
+          <a:lnRef idx="1">
+            <a:schemeClr val="accent1"/>
+          </a:lnRef>
+          <a:fillRef idx="0">
+            <a:schemeClr val="accent1"/>
+          </a:fillRef>
+          <a:effectRef idx="0">
+            <a:schemeClr val="accent1"/>
+          </a:effectRef>
+          <a:fontRef idx="minor">
+            <a:schemeClr val="tx1"/>
+          </a:fontRef>
+        </p:style>
+      </p:cxnSp>
+      <p:cxnSp>
+        <p:nvCxnSpPr>
+          <p:cNvPr id="54" name="Straight Connector 53"/>
+          <p:cNvCxnSpPr/>
+          <p:nvPr/>
+        </p:nvCxnSpPr>
+        <p:spPr>
+          <a:xfrm flipV="1">
+            <a:off x="6331476" y="3866378"/>
+            <a:ext cx="2070844" cy="32091"/>
+          </a:xfrm>
+          <a:prstGeom prst="line">
+            <a:avLst/>
+          </a:prstGeom>
+          <a:ln w="57150">
+            <a:solidFill>
+              <a:srgbClr val="00B0F0"/>
+            </a:solidFill>
+          </a:ln>
+        </p:spPr>
+        <p:style>
+          <a:lnRef idx="1">
+            <a:schemeClr val="accent1"/>
+          </a:lnRef>
+          <a:fillRef idx="0">
+            <a:schemeClr val="accent1"/>
+          </a:fillRef>
+          <a:effectRef idx="0">
+            <a:schemeClr val="accent1"/>
+          </a:effectRef>
+          <a:fontRef idx="minor">
+            <a:schemeClr val="tx1"/>
+          </a:fontRef>
+        </p:style>
+      </p:cxnSp>
       <p:pic>
         <p:nvPicPr>
           <p:cNvPr id="58" name="Picture 57"/>
@@ -5859,146 +5784,15 @@
           </a:p>
         </p:txBody>
       </p:sp>
-      <p:grpSp>
-        <p:nvGrpSpPr>
-          <p:cNvPr id="81" name="Group 80"/>
-          <p:cNvGrpSpPr/>
-          <p:nvPr/>
-        </p:nvGrpSpPr>
-        <p:grpSpPr>
-          <a:xfrm>
-            <a:off x="3138050" y="3837803"/>
-            <a:ext cx="5257800" cy="979865"/>
-            <a:chOff x="3185765" y="904673"/>
-            <a:chExt cx="5257800" cy="979865"/>
-          </a:xfrm>
-        </p:grpSpPr>
-        <p:cxnSp>
-          <p:nvCxnSpPr>
-            <p:cNvPr id="82" name="Straight Connector 81"/>
-            <p:cNvCxnSpPr/>
-            <p:nvPr/>
-          </p:nvCxnSpPr>
-          <p:spPr>
-            <a:xfrm flipV="1">
-              <a:off x="3214949" y="904673"/>
-              <a:ext cx="0" cy="979865"/>
-            </a:xfrm>
-            <a:prstGeom prst="line">
-              <a:avLst/>
-            </a:prstGeom>
-            <a:ln w="57150">
-              <a:solidFill>
-                <a:schemeClr val="tx1"/>
-              </a:solidFill>
-            </a:ln>
-          </p:spPr>
-          <p:style>
-            <a:lnRef idx="1">
-              <a:schemeClr val="accent1"/>
-            </a:lnRef>
-            <a:fillRef idx="0">
-              <a:schemeClr val="accent1"/>
-            </a:fillRef>
-            <a:effectRef idx="0">
-              <a:schemeClr val="accent1"/>
-            </a:effectRef>
-            <a:fontRef idx="minor">
-              <a:schemeClr val="tx1"/>
-            </a:fontRef>
-          </p:style>
-        </p:cxnSp>
-        <p:cxnSp>
-          <p:nvCxnSpPr>
-            <p:cNvPr id="83" name="Straight Connector 82"/>
-            <p:cNvCxnSpPr/>
-            <p:nvPr/>
-          </p:nvCxnSpPr>
-          <p:spPr>
-            <a:xfrm>
-              <a:off x="3185765" y="1884538"/>
-              <a:ext cx="5257800" cy="0"/>
-            </a:xfrm>
-            <a:prstGeom prst="line">
-              <a:avLst/>
-            </a:prstGeom>
-            <a:ln w="57150">
-              <a:solidFill>
-                <a:schemeClr val="tx1"/>
-              </a:solidFill>
-            </a:ln>
-          </p:spPr>
-          <p:style>
-            <a:lnRef idx="1">
-              <a:schemeClr val="accent1"/>
-            </a:lnRef>
-            <a:fillRef idx="0">
-              <a:schemeClr val="accent1"/>
-            </a:fillRef>
-            <a:effectRef idx="0">
-              <a:schemeClr val="accent1"/>
-            </a:effectRef>
-            <a:fontRef idx="minor">
-              <a:schemeClr val="tx1"/>
-            </a:fontRef>
-          </p:style>
-        </p:cxnSp>
-      </p:grpSp>
-      <p:sp>
-        <p:nvSpPr>
-          <p:cNvPr id="90" name="Rectangle 89"/>
-          <p:cNvSpPr/>
-          <p:nvPr/>
-        </p:nvSpPr>
-        <p:spPr>
-          <a:xfrm>
-            <a:off x="3201941" y="5147862"/>
-            <a:ext cx="5193909" cy="979865"/>
-          </a:xfrm>
-          <a:prstGeom prst="rect">
-            <a:avLst/>
-          </a:prstGeom>
-          <a:solidFill>
-            <a:srgbClr val="C00000"/>
-          </a:solidFill>
-          <a:ln>
-            <a:noFill/>
-          </a:ln>
-        </p:spPr>
-        <p:style>
-          <a:lnRef idx="2">
-            <a:schemeClr val="accent1">
-              <a:shade val="50000"/>
-            </a:schemeClr>
-          </a:lnRef>
-          <a:fillRef idx="1">
-            <a:schemeClr val="accent1"/>
-          </a:fillRef>
-          <a:effectRef idx="0">
-            <a:schemeClr val="accent1"/>
-          </a:effectRef>
-          <a:fontRef idx="minor">
-            <a:schemeClr val="lt1"/>
-          </a:fontRef>
-        </p:style>
-        <p:txBody>
-          <a:bodyPr rtlCol="0" anchor="ctr"/>
-          <a:lstStyle/>
-          <a:p>
-            <a:pPr algn="ctr"/>
-            <a:endParaRPr lang="en-US"/>
-          </a:p>
-        </p:txBody>
-      </p:sp>
       <p:cxnSp>
         <p:nvCxnSpPr>
-          <p:cNvPr id="93" name="Straight Connector 92"/>
+          <p:cNvPr id="82" name="Straight Connector 81"/>
           <p:cNvCxnSpPr/>
           <p:nvPr/>
         </p:nvCxnSpPr>
         <p:spPr>
           <a:xfrm flipV="1">
-            <a:off x="3201942" y="5147862"/>
+            <a:off x="3167234" y="3837803"/>
             <a:ext cx="0" cy="979865"/>
           </a:xfrm>
           <a:prstGeom prst="line">
@@ -6025,6 +5819,41 @@
           </a:fontRef>
         </p:style>
       </p:cxnSp>
+      <p:cxnSp>
+        <p:nvCxnSpPr>
+          <p:cNvPr id="83" name="Straight Connector 82"/>
+          <p:cNvCxnSpPr/>
+          <p:nvPr/>
+        </p:nvCxnSpPr>
+        <p:spPr>
+          <a:xfrm>
+            <a:off x="3138050" y="4817668"/>
+            <a:ext cx="5257800" cy="0"/>
+          </a:xfrm>
+          <a:prstGeom prst="line">
+            <a:avLst/>
+          </a:prstGeom>
+          <a:ln w="57150">
+            <a:solidFill>
+              <a:schemeClr val="tx1"/>
+            </a:solidFill>
+          </a:ln>
+        </p:spPr>
+        <p:style>
+          <a:lnRef idx="1">
+            <a:schemeClr val="accent1"/>
+          </a:lnRef>
+          <a:fillRef idx="0">
+            <a:schemeClr val="accent1"/>
+          </a:fillRef>
+          <a:effectRef idx="0">
+            <a:schemeClr val="accent1"/>
+          </a:effectRef>
+          <a:fontRef idx="minor">
+            <a:schemeClr val="tx1"/>
+          </a:fontRef>
+        </p:style>
+      </p:cxnSp>
       <p:sp>
         <p:nvSpPr>
           <p:cNvPr id="94" name="TextBox 93"/>
@@ -6098,16 +5927,16 @@
       </p:sp>
       <p:grpSp>
         <p:nvGrpSpPr>
-          <p:cNvPr id="4" name="Group 3"/>
+          <p:cNvPr id="18" name="Group 17"/>
           <p:cNvGrpSpPr/>
           <p:nvPr/>
         </p:nvGrpSpPr>
         <p:grpSpPr>
           <a:xfrm>
             <a:off x="3172758" y="1395924"/>
-            <a:ext cx="5256372" cy="983724"/>
+            <a:ext cx="5256372" cy="979867"/>
             <a:chOff x="3172758" y="1395924"/>
-            <a:chExt cx="5256372" cy="983724"/>
+            <a:chExt cx="5256372" cy="979867"/>
           </a:xfrm>
         </p:grpSpPr>
         <p:sp>
@@ -6306,7 +6135,7 @@
           </p:nvSpPr>
           <p:spPr>
             <a:xfrm>
-              <a:off x="3201941" y="1395926"/>
+              <a:off x="3201941" y="1395924"/>
               <a:ext cx="1039319" cy="979865"/>
             </a:xfrm>
             <a:prstGeom prst="rect">
@@ -6352,7 +6181,7 @@
           </p:nvSpPr>
           <p:spPr>
             <a:xfrm>
-              <a:off x="6319042" y="1399783"/>
+              <a:off x="6319042" y="1395924"/>
               <a:ext cx="102116" cy="979865"/>
             </a:xfrm>
             <a:prstGeom prst="rect">
@@ -6400,7 +6229,7 @@
           </p:nvSpPr>
           <p:spPr>
             <a:xfrm>
-              <a:off x="7373633" y="1399783"/>
+              <a:off x="7373633" y="1395924"/>
               <a:ext cx="102116" cy="979865"/>
             </a:xfrm>
             <a:prstGeom prst="rect">
@@ -6449,7 +6278,7 @@
           </p:nvSpPr>
           <p:spPr>
             <a:xfrm>
-              <a:off x="4241284" y="1399783"/>
+              <a:off x="4241284" y="1395924"/>
               <a:ext cx="102116" cy="979865"/>
             </a:xfrm>
             <a:prstGeom prst="rect">
@@ -6497,7 +6326,7 @@
           </p:nvSpPr>
           <p:spPr>
             <a:xfrm>
-              <a:off x="5295875" y="1399783"/>
+              <a:off x="5295875" y="1395924"/>
               <a:ext cx="102116" cy="979865"/>
             </a:xfrm>
             <a:prstGeom prst="rect">
@@ -6609,148 +6438,6 @@
           </p:style>
         </p:cxnSp>
       </p:grpSp>
-      <p:sp>
-        <p:nvSpPr>
-          <p:cNvPr id="118" name="Rectangle 117"/>
-          <p:cNvSpPr/>
-          <p:nvPr/>
-        </p:nvSpPr>
-        <p:spPr>
-          <a:xfrm>
-            <a:off x="4241260" y="5147862"/>
-            <a:ext cx="1054616" cy="979865"/>
-          </a:xfrm>
-          <a:prstGeom prst="rect">
-            <a:avLst/>
-          </a:prstGeom>
-          <a:solidFill>
-            <a:schemeClr val="accent6">
-              <a:lumMod val="75000"/>
-            </a:schemeClr>
-          </a:solidFill>
-          <a:ln>
-            <a:noFill/>
-          </a:ln>
-        </p:spPr>
-        <p:style>
-          <a:lnRef idx="2">
-            <a:schemeClr val="accent1">
-              <a:shade val="50000"/>
-            </a:schemeClr>
-          </a:lnRef>
-          <a:fillRef idx="1">
-            <a:schemeClr val="accent1"/>
-          </a:fillRef>
-          <a:effectRef idx="0">
-            <a:schemeClr val="accent1"/>
-          </a:effectRef>
-          <a:fontRef idx="minor">
-            <a:schemeClr val="lt1"/>
-          </a:fontRef>
-        </p:style>
-        <p:txBody>
-          <a:bodyPr rtlCol="0" anchor="ctr"/>
-          <a:lstStyle/>
-          <a:p>
-            <a:pPr algn="ctr"/>
-            <a:endParaRPr lang="en-US"/>
-          </a:p>
-        </p:txBody>
-      </p:sp>
-      <p:sp>
-        <p:nvSpPr>
-          <p:cNvPr id="119" name="Rectangle 118"/>
-          <p:cNvSpPr/>
-          <p:nvPr/>
-        </p:nvSpPr>
-        <p:spPr>
-          <a:xfrm>
-            <a:off x="4241283" y="5151721"/>
-            <a:ext cx="102116" cy="979865"/>
-          </a:xfrm>
-          <a:prstGeom prst="rect">
-            <a:avLst/>
-          </a:prstGeom>
-          <a:solidFill>
-            <a:schemeClr val="accent4">
-              <a:lumMod val="75000"/>
-            </a:schemeClr>
-          </a:solidFill>
-          <a:ln>
-            <a:noFill/>
-          </a:ln>
-        </p:spPr>
-        <p:style>
-          <a:lnRef idx="2">
-            <a:schemeClr val="accent1">
-              <a:shade val="50000"/>
-            </a:schemeClr>
-          </a:lnRef>
-          <a:fillRef idx="1">
-            <a:schemeClr val="accent1"/>
-          </a:fillRef>
-          <a:effectRef idx="0">
-            <a:schemeClr val="accent1"/>
-          </a:effectRef>
-          <a:fontRef idx="minor">
-            <a:schemeClr val="lt1"/>
-          </a:fontRef>
-        </p:style>
-        <p:txBody>
-          <a:bodyPr rtlCol="0" anchor="ctr"/>
-          <a:lstStyle/>
-          <a:p>
-            <a:pPr algn="ctr"/>
-            <a:endParaRPr lang="en-US"/>
-          </a:p>
-        </p:txBody>
-      </p:sp>
-      <p:sp>
-        <p:nvSpPr>
-          <p:cNvPr id="122" name="Rectangle 121"/>
-          <p:cNvSpPr/>
-          <p:nvPr/>
-        </p:nvSpPr>
-        <p:spPr>
-          <a:xfrm>
-            <a:off x="5309785" y="5158160"/>
-            <a:ext cx="1054616" cy="979865"/>
-          </a:xfrm>
-          <a:prstGeom prst="rect">
-            <a:avLst/>
-          </a:prstGeom>
-          <a:solidFill>
-            <a:srgbClr val="7030A0"/>
-          </a:solidFill>
-          <a:ln>
-            <a:noFill/>
-          </a:ln>
-        </p:spPr>
-        <p:style>
-          <a:lnRef idx="2">
-            <a:schemeClr val="accent1">
-              <a:shade val="50000"/>
-            </a:schemeClr>
-          </a:lnRef>
-          <a:fillRef idx="1">
-            <a:schemeClr val="accent1"/>
-          </a:fillRef>
-          <a:effectRef idx="0">
-            <a:schemeClr val="accent1"/>
-          </a:effectRef>
-          <a:fontRef idx="minor">
-            <a:schemeClr val="lt1"/>
-          </a:fontRef>
-        </p:style>
-        <p:txBody>
-          <a:bodyPr rtlCol="0" anchor="ctr"/>
-          <a:lstStyle/>
-          <a:p>
-            <a:pPr algn="ctr"/>
-            <a:endParaRPr lang="en-US"/>
-          </a:p>
-        </p:txBody>
-      </p:sp>
       <p:grpSp>
         <p:nvGrpSpPr>
           <p:cNvPr id="11" name="Group 10"/>
@@ -7219,87 +6906,325 @@
           </p:txBody>
         </p:sp>
       </p:grpSp>
-      <p:sp>
-        <p:nvSpPr>
-          <p:cNvPr id="129" name="Rectangle 128"/>
-          <p:cNvSpPr/>
+      <p:grpSp>
+        <p:nvGrpSpPr>
+          <p:cNvPr id="19" name="Group 18"/>
+          <p:cNvGrpSpPr/>
           <p:nvPr/>
-        </p:nvSpPr>
-        <p:spPr>
-          <a:xfrm>
-            <a:off x="6335193" y="5147862"/>
-            <a:ext cx="102116" cy="979865"/>
-          </a:xfrm>
-          <a:prstGeom prst="rect">
-            <a:avLst/>
-          </a:prstGeom>
-          <a:solidFill>
-            <a:srgbClr val="FF9999"/>
-          </a:solidFill>
-          <a:ln>
-            <a:noFill/>
-          </a:ln>
-        </p:spPr>
-        <p:style>
-          <a:lnRef idx="2">
-            <a:schemeClr val="accent1">
-              <a:shade val="50000"/>
-            </a:schemeClr>
-          </a:lnRef>
-          <a:fillRef idx="1">
-            <a:schemeClr val="accent1"/>
-          </a:fillRef>
-          <a:effectRef idx="0">
-            <a:schemeClr val="accent1"/>
-          </a:effectRef>
-          <a:fontRef idx="minor">
-            <a:schemeClr val="lt1"/>
-          </a:fontRef>
-        </p:style>
-        <p:txBody>
-          <a:bodyPr rtlCol="0" anchor="ctr"/>
-          <a:lstStyle/>
-          <a:p>
-            <a:pPr algn="ctr"/>
-            <a:endParaRPr lang="en-US"/>
-          </a:p>
-        </p:txBody>
-      </p:sp>
-      <p:cxnSp>
-        <p:nvCxnSpPr>
-          <p:cNvPr id="92" name="Straight Connector 91"/>
-          <p:cNvCxnSpPr/>
-          <p:nvPr/>
-        </p:nvCxnSpPr>
-        <p:spPr>
-          <a:xfrm>
-            <a:off x="3172758" y="6121241"/>
-            <a:ext cx="5256372" cy="6484"/>
-          </a:xfrm>
-          <a:prstGeom prst="line">
-            <a:avLst/>
-          </a:prstGeom>
-          <a:ln w="57150">
+        </p:nvGrpSpPr>
+        <p:grpSpPr>
+          <a:xfrm>
+            <a:off x="3172758" y="5147862"/>
+            <a:ext cx="5256372" cy="979865"/>
+            <a:chOff x="3172758" y="5147862"/>
+            <a:chExt cx="5256372" cy="979865"/>
+          </a:xfrm>
+        </p:grpSpPr>
+        <p:sp>
+          <p:nvSpPr>
+            <p:cNvPr id="90" name="Rectangle 89"/>
+            <p:cNvSpPr/>
+            <p:nvPr/>
+          </p:nvSpPr>
+          <p:spPr>
+            <a:xfrm>
+              <a:off x="3201941" y="5147862"/>
+              <a:ext cx="5193909" cy="979865"/>
+            </a:xfrm>
+            <a:prstGeom prst="rect">
+              <a:avLst/>
+            </a:prstGeom>
             <a:solidFill>
+              <a:srgbClr val="C00000"/>
+            </a:solidFill>
+            <a:ln>
+              <a:noFill/>
+            </a:ln>
+          </p:spPr>
+          <p:style>
+            <a:lnRef idx="2">
+              <a:schemeClr val="accent1">
+                <a:shade val="50000"/>
+              </a:schemeClr>
+            </a:lnRef>
+            <a:fillRef idx="1">
+              <a:schemeClr val="accent1"/>
+            </a:fillRef>
+            <a:effectRef idx="0">
+              <a:schemeClr val="accent1"/>
+            </a:effectRef>
+            <a:fontRef idx="minor">
+              <a:schemeClr val="lt1"/>
+            </a:fontRef>
+          </p:style>
+          <p:txBody>
+            <a:bodyPr rtlCol="0" anchor="ctr"/>
+            <a:lstStyle/>
+            <a:p>
+              <a:pPr algn="ctr"/>
+              <a:endParaRPr lang="en-US"/>
+            </a:p>
+          </p:txBody>
+        </p:sp>
+        <p:cxnSp>
+          <p:nvCxnSpPr>
+            <p:cNvPr id="93" name="Straight Connector 92"/>
+            <p:cNvCxnSpPr/>
+            <p:nvPr/>
+          </p:nvCxnSpPr>
+          <p:spPr>
+            <a:xfrm flipV="1">
+              <a:off x="3201942" y="5147862"/>
+              <a:ext cx="0" cy="979865"/>
+            </a:xfrm>
+            <a:prstGeom prst="line">
+              <a:avLst/>
+            </a:prstGeom>
+            <a:ln w="57150">
+              <a:solidFill>
+                <a:schemeClr val="tx1"/>
+              </a:solidFill>
+            </a:ln>
+          </p:spPr>
+          <p:style>
+            <a:lnRef idx="1">
+              <a:schemeClr val="accent1"/>
+            </a:lnRef>
+            <a:fillRef idx="0">
+              <a:schemeClr val="accent1"/>
+            </a:fillRef>
+            <a:effectRef idx="0">
+              <a:schemeClr val="accent1"/>
+            </a:effectRef>
+            <a:fontRef idx="minor">
               <a:schemeClr val="tx1"/>
+            </a:fontRef>
+          </p:style>
+        </p:cxnSp>
+        <p:sp>
+          <p:nvSpPr>
+            <p:cNvPr id="118" name="Rectangle 117"/>
+            <p:cNvSpPr/>
+            <p:nvPr/>
+          </p:nvSpPr>
+          <p:spPr>
+            <a:xfrm>
+              <a:off x="4241260" y="5147862"/>
+              <a:ext cx="1054616" cy="979865"/>
+            </a:xfrm>
+            <a:prstGeom prst="rect">
+              <a:avLst/>
+            </a:prstGeom>
+            <a:solidFill>
+              <a:schemeClr val="accent6">
+                <a:lumMod val="75000"/>
+              </a:schemeClr>
             </a:solidFill>
-          </a:ln>
-        </p:spPr>
-        <p:style>
-          <a:lnRef idx="1">
-            <a:schemeClr val="accent1"/>
-          </a:lnRef>
-          <a:fillRef idx="0">
-            <a:schemeClr val="accent1"/>
-          </a:fillRef>
-          <a:effectRef idx="0">
-            <a:schemeClr val="accent1"/>
-          </a:effectRef>
-          <a:fontRef idx="minor">
-            <a:schemeClr val="tx1"/>
-          </a:fontRef>
-        </p:style>
-      </p:cxnSp>
+            <a:ln>
+              <a:noFill/>
+            </a:ln>
+          </p:spPr>
+          <p:style>
+            <a:lnRef idx="2">
+              <a:schemeClr val="accent1">
+                <a:shade val="50000"/>
+              </a:schemeClr>
+            </a:lnRef>
+            <a:fillRef idx="1">
+              <a:schemeClr val="accent1"/>
+            </a:fillRef>
+            <a:effectRef idx="0">
+              <a:schemeClr val="accent1"/>
+            </a:effectRef>
+            <a:fontRef idx="minor">
+              <a:schemeClr val="lt1"/>
+            </a:fontRef>
+          </p:style>
+          <p:txBody>
+            <a:bodyPr rtlCol="0" anchor="ctr"/>
+            <a:lstStyle/>
+            <a:p>
+              <a:pPr algn="ctr"/>
+              <a:endParaRPr lang="en-US"/>
+            </a:p>
+          </p:txBody>
+        </p:sp>
+        <p:sp>
+          <p:nvSpPr>
+            <p:cNvPr id="119" name="Rectangle 118"/>
+            <p:cNvSpPr/>
+            <p:nvPr/>
+          </p:nvSpPr>
+          <p:spPr>
+            <a:xfrm>
+              <a:off x="4241283" y="5147862"/>
+              <a:ext cx="102116" cy="979865"/>
+            </a:xfrm>
+            <a:prstGeom prst="rect">
+              <a:avLst/>
+            </a:prstGeom>
+            <a:solidFill>
+              <a:schemeClr val="accent4">
+                <a:lumMod val="75000"/>
+              </a:schemeClr>
+            </a:solidFill>
+            <a:ln>
+              <a:noFill/>
+            </a:ln>
+          </p:spPr>
+          <p:style>
+            <a:lnRef idx="2">
+              <a:schemeClr val="accent1">
+                <a:shade val="50000"/>
+              </a:schemeClr>
+            </a:lnRef>
+            <a:fillRef idx="1">
+              <a:schemeClr val="accent1"/>
+            </a:fillRef>
+            <a:effectRef idx="0">
+              <a:schemeClr val="accent1"/>
+            </a:effectRef>
+            <a:fontRef idx="minor">
+              <a:schemeClr val="lt1"/>
+            </a:fontRef>
+          </p:style>
+          <p:txBody>
+            <a:bodyPr rtlCol="0" anchor="ctr"/>
+            <a:lstStyle/>
+            <a:p>
+              <a:pPr algn="ctr"/>
+              <a:endParaRPr lang="en-US"/>
+            </a:p>
+          </p:txBody>
+        </p:sp>
+        <p:sp>
+          <p:nvSpPr>
+            <p:cNvPr id="122" name="Rectangle 121"/>
+            <p:cNvSpPr/>
+            <p:nvPr/>
+          </p:nvSpPr>
+          <p:spPr>
+            <a:xfrm>
+              <a:off x="5293910" y="5147862"/>
+              <a:ext cx="1054616" cy="979865"/>
+            </a:xfrm>
+            <a:prstGeom prst="rect">
+              <a:avLst/>
+            </a:prstGeom>
+            <a:solidFill>
+              <a:srgbClr val="7030A0"/>
+            </a:solidFill>
+            <a:ln>
+              <a:noFill/>
+            </a:ln>
+          </p:spPr>
+          <p:style>
+            <a:lnRef idx="2">
+              <a:schemeClr val="accent1">
+                <a:shade val="50000"/>
+              </a:schemeClr>
+            </a:lnRef>
+            <a:fillRef idx="1">
+              <a:schemeClr val="accent1"/>
+            </a:fillRef>
+            <a:effectRef idx="0">
+              <a:schemeClr val="accent1"/>
+            </a:effectRef>
+            <a:fontRef idx="minor">
+              <a:schemeClr val="lt1"/>
+            </a:fontRef>
+          </p:style>
+          <p:txBody>
+            <a:bodyPr rtlCol="0" anchor="ctr"/>
+            <a:lstStyle/>
+            <a:p>
+              <a:pPr algn="ctr"/>
+              <a:endParaRPr lang="en-US"/>
+            </a:p>
+          </p:txBody>
+        </p:sp>
+        <p:sp>
+          <p:nvSpPr>
+            <p:cNvPr id="129" name="Rectangle 128"/>
+            <p:cNvSpPr/>
+            <p:nvPr/>
+          </p:nvSpPr>
+          <p:spPr>
+            <a:xfrm>
+              <a:off x="6335193" y="5147862"/>
+              <a:ext cx="102116" cy="979865"/>
+            </a:xfrm>
+            <a:prstGeom prst="rect">
+              <a:avLst/>
+            </a:prstGeom>
+            <a:solidFill>
+              <a:srgbClr val="FF9999"/>
+            </a:solidFill>
+            <a:ln>
+              <a:noFill/>
+            </a:ln>
+          </p:spPr>
+          <p:style>
+            <a:lnRef idx="2">
+              <a:schemeClr val="accent1">
+                <a:shade val="50000"/>
+              </a:schemeClr>
+            </a:lnRef>
+            <a:fillRef idx="1">
+              <a:schemeClr val="accent1"/>
+            </a:fillRef>
+            <a:effectRef idx="0">
+              <a:schemeClr val="accent1"/>
+            </a:effectRef>
+            <a:fontRef idx="minor">
+              <a:schemeClr val="lt1"/>
+            </a:fontRef>
+          </p:style>
+          <p:txBody>
+            <a:bodyPr rtlCol="0" anchor="ctr"/>
+            <a:lstStyle/>
+            <a:p>
+              <a:pPr algn="ctr"/>
+              <a:endParaRPr lang="en-US"/>
+            </a:p>
+          </p:txBody>
+        </p:sp>
+        <p:cxnSp>
+          <p:nvCxnSpPr>
+            <p:cNvPr id="92" name="Straight Connector 91"/>
+            <p:cNvCxnSpPr/>
+            <p:nvPr/>
+          </p:nvCxnSpPr>
+          <p:spPr>
+            <a:xfrm>
+              <a:off x="3172758" y="6121241"/>
+              <a:ext cx="5256372" cy="6484"/>
+            </a:xfrm>
+            <a:prstGeom prst="line">
+              <a:avLst/>
+            </a:prstGeom>
+            <a:ln w="57150">
+              <a:solidFill>
+                <a:schemeClr val="tx1"/>
+              </a:solidFill>
+            </a:ln>
+          </p:spPr>
+          <p:style>
+            <a:lnRef idx="1">
+              <a:schemeClr val="accent1"/>
+            </a:lnRef>
+            <a:fillRef idx="0">
+              <a:schemeClr val="accent1"/>
+            </a:fillRef>
+            <a:effectRef idx="0">
+              <a:schemeClr val="accent1"/>
+            </a:effectRef>
+            <a:fontRef idx="minor">
+              <a:schemeClr val="tx1"/>
+            </a:fontRef>
+          </p:style>
+        </p:cxnSp>
+      </p:grpSp>
     </p:spTree>
     <p:extLst>
       <p:ext uri="{BB962C8B-B14F-4D97-AF65-F5344CB8AC3E}">

--- a/documentation/Documentation.pptx
+++ b/documentation/Documentation.pptx
@@ -275,7 +275,7 @@
           <a:p>
             <a:fld id="{5BBE8B7C-962A-488F-9EDA-3E88B9A0CE54}" type="datetimeFigureOut">
               <a:rPr lang="en-US" smtClean="0"/>
-              <a:t>6/25/2021</a:t>
+              <a:t>6/28/2021</a:t>
             </a:fld>
             <a:endParaRPr lang="en-US"/>
           </a:p>
@@ -445,7 +445,7 @@
           <a:p>
             <a:fld id="{5BBE8B7C-962A-488F-9EDA-3E88B9A0CE54}" type="datetimeFigureOut">
               <a:rPr lang="en-US" smtClean="0"/>
-              <a:t>6/25/2021</a:t>
+              <a:t>6/28/2021</a:t>
             </a:fld>
             <a:endParaRPr lang="en-US"/>
           </a:p>
@@ -625,7 +625,7 @@
           <a:p>
             <a:fld id="{5BBE8B7C-962A-488F-9EDA-3E88B9A0CE54}" type="datetimeFigureOut">
               <a:rPr lang="en-US" smtClean="0"/>
-              <a:t>6/25/2021</a:t>
+              <a:t>6/28/2021</a:t>
             </a:fld>
             <a:endParaRPr lang="en-US"/>
           </a:p>
@@ -795,7 +795,7 @@
           <a:p>
             <a:fld id="{5BBE8B7C-962A-488F-9EDA-3E88B9A0CE54}" type="datetimeFigureOut">
               <a:rPr lang="en-US" smtClean="0"/>
-              <a:t>6/25/2021</a:t>
+              <a:t>6/28/2021</a:t>
             </a:fld>
             <a:endParaRPr lang="en-US"/>
           </a:p>
@@ -1041,7 +1041,7 @@
           <a:p>
             <a:fld id="{5BBE8B7C-962A-488F-9EDA-3E88B9A0CE54}" type="datetimeFigureOut">
               <a:rPr lang="en-US" smtClean="0"/>
-              <a:t>6/25/2021</a:t>
+              <a:t>6/28/2021</a:t>
             </a:fld>
             <a:endParaRPr lang="en-US"/>
           </a:p>
@@ -1273,7 +1273,7 @@
           <a:p>
             <a:fld id="{5BBE8B7C-962A-488F-9EDA-3E88B9A0CE54}" type="datetimeFigureOut">
               <a:rPr lang="en-US" smtClean="0"/>
-              <a:t>6/25/2021</a:t>
+              <a:t>6/28/2021</a:t>
             </a:fld>
             <a:endParaRPr lang="en-US"/>
           </a:p>
@@ -1640,7 +1640,7 @@
           <a:p>
             <a:fld id="{5BBE8B7C-962A-488F-9EDA-3E88B9A0CE54}" type="datetimeFigureOut">
               <a:rPr lang="en-US" smtClean="0"/>
-              <a:t>6/25/2021</a:t>
+              <a:t>6/28/2021</a:t>
             </a:fld>
             <a:endParaRPr lang="en-US"/>
           </a:p>
@@ -1758,7 +1758,7 @@
           <a:p>
             <a:fld id="{5BBE8B7C-962A-488F-9EDA-3E88B9A0CE54}" type="datetimeFigureOut">
               <a:rPr lang="en-US" smtClean="0"/>
-              <a:t>6/25/2021</a:t>
+              <a:t>6/28/2021</a:t>
             </a:fld>
             <a:endParaRPr lang="en-US"/>
           </a:p>
@@ -1853,7 +1853,7 @@
           <a:p>
             <a:fld id="{5BBE8B7C-962A-488F-9EDA-3E88B9A0CE54}" type="datetimeFigureOut">
               <a:rPr lang="en-US" smtClean="0"/>
-              <a:t>6/25/2021</a:t>
+              <a:t>6/28/2021</a:t>
             </a:fld>
             <a:endParaRPr lang="en-US"/>
           </a:p>
@@ -2130,7 +2130,7 @@
           <a:p>
             <a:fld id="{5BBE8B7C-962A-488F-9EDA-3E88B9A0CE54}" type="datetimeFigureOut">
               <a:rPr lang="en-US" smtClean="0"/>
-              <a:t>6/25/2021</a:t>
+              <a:t>6/28/2021</a:t>
             </a:fld>
             <a:endParaRPr lang="en-US"/>
           </a:p>
@@ -2383,7 +2383,7 @@
           <a:p>
             <a:fld id="{5BBE8B7C-962A-488F-9EDA-3E88B9A0CE54}" type="datetimeFigureOut">
               <a:rPr lang="en-US" smtClean="0"/>
-              <a:t>6/25/2021</a:t>
+              <a:t>6/28/2021</a:t>
             </a:fld>
             <a:endParaRPr lang="en-US"/>
           </a:p>
@@ -2596,7 +2596,7 @@
           <a:p>
             <a:fld id="{5BBE8B7C-962A-488F-9EDA-3E88B9A0CE54}" type="datetimeFigureOut">
               <a:rPr lang="en-US" smtClean="0"/>
-              <a:t>6/25/2021</a:t>
+              <a:t>6/28/2021</a:t>
             </a:fld>
             <a:endParaRPr lang="en-US"/>
           </a:p>
@@ -3009,8 +3009,8 @@
         </p:nvSpPr>
         <p:spPr>
           <a:xfrm>
-            <a:off x="7373634" y="1862649"/>
-            <a:ext cx="1039319" cy="979865"/>
+            <a:off x="7229790" y="1586191"/>
+            <a:ext cx="1183164" cy="979865"/>
           </a:xfrm>
           <a:prstGeom prst="rect">
             <a:avLst/>
@@ -3055,8 +3055,8 @@
         </p:nvSpPr>
         <p:spPr>
           <a:xfrm>
-            <a:off x="6319019" y="1862649"/>
-            <a:ext cx="1054616" cy="979865"/>
+            <a:off x="6319019" y="1586191"/>
+            <a:ext cx="1037144" cy="979865"/>
           </a:xfrm>
           <a:prstGeom prst="rect">
             <a:avLst/>
@@ -3101,8 +3101,8 @@
         </p:nvSpPr>
         <p:spPr>
           <a:xfrm>
-            <a:off x="5295876" y="1862649"/>
-            <a:ext cx="1039319" cy="979865"/>
+            <a:off x="5295877" y="1586191"/>
+            <a:ext cx="1031488" cy="979865"/>
           </a:xfrm>
           <a:prstGeom prst="rect">
             <a:avLst/>
@@ -3147,8 +3147,8 @@
         </p:nvSpPr>
         <p:spPr>
           <a:xfrm>
-            <a:off x="4241261" y="1862649"/>
-            <a:ext cx="1054616" cy="979865"/>
+            <a:off x="4229100" y="1586191"/>
+            <a:ext cx="1066777" cy="979865"/>
           </a:xfrm>
           <a:prstGeom prst="rect">
             <a:avLst/>
@@ -3193,8 +3193,8 @@
         </p:nvSpPr>
         <p:spPr>
           <a:xfrm>
-            <a:off x="3201941" y="1862651"/>
-            <a:ext cx="1039319" cy="979865"/>
+            <a:off x="3201941" y="1586193"/>
+            <a:ext cx="1027159" cy="979865"/>
           </a:xfrm>
           <a:prstGeom prst="rect">
             <a:avLst/>
@@ -3474,7 +3474,7 @@
         </p:nvGrpSpPr>
         <p:grpSpPr>
           <a:xfrm>
-            <a:off x="3172758" y="1862651"/>
+            <a:off x="3172758" y="1586193"/>
             <a:ext cx="5256372" cy="979865"/>
             <a:chOff x="2135177" y="826851"/>
             <a:chExt cx="5256372" cy="979865"/>
@@ -3559,7 +3559,7 @@
         </p:nvSpPr>
         <p:spPr>
           <a:xfrm>
-            <a:off x="527237" y="2167917"/>
+            <a:off x="527237" y="1891459"/>
             <a:ext cx="1973361" cy="369332"/>
           </a:xfrm>
           <a:prstGeom prst="rect">
@@ -3631,7 +3631,7 @@
         </p:nvGrpSpPr>
         <p:grpSpPr>
           <a:xfrm>
-            <a:off x="7373635" y="182363"/>
+            <a:off x="7351027" y="182363"/>
             <a:ext cx="1055495" cy="979865"/>
             <a:chOff x="4245288" y="813881"/>
             <a:chExt cx="1055495" cy="979865"/>
@@ -3801,7 +3801,7 @@
         </p:nvSpPr>
         <p:spPr>
           <a:xfrm>
-            <a:off x="4310744" y="3020561"/>
+            <a:off x="4310744" y="2744103"/>
             <a:ext cx="2023572" cy="979865"/>
           </a:xfrm>
           <a:prstGeom prst="rect">
@@ -3847,7 +3847,7 @@
         </p:nvSpPr>
         <p:spPr>
           <a:xfrm>
-            <a:off x="3201940" y="3020697"/>
+            <a:off x="3201940" y="2744239"/>
             <a:ext cx="1039319" cy="979865"/>
           </a:xfrm>
           <a:prstGeom prst="rect">
@@ -3893,7 +3893,7 @@
         </p:nvSpPr>
         <p:spPr>
           <a:xfrm>
-            <a:off x="527236" y="3240899"/>
+            <a:off x="527236" y="2964441"/>
             <a:ext cx="1831848" cy="646331"/>
           </a:xfrm>
           <a:prstGeom prst="rect">
@@ -3930,7 +3930,7 @@
         </p:nvSpPr>
         <p:spPr>
           <a:xfrm>
-            <a:off x="6404642" y="3020561"/>
+            <a:off x="6404642" y="2744103"/>
             <a:ext cx="2011955" cy="979865"/>
           </a:xfrm>
           <a:prstGeom prst="rect">
@@ -3976,7 +3976,7 @@
         </p:nvSpPr>
         <p:spPr>
           <a:xfrm>
-            <a:off x="3201940" y="4178473"/>
+            <a:off x="3201940" y="3902015"/>
             <a:ext cx="2096391" cy="979865"/>
           </a:xfrm>
           <a:prstGeom prst="rect">
@@ -4022,7 +4022,7 @@
         </p:nvSpPr>
         <p:spPr>
           <a:xfrm>
-            <a:off x="7368249" y="4183207"/>
+            <a:off x="7368249" y="3902015"/>
             <a:ext cx="1039319" cy="979865"/>
           </a:xfrm>
           <a:prstGeom prst="rect">
@@ -4068,7 +4068,7 @@
         </p:nvSpPr>
         <p:spPr>
           <a:xfrm>
-            <a:off x="527236" y="4398811"/>
+            <a:off x="527236" y="4122353"/>
             <a:ext cx="1831848" cy="646331"/>
           </a:xfrm>
           <a:prstGeom prst="rect">
@@ -4105,7 +4105,7 @@
         </p:nvSpPr>
         <p:spPr>
           <a:xfrm>
-            <a:off x="5353780" y="4178473"/>
+            <a:off x="5353780" y="3902015"/>
             <a:ext cx="2011955" cy="979865"/>
           </a:xfrm>
           <a:prstGeom prst="rect">
@@ -4151,7 +4151,7 @@
         </p:nvSpPr>
         <p:spPr>
           <a:xfrm>
-            <a:off x="4235872" y="3020561"/>
+            <a:off x="4232697" y="2744103"/>
             <a:ext cx="81101" cy="979865"/>
           </a:xfrm>
           <a:prstGeom prst="rect">
@@ -4197,7 +4197,7 @@
         </p:nvSpPr>
         <p:spPr>
           <a:xfrm>
-            <a:off x="6327364" y="3020561"/>
+            <a:off x="6327364" y="2744103"/>
             <a:ext cx="81101" cy="979865"/>
           </a:xfrm>
           <a:prstGeom prst="rect">
@@ -4243,7 +4243,7 @@
         </p:nvSpPr>
         <p:spPr>
           <a:xfrm>
-            <a:off x="7360125" y="4178473"/>
+            <a:off x="7356163" y="3902015"/>
             <a:ext cx="81101" cy="979865"/>
           </a:xfrm>
           <a:prstGeom prst="rect">
@@ -4289,7 +4289,7 @@
         </p:nvSpPr>
         <p:spPr>
           <a:xfrm>
-            <a:off x="5290821" y="4178473"/>
+            <a:off x="5290821" y="3902015"/>
             <a:ext cx="81101" cy="979865"/>
           </a:xfrm>
           <a:prstGeom prst="rect">
@@ -4335,7 +4335,7 @@
         </p:nvGrpSpPr>
         <p:grpSpPr>
           <a:xfrm>
-            <a:off x="3172757" y="3020697"/>
+            <a:off x="3172757" y="2744239"/>
             <a:ext cx="5256372" cy="979865"/>
             <a:chOff x="2135177" y="826851"/>
             <a:chExt cx="5256372" cy="979865"/>
@@ -4412,91 +4412,41 @@
           </p:style>
         </p:cxnSp>
       </p:grpSp>
-      <p:grpSp>
-        <p:nvGrpSpPr>
-          <p:cNvPr id="75" name="Group 74"/>
-          <p:cNvGrpSpPr/>
+      <p:cxnSp>
+        <p:nvCxnSpPr>
+          <p:cNvPr id="77" name="Straight Connector 76"/>
+          <p:cNvCxnSpPr/>
           <p:nvPr/>
-        </p:nvGrpSpPr>
-        <p:grpSpPr>
-          <a:xfrm>
-            <a:off x="3172757" y="4178609"/>
-            <a:ext cx="5256372" cy="979865"/>
-            <a:chOff x="2135177" y="826851"/>
-            <a:chExt cx="5256372" cy="979865"/>
-          </a:xfrm>
-        </p:grpSpPr>
-        <p:cxnSp>
-          <p:nvCxnSpPr>
-            <p:cNvPr id="76" name="Straight Connector 75"/>
-            <p:cNvCxnSpPr/>
-            <p:nvPr/>
-          </p:nvCxnSpPr>
-          <p:spPr>
-            <a:xfrm>
-              <a:off x="2135177" y="1800230"/>
-              <a:ext cx="5256372" cy="6484"/>
-            </a:xfrm>
-            <a:prstGeom prst="line">
-              <a:avLst/>
-            </a:prstGeom>
-            <a:ln w="57150">
-              <a:solidFill>
-                <a:schemeClr val="tx1"/>
-              </a:solidFill>
-            </a:ln>
-          </p:spPr>
-          <p:style>
-            <a:lnRef idx="1">
-              <a:schemeClr val="accent1"/>
-            </a:lnRef>
-            <a:fillRef idx="0">
-              <a:schemeClr val="accent1"/>
-            </a:fillRef>
-            <a:effectRef idx="0">
-              <a:schemeClr val="accent1"/>
-            </a:effectRef>
-            <a:fontRef idx="minor">
+        </p:nvCxnSpPr>
+        <p:spPr>
+          <a:xfrm flipV="1">
+            <a:off x="3201941" y="3902151"/>
+            <a:ext cx="0" cy="979865"/>
+          </a:xfrm>
+          <a:prstGeom prst="line">
+            <a:avLst/>
+          </a:prstGeom>
+          <a:ln w="57150">
+            <a:solidFill>
               <a:schemeClr val="tx1"/>
-            </a:fontRef>
-          </p:style>
-        </p:cxnSp>
-        <p:cxnSp>
-          <p:nvCxnSpPr>
-            <p:cNvPr id="77" name="Straight Connector 76"/>
-            <p:cNvCxnSpPr/>
-            <p:nvPr/>
-          </p:nvCxnSpPr>
-          <p:spPr>
-            <a:xfrm flipV="1">
-              <a:off x="2164361" y="826851"/>
-              <a:ext cx="0" cy="979865"/>
-            </a:xfrm>
-            <a:prstGeom prst="line">
-              <a:avLst/>
-            </a:prstGeom>
-            <a:ln w="57150">
-              <a:solidFill>
-                <a:schemeClr val="tx1"/>
-              </a:solidFill>
-            </a:ln>
-          </p:spPr>
-          <p:style>
-            <a:lnRef idx="1">
-              <a:schemeClr val="accent1"/>
-            </a:lnRef>
-            <a:fillRef idx="0">
-              <a:schemeClr val="accent1"/>
-            </a:fillRef>
-            <a:effectRef idx="0">
-              <a:schemeClr val="accent1"/>
-            </a:effectRef>
-            <a:fontRef idx="minor">
-              <a:schemeClr val="tx1"/>
-            </a:fontRef>
-          </p:style>
-        </p:cxnSp>
-      </p:grpSp>
+            </a:solidFill>
+          </a:ln>
+        </p:spPr>
+        <p:style>
+          <a:lnRef idx="1">
+            <a:schemeClr val="accent1"/>
+          </a:lnRef>
+          <a:fillRef idx="0">
+            <a:schemeClr val="accent1"/>
+          </a:fillRef>
+          <a:effectRef idx="0">
+            <a:schemeClr val="accent1"/>
+          </a:effectRef>
+          <a:fontRef idx="minor">
+            <a:schemeClr val="tx1"/>
+          </a:fontRef>
+        </p:style>
+      </p:cxnSp>
       <p:sp>
         <p:nvSpPr>
           <p:cNvPr id="81" name="Rectangle 80"/>
@@ -4505,8 +4455,8 @@
         </p:nvSpPr>
         <p:spPr>
           <a:xfrm>
-            <a:off x="7373634" y="5339274"/>
-            <a:ext cx="1039319" cy="979865"/>
+            <a:off x="7250806" y="6204149"/>
+            <a:ext cx="1162147" cy="979865"/>
           </a:xfrm>
           <a:prstGeom prst="rect">
             <a:avLst/>
@@ -4551,8 +4501,8 @@
         </p:nvSpPr>
         <p:spPr>
           <a:xfrm>
-            <a:off x="5290821" y="5339274"/>
-            <a:ext cx="2082814" cy="979865"/>
+            <a:off x="5290821" y="6204149"/>
+            <a:ext cx="2062479" cy="979865"/>
           </a:xfrm>
           <a:prstGeom prst="rect">
             <a:avLst/>
@@ -4597,7 +4547,7 @@
         </p:nvSpPr>
         <p:spPr>
           <a:xfrm>
-            <a:off x="3201941" y="5339276"/>
+            <a:off x="3201941" y="6204151"/>
             <a:ext cx="2096390" cy="979865"/>
           </a:xfrm>
           <a:prstGeom prst="rect">
@@ -4643,7 +4593,7 @@
         </p:nvGrpSpPr>
         <p:grpSpPr>
           <a:xfrm>
-            <a:off x="3172758" y="5339276"/>
+            <a:off x="3172758" y="6204151"/>
             <a:ext cx="5256372" cy="979865"/>
             <a:chOff x="2135177" y="826851"/>
             <a:chExt cx="5256372" cy="979865"/>
@@ -4728,7 +4678,7 @@
         </p:nvSpPr>
         <p:spPr>
           <a:xfrm>
-            <a:off x="527237" y="5644542"/>
+            <a:off x="527237" y="6509417"/>
             <a:ext cx="1634935" cy="369332"/>
           </a:xfrm>
           <a:prstGeom prst="rect">
@@ -4758,7 +4708,7 @@
         </p:nvGrpSpPr>
         <p:grpSpPr>
           <a:xfrm>
-            <a:off x="4193934" y="6571541"/>
+            <a:off x="4193934" y="7436416"/>
             <a:ext cx="3189155" cy="394287"/>
             <a:chOff x="3785279" y="5984611"/>
             <a:chExt cx="3189155" cy="394287"/>
@@ -5018,7 +4968,7 @@
         </p:nvSpPr>
         <p:spPr>
           <a:xfrm rot="16200000">
-            <a:off x="7642423" y="3933994"/>
+            <a:off x="7642423" y="3657536"/>
             <a:ext cx="2066656" cy="369332"/>
           </a:xfrm>
           <a:prstGeom prst="rect">
@@ -5040,6 +4990,474 @@
           </a:p>
         </p:txBody>
       </p:sp>
+      <p:sp>
+        <p:nvSpPr>
+          <p:cNvPr id="78" name="Rectangle 77"/>
+          <p:cNvSpPr/>
+          <p:nvPr/>
+        </p:nvSpPr>
+        <p:spPr>
+          <a:xfrm>
+            <a:off x="3204212" y="5058319"/>
+            <a:ext cx="2096391" cy="979865"/>
+          </a:xfrm>
+          <a:prstGeom prst="rect">
+            <a:avLst/>
+          </a:prstGeom>
+          <a:solidFill>
+            <a:srgbClr val="C00000"/>
+          </a:solidFill>
+          <a:ln>
+            <a:noFill/>
+          </a:ln>
+        </p:spPr>
+        <p:style>
+          <a:lnRef idx="2">
+            <a:schemeClr val="accent1">
+              <a:shade val="50000"/>
+            </a:schemeClr>
+          </a:lnRef>
+          <a:fillRef idx="1">
+            <a:schemeClr val="accent1"/>
+          </a:fillRef>
+          <a:effectRef idx="0">
+            <a:schemeClr val="accent1"/>
+          </a:effectRef>
+          <a:fontRef idx="minor">
+            <a:schemeClr val="lt1"/>
+          </a:fontRef>
+        </p:style>
+        <p:txBody>
+          <a:bodyPr rtlCol="0" anchor="ctr"/>
+          <a:lstStyle/>
+          <a:p>
+            <a:pPr algn="ctr"/>
+            <a:endParaRPr lang="en-US"/>
+          </a:p>
+        </p:txBody>
+      </p:sp>
+      <p:sp>
+        <p:nvSpPr>
+          <p:cNvPr id="79" name="Rectangle 78"/>
+          <p:cNvSpPr/>
+          <p:nvPr/>
+        </p:nvSpPr>
+        <p:spPr>
+          <a:xfrm>
+            <a:off x="7370521" y="5058319"/>
+            <a:ext cx="1039319" cy="979865"/>
+          </a:xfrm>
+          <a:prstGeom prst="rect">
+            <a:avLst/>
+          </a:prstGeom>
+          <a:solidFill>
+            <a:srgbClr val="C00000"/>
+          </a:solidFill>
+          <a:ln>
+            <a:noFill/>
+          </a:ln>
+        </p:spPr>
+        <p:style>
+          <a:lnRef idx="2">
+            <a:schemeClr val="accent1">
+              <a:shade val="50000"/>
+            </a:schemeClr>
+          </a:lnRef>
+          <a:fillRef idx="1">
+            <a:schemeClr val="accent1"/>
+          </a:fillRef>
+          <a:effectRef idx="0">
+            <a:schemeClr val="accent1"/>
+          </a:effectRef>
+          <a:fontRef idx="minor">
+            <a:schemeClr val="lt1"/>
+          </a:fontRef>
+        </p:style>
+        <p:txBody>
+          <a:bodyPr rtlCol="0" anchor="ctr"/>
+          <a:lstStyle/>
+          <a:p>
+            <a:pPr algn="ctr"/>
+            <a:endParaRPr lang="en-US"/>
+          </a:p>
+        </p:txBody>
+      </p:sp>
+      <p:sp>
+        <p:nvSpPr>
+          <p:cNvPr id="80" name="TextBox 79"/>
+          <p:cNvSpPr txBox="1"/>
+          <p:nvPr/>
+        </p:nvSpPr>
+        <p:spPr>
+          <a:xfrm>
+            <a:off x="529508" y="5278657"/>
+            <a:ext cx="1831848" cy="646331"/>
+          </a:xfrm>
+          <a:prstGeom prst="rect">
+            <a:avLst/>
+          </a:prstGeom>
+          <a:noFill/>
+        </p:spPr>
+        <p:txBody>
+          <a:bodyPr wrap="none" rtlCol="0">
+            <a:spAutoFit/>
+          </a:bodyPr>
+          <a:lstStyle/>
+          <a:p>
+            <a:r>
+              <a:rPr lang="en-US" b="1" dirty="0" err="1" smtClean="0"/>
+              <a:t>PushEventButton</a:t>
+            </a:r>
+            <a:endParaRPr lang="en-US" b="1" dirty="0" smtClean="0"/>
+          </a:p>
+          <a:p>
+            <a:r>
+              <a:rPr lang="en-US" b="1" dirty="0" smtClean="0"/>
+              <a:t>(capture </a:t>
+            </a:r>
+            <a:r>
+              <a:rPr lang="en-US" b="1" dirty="0" smtClean="0"/>
+              <a:t>both)</a:t>
+            </a:r>
+            <a:endParaRPr lang="en-US" b="1" dirty="0"/>
+          </a:p>
+        </p:txBody>
+      </p:sp>
+      <p:sp>
+        <p:nvSpPr>
+          <p:cNvPr id="88" name="Rectangle 87"/>
+          <p:cNvSpPr/>
+          <p:nvPr/>
+        </p:nvSpPr>
+        <p:spPr>
+          <a:xfrm>
+            <a:off x="5356052" y="5058319"/>
+            <a:ext cx="2011955" cy="979865"/>
+          </a:xfrm>
+          <a:prstGeom prst="rect">
+            <a:avLst/>
+          </a:prstGeom>
+          <a:solidFill>
+            <a:srgbClr val="C00000"/>
+          </a:solidFill>
+          <a:ln>
+            <a:noFill/>
+          </a:ln>
+        </p:spPr>
+        <p:style>
+          <a:lnRef idx="2">
+            <a:schemeClr val="accent1">
+              <a:shade val="50000"/>
+            </a:schemeClr>
+          </a:lnRef>
+          <a:fillRef idx="1">
+            <a:schemeClr val="accent1"/>
+          </a:fillRef>
+          <a:effectRef idx="0">
+            <a:schemeClr val="accent1"/>
+          </a:effectRef>
+          <a:fontRef idx="minor">
+            <a:schemeClr val="lt1"/>
+          </a:fontRef>
+        </p:style>
+        <p:txBody>
+          <a:bodyPr rtlCol="0" anchor="ctr"/>
+          <a:lstStyle/>
+          <a:p>
+            <a:pPr algn="ctr"/>
+            <a:endParaRPr lang="en-US"/>
+          </a:p>
+        </p:txBody>
+      </p:sp>
+      <p:sp>
+        <p:nvSpPr>
+          <p:cNvPr id="90" name="Rectangle 89"/>
+          <p:cNvSpPr/>
+          <p:nvPr/>
+        </p:nvSpPr>
+        <p:spPr>
+          <a:xfrm>
+            <a:off x="7357559" y="5058319"/>
+            <a:ext cx="81101" cy="979865"/>
+          </a:xfrm>
+          <a:prstGeom prst="rect">
+            <a:avLst/>
+          </a:prstGeom>
+          <a:solidFill>
+            <a:srgbClr val="00B050"/>
+          </a:solidFill>
+          <a:ln>
+            <a:noFill/>
+          </a:ln>
+        </p:spPr>
+        <p:style>
+          <a:lnRef idx="2">
+            <a:schemeClr val="accent1">
+              <a:shade val="50000"/>
+            </a:schemeClr>
+          </a:lnRef>
+          <a:fillRef idx="1">
+            <a:schemeClr val="accent1"/>
+          </a:fillRef>
+          <a:effectRef idx="0">
+            <a:schemeClr val="accent1"/>
+          </a:effectRef>
+          <a:fontRef idx="minor">
+            <a:schemeClr val="lt1"/>
+          </a:fontRef>
+        </p:style>
+        <p:txBody>
+          <a:bodyPr rtlCol="0" anchor="ctr"/>
+          <a:lstStyle/>
+          <a:p>
+            <a:pPr algn="ctr"/>
+            <a:endParaRPr lang="en-US"/>
+          </a:p>
+        </p:txBody>
+      </p:sp>
+      <p:sp>
+        <p:nvSpPr>
+          <p:cNvPr id="94" name="Rectangle 93"/>
+          <p:cNvSpPr/>
+          <p:nvPr/>
+        </p:nvSpPr>
+        <p:spPr>
+          <a:xfrm>
+            <a:off x="5293093" y="5058319"/>
+            <a:ext cx="81101" cy="979865"/>
+          </a:xfrm>
+          <a:prstGeom prst="rect">
+            <a:avLst/>
+          </a:prstGeom>
+          <a:solidFill>
+            <a:srgbClr val="00B050"/>
+          </a:solidFill>
+          <a:ln>
+            <a:noFill/>
+          </a:ln>
+        </p:spPr>
+        <p:style>
+          <a:lnRef idx="2">
+            <a:schemeClr val="accent1">
+              <a:shade val="50000"/>
+            </a:schemeClr>
+          </a:lnRef>
+          <a:fillRef idx="1">
+            <a:schemeClr val="accent1"/>
+          </a:fillRef>
+          <a:effectRef idx="0">
+            <a:schemeClr val="accent1"/>
+          </a:effectRef>
+          <a:fontRef idx="minor">
+            <a:schemeClr val="lt1"/>
+          </a:fontRef>
+        </p:style>
+        <p:txBody>
+          <a:bodyPr rtlCol="0" anchor="ctr"/>
+          <a:lstStyle/>
+          <a:p>
+            <a:pPr algn="ctr"/>
+            <a:endParaRPr lang="en-US"/>
+          </a:p>
+        </p:txBody>
+      </p:sp>
+      <p:cxnSp>
+        <p:nvCxnSpPr>
+          <p:cNvPr id="101" name="Straight Connector 100"/>
+          <p:cNvCxnSpPr/>
+          <p:nvPr/>
+        </p:nvCxnSpPr>
+        <p:spPr>
+          <a:xfrm flipV="1">
+            <a:off x="3204213" y="5058455"/>
+            <a:ext cx="0" cy="979865"/>
+          </a:xfrm>
+          <a:prstGeom prst="line">
+            <a:avLst/>
+          </a:prstGeom>
+          <a:ln w="57150">
+            <a:solidFill>
+              <a:schemeClr val="tx1"/>
+            </a:solidFill>
+          </a:ln>
+        </p:spPr>
+        <p:style>
+          <a:lnRef idx="1">
+            <a:schemeClr val="accent1"/>
+          </a:lnRef>
+          <a:fillRef idx="0">
+            <a:schemeClr val="accent1"/>
+          </a:fillRef>
+          <a:effectRef idx="0">
+            <a:schemeClr val="accent1"/>
+          </a:effectRef>
+          <a:fontRef idx="minor">
+            <a:schemeClr val="tx1"/>
+          </a:fontRef>
+        </p:style>
+      </p:cxnSp>
+      <p:sp>
+        <p:nvSpPr>
+          <p:cNvPr id="102" name="Rectangle 101"/>
+          <p:cNvSpPr/>
+          <p:nvPr/>
+        </p:nvSpPr>
+        <p:spPr>
+          <a:xfrm>
+            <a:off x="4232480" y="5058319"/>
+            <a:ext cx="81101" cy="979865"/>
+          </a:xfrm>
+          <a:prstGeom prst="rect">
+            <a:avLst/>
+          </a:prstGeom>
+          <a:solidFill>
+            <a:srgbClr val="00B050"/>
+          </a:solidFill>
+          <a:ln>
+            <a:noFill/>
+          </a:ln>
+        </p:spPr>
+        <p:style>
+          <a:lnRef idx="2">
+            <a:schemeClr val="accent1">
+              <a:shade val="50000"/>
+            </a:schemeClr>
+          </a:lnRef>
+          <a:fillRef idx="1">
+            <a:schemeClr val="accent1"/>
+          </a:fillRef>
+          <a:effectRef idx="0">
+            <a:schemeClr val="accent1"/>
+          </a:effectRef>
+          <a:fontRef idx="minor">
+            <a:schemeClr val="lt1"/>
+          </a:fontRef>
+        </p:style>
+        <p:txBody>
+          <a:bodyPr rtlCol="0" anchor="ctr"/>
+          <a:lstStyle/>
+          <a:p>
+            <a:pPr algn="ctr"/>
+            <a:endParaRPr lang="en-US"/>
+          </a:p>
+        </p:txBody>
+      </p:sp>
+      <p:sp>
+        <p:nvSpPr>
+          <p:cNvPr id="103" name="Rectangle 102"/>
+          <p:cNvSpPr/>
+          <p:nvPr/>
+        </p:nvSpPr>
+        <p:spPr>
+          <a:xfrm>
+            <a:off x="6323541" y="5058319"/>
+            <a:ext cx="81101" cy="979865"/>
+          </a:xfrm>
+          <a:prstGeom prst="rect">
+            <a:avLst/>
+          </a:prstGeom>
+          <a:solidFill>
+            <a:srgbClr val="00B050"/>
+          </a:solidFill>
+          <a:ln>
+            <a:noFill/>
+          </a:ln>
+        </p:spPr>
+        <p:style>
+          <a:lnRef idx="2">
+            <a:schemeClr val="accent1">
+              <a:shade val="50000"/>
+            </a:schemeClr>
+          </a:lnRef>
+          <a:fillRef idx="1">
+            <a:schemeClr val="accent1"/>
+          </a:fillRef>
+          <a:effectRef idx="0">
+            <a:schemeClr val="accent1"/>
+          </a:effectRef>
+          <a:fontRef idx="minor">
+            <a:schemeClr val="lt1"/>
+          </a:fontRef>
+        </p:style>
+        <p:txBody>
+          <a:bodyPr rtlCol="0" anchor="ctr"/>
+          <a:lstStyle/>
+          <a:p>
+            <a:pPr algn="ctr"/>
+            <a:endParaRPr lang="en-US"/>
+          </a:p>
+        </p:txBody>
+      </p:sp>
+      <p:cxnSp>
+        <p:nvCxnSpPr>
+          <p:cNvPr id="76" name="Straight Connector 75"/>
+          <p:cNvCxnSpPr/>
+          <p:nvPr/>
+        </p:nvCxnSpPr>
+        <p:spPr>
+          <a:xfrm>
+            <a:off x="3172757" y="4875530"/>
+            <a:ext cx="5256372" cy="6484"/>
+          </a:xfrm>
+          <a:prstGeom prst="line">
+            <a:avLst/>
+          </a:prstGeom>
+          <a:ln w="57150">
+            <a:solidFill>
+              <a:schemeClr val="tx1"/>
+            </a:solidFill>
+          </a:ln>
+        </p:spPr>
+        <p:style>
+          <a:lnRef idx="1">
+            <a:schemeClr val="accent1"/>
+          </a:lnRef>
+          <a:fillRef idx="0">
+            <a:schemeClr val="accent1"/>
+          </a:fillRef>
+          <a:effectRef idx="0">
+            <a:schemeClr val="accent1"/>
+          </a:effectRef>
+          <a:fontRef idx="minor">
+            <a:schemeClr val="tx1"/>
+          </a:fontRef>
+        </p:style>
+      </p:cxnSp>
+      <p:cxnSp>
+        <p:nvCxnSpPr>
+          <p:cNvPr id="100" name="Straight Connector 99"/>
+          <p:cNvCxnSpPr/>
+          <p:nvPr/>
+        </p:nvCxnSpPr>
+        <p:spPr>
+          <a:xfrm>
+            <a:off x="3175029" y="6031834"/>
+            <a:ext cx="5256372" cy="6484"/>
+          </a:xfrm>
+          <a:prstGeom prst="line">
+            <a:avLst/>
+          </a:prstGeom>
+          <a:ln w="57150">
+            <a:solidFill>
+              <a:schemeClr val="tx1"/>
+            </a:solidFill>
+          </a:ln>
+        </p:spPr>
+        <p:style>
+          <a:lnRef idx="1">
+            <a:schemeClr val="accent1"/>
+          </a:lnRef>
+          <a:fillRef idx="0">
+            <a:schemeClr val="accent1"/>
+          </a:fillRef>
+          <a:effectRef idx="0">
+            <a:schemeClr val="accent1"/>
+          </a:effectRef>
+          <a:fontRef idx="minor">
+            <a:schemeClr val="tx1"/>
+          </a:fontRef>
+        </p:style>
+      </p:cxnSp>
     </p:spTree>
     <p:extLst>
       <p:ext uri="{BB962C8B-B14F-4D97-AF65-F5344CB8AC3E}">
@@ -7235,11 +7653,11 @@
   <p:clrMapOvr>
     <a:masterClrMapping/>
   </p:clrMapOvr>
-  <mc:AlternateContent xmlns:mc="http://schemas.openxmlformats.org/markup-compatibility/2006">
-    <mc:Choice xmlns:p14="http://schemas.microsoft.com/office/powerpoint/2010/main" Requires="p14">
+  <mc:AlternateContent xmlns:mc="http://schemas.openxmlformats.org/markup-compatibility/2006" xmlns:p14="http://schemas.microsoft.com/office/powerpoint/2010/main">
+    <mc:Choice Requires="p14">
       <p:transition spd="slow" p14:dur="2000"/>
     </mc:Choice>
-    <mc:Fallback>
+    <mc:Fallback xmlns="">
       <p:transition spd="slow"/>
     </mc:Fallback>
   </mc:AlternateContent>
